--- a/Weekly_Report_wk11_Frank.pptx
+++ b/Weekly_Report_wk11_Frank.pptx
@@ -18,25 +18,24 @@
     <p:sldMasterId id="2147483759" r:id="rId14"/>
   </p:sldMasterIdLst>
   <p:notesMasterIdLst>
-    <p:notesMasterId r:id="rId28"/>
+    <p:notesMasterId r:id="rId27"/>
   </p:notesMasterIdLst>
   <p:handoutMasterIdLst>
-    <p:handoutMasterId r:id="rId29"/>
+    <p:handoutMasterId r:id="rId28"/>
   </p:handoutMasterIdLst>
   <p:sldIdLst>
     <p:sldId id="6503" r:id="rId15"/>
-    <p:sldId id="6504" r:id="rId16"/>
-    <p:sldId id="6505" r:id="rId17"/>
-    <p:sldId id="6506" r:id="rId18"/>
-    <p:sldId id="6508" r:id="rId19"/>
-    <p:sldId id="6522" r:id="rId20"/>
-    <p:sldId id="6525" r:id="rId21"/>
-    <p:sldId id="6531" r:id="rId22"/>
-    <p:sldId id="6532" r:id="rId23"/>
-    <p:sldId id="6527" r:id="rId24"/>
-    <p:sldId id="6530" r:id="rId25"/>
-    <p:sldId id="6529" r:id="rId26"/>
-    <p:sldId id="6528" r:id="rId27"/>
+    <p:sldId id="6505" r:id="rId16"/>
+    <p:sldId id="6508" r:id="rId17"/>
+    <p:sldId id="6522" r:id="rId18"/>
+    <p:sldId id="6525" r:id="rId19"/>
+    <p:sldId id="6531" r:id="rId20"/>
+    <p:sldId id="6532" r:id="rId21"/>
+    <p:sldId id="6527" r:id="rId22"/>
+    <p:sldId id="6530" r:id="rId23"/>
+    <p:sldId id="6529" r:id="rId24"/>
+    <p:sldId id="6528" r:id="rId25"/>
+    <p:sldId id="6533" r:id="rId26"/>
   </p:sldIdLst>
   <p:sldSz cx="9721850" cy="6121400"/>
   <p:notesSz cx="6858000" cy="9144000"/>
@@ -166,6 +165,38 @@
     </a:lvl9pPr>
   </p:defaultTextStyle>
   <p:extLst>
+    <p:ext uri="{521415D9-36F7-43E2-AB2F-B90AF26B5E84}">
+      <p14:sectionLst xmlns:p14="http://schemas.microsoft.com/office/powerpoint/2010/main">
+        <p14:section name="預設章節" id="{E82BC5D7-02DC-40F0-980F-3C5A431DF02F}">
+          <p14:sldIdLst>
+            <p14:sldId id="6503"/>
+            <p14:sldId id="6505"/>
+            <p14:sldId id="6508"/>
+          </p14:sldIdLst>
+        </p14:section>
+        <p14:section name="Real Time Task" id="{96286237-C829-4724-B38A-FB088BD25972}">
+          <p14:sldIdLst>
+            <p14:sldId id="6522"/>
+            <p14:sldId id="6525"/>
+            <p14:sldId id="6531"/>
+            <p14:sldId id="6532"/>
+          </p14:sldIdLst>
+        </p14:section>
+        <p14:section name="Non Real Time Task" id="{5C6AF9AF-2A2E-4F1E-B611-4FC904057550}">
+          <p14:sldIdLst>
+            <p14:sldId id="6527"/>
+            <p14:sldId id="6530"/>
+            <p14:sldId id="6529"/>
+            <p14:sldId id="6528"/>
+          </p14:sldIdLst>
+        </p14:section>
+        <p14:section name="CPU 使用率" id="{33209083-A492-4352-B0A8-3231D4622F08}">
+          <p14:sldIdLst>
+            <p14:sldId id="6533"/>
+          </p14:sldIdLst>
+        </p14:section>
+      </p14:sectionLst>
+    </p:ext>
     <p:ext uri="{EFAFB233-063F-42B5-8137-9DF3F51BA10A}">
       <p15:sldGuideLst xmlns:p15="http://schemas.microsoft.com/office/powerpoint/2012/main">
         <p15:guide id="1" orient="horz" pos="954">
@@ -293,7 +324,7 @@
             </a:pPr>
             <a:fld id="{AB89EAA9-856F-4A4A-A01E-EC67C13E1C54}" type="datetimeFigureOut">
               <a:rPr lang="zh-TW" altLang="en-US"/>
-              <a:t>2022/3/19</a:t>
+              <a:t>2022/3/20</a:t>
             </a:fld>
             <a:endParaRPr lang="zh-TW" altLang="en-US"/>
           </a:p>
@@ -376,6 +407,11 @@
         </p:txBody>
       </p:sp>
     </p:spTree>
+    <p:extLst>
+      <p:ext uri="{BB962C8B-B14F-4D97-AF65-F5344CB8AC3E}">
+        <p14:creationId xmlns:p14="http://schemas.microsoft.com/office/powerpoint/2010/main" val="1"/>
+      </p:ext>
+    </p:extLst>
   </p:cSld>
   <p:clrMap bg1="lt1" tx1="dk1" bg2="lt2" tx2="dk2" accent1="accent1" accent2="accent2" accent3="accent3" accent4="accent4" accent5="accent5" accent6="accent6" hlink="hlink" folHlink="folHlink"/>
   <p:hf hdr="0" ftr="0" dt="0"/>
@@ -477,7 +513,7 @@
             </a:pPr>
             <a:fld id="{C7B29E92-4F92-4BA4-BFFB-9DF6BF61A2EA}" type="datetimeFigureOut">
               <a:rPr lang="zh-TW" altLang="en-US"/>
-              <a:t>2022/3/19</a:t>
+              <a:t>2022/3/20</a:t>
             </a:fld>
             <a:endParaRPr lang="zh-TW" altLang="en-US"/>
           </a:p>
@@ -39259,584 +39295,6 @@
         </p:blipFill>
         <p:spPr>
           <a:xfrm>
-            <a:off x="36707" y="2901639"/>
-            <a:ext cx="3599998" cy="2001182"/>
-          </a:xfrm>
-          <a:prstGeom prst="rect">
-            <a:avLst/>
-          </a:prstGeom>
-        </p:spPr>
-      </p:pic>
-      <p:sp>
-        <p:nvSpPr>
-          <p:cNvPr id="4" name="標題 3">
-            <a:extLst>
-              <a:ext uri="{FF2B5EF4-FFF2-40B4-BE49-F238E27FC236}">
-                <a16:creationId xmlns:a16="http://schemas.microsoft.com/office/drawing/2014/main" id="{C2B72EE1-9FE7-47AC-ADAF-7926368007A1}"/>
-              </a:ext>
-            </a:extLst>
-          </p:cNvPr>
-          <p:cNvSpPr>
-            <a:spLocks noGrp="1"/>
-          </p:cNvSpPr>
-          <p:nvPr>
-            <p:ph type="title"/>
-          </p:nvPr>
-        </p:nvSpPr>
-        <p:spPr/>
-        <p:txBody>
-          <a:bodyPr/>
-          <a:lstStyle/>
-          <a:p>
-            <a:r>
-              <a:rPr lang="en-US" altLang="zh-TW" dirty="0"/>
-              <a:t>Non Real Time Task Waiting Time(x-1-x)</a:t>
-            </a:r>
-            <a:endParaRPr lang="zh-TW" altLang="en-US" dirty="0"/>
-          </a:p>
-        </p:txBody>
-      </p:sp>
-      <p:pic>
-        <p:nvPicPr>
-          <p:cNvPr id="6" name="圖片 5">
-            <a:extLst>
-              <a:ext uri="{FF2B5EF4-FFF2-40B4-BE49-F238E27FC236}">
-                <a16:creationId xmlns:a16="http://schemas.microsoft.com/office/drawing/2014/main" id="{91C2CFEA-46CC-4FE6-B6F8-140B1E60D67C}"/>
-              </a:ext>
-            </a:extLst>
-          </p:cNvPr>
-          <p:cNvPicPr>
-            <a:picLocks noChangeAspect="1"/>
-          </p:cNvPicPr>
-          <p:nvPr/>
-        </p:nvPicPr>
-        <p:blipFill>
-          <a:blip r:embed="rId3" cstate="print">
-            <a:extLst>
-              <a:ext uri="{28A0092B-C50C-407E-A947-70E740481C1C}">
-                <a14:useLocalDpi xmlns:a14="http://schemas.microsoft.com/office/drawing/2010/main" val="0"/>
-              </a:ext>
-            </a:extLst>
-          </a:blip>
-          <a:stretch>
-            <a:fillRect/>
-          </a:stretch>
-        </p:blipFill>
-        <p:spPr>
-          <a:xfrm>
-            <a:off x="36389" y="900460"/>
-            <a:ext cx="3600000" cy="2001182"/>
-          </a:xfrm>
-          <a:prstGeom prst="rect">
-            <a:avLst/>
-          </a:prstGeom>
-        </p:spPr>
-      </p:pic>
-      <p:pic>
-        <p:nvPicPr>
-          <p:cNvPr id="8" name="圖片 7">
-            <a:extLst>
-              <a:ext uri="{FF2B5EF4-FFF2-40B4-BE49-F238E27FC236}">
-                <a16:creationId xmlns:a16="http://schemas.microsoft.com/office/drawing/2014/main" id="{11110B4C-976F-402C-B30B-58EA747C0B4D}"/>
-              </a:ext>
-            </a:extLst>
-          </p:cNvPr>
-          <p:cNvPicPr>
-            <a:picLocks noChangeAspect="1"/>
-          </p:cNvPicPr>
-          <p:nvPr/>
-        </p:nvPicPr>
-        <p:blipFill>
-          <a:blip r:embed="rId4" cstate="print">
-            <a:extLst>
-              <a:ext uri="{28A0092B-C50C-407E-A947-70E740481C1C}">
-                <a14:useLocalDpi xmlns:a14="http://schemas.microsoft.com/office/drawing/2010/main" val="0"/>
-              </a:ext>
-            </a:extLst>
-          </a:blip>
-          <a:stretch>
-            <a:fillRect/>
-          </a:stretch>
-        </p:blipFill>
-        <p:spPr>
-          <a:xfrm>
-            <a:off x="2988717" y="900459"/>
-            <a:ext cx="3600000" cy="2001182"/>
-          </a:xfrm>
-          <a:prstGeom prst="rect">
-            <a:avLst/>
-          </a:prstGeom>
-        </p:spPr>
-      </p:pic>
-      <p:pic>
-        <p:nvPicPr>
-          <p:cNvPr id="17" name="圖片 16">
-            <a:extLst>
-              <a:ext uri="{FF2B5EF4-FFF2-40B4-BE49-F238E27FC236}">
-                <a16:creationId xmlns:a16="http://schemas.microsoft.com/office/drawing/2014/main" id="{9097A7F4-525E-4D04-B857-67016E3FAA79}"/>
-              </a:ext>
-            </a:extLst>
-          </p:cNvPr>
-          <p:cNvPicPr>
-            <a:picLocks noChangeAspect="1"/>
-          </p:cNvPicPr>
-          <p:nvPr/>
-        </p:nvPicPr>
-        <p:blipFill>
-          <a:blip r:embed="rId5" cstate="print">
-            <a:extLst>
-              <a:ext uri="{28A0092B-C50C-407E-A947-70E740481C1C}">
-                <a14:useLocalDpi xmlns:a14="http://schemas.microsoft.com/office/drawing/2010/main" val="0"/>
-              </a:ext>
-            </a:extLst>
-          </a:blip>
-          <a:stretch>
-            <a:fillRect/>
-          </a:stretch>
-        </p:blipFill>
-        <p:spPr>
-          <a:xfrm>
-            <a:off x="5963622" y="900458"/>
-            <a:ext cx="3600000" cy="2001182"/>
-          </a:xfrm>
-          <a:prstGeom prst="rect">
-            <a:avLst/>
-          </a:prstGeom>
-        </p:spPr>
-      </p:pic>
-      <p:pic>
-        <p:nvPicPr>
-          <p:cNvPr id="21" name="圖片 20">
-            <a:extLst>
-              <a:ext uri="{FF2B5EF4-FFF2-40B4-BE49-F238E27FC236}">
-                <a16:creationId xmlns:a16="http://schemas.microsoft.com/office/drawing/2014/main" id="{765287B1-0D60-4376-8D43-B6D7F7385A85}"/>
-              </a:ext>
-            </a:extLst>
-          </p:cNvPr>
-          <p:cNvPicPr>
-            <a:picLocks noChangeAspect="1"/>
-          </p:cNvPicPr>
-          <p:nvPr/>
-        </p:nvPicPr>
-        <p:blipFill>
-          <a:blip r:embed="rId6" cstate="print">
-            <a:extLst>
-              <a:ext uri="{28A0092B-C50C-407E-A947-70E740481C1C}">
-                <a14:useLocalDpi xmlns:a14="http://schemas.microsoft.com/office/drawing/2010/main" val="0"/>
-              </a:ext>
-            </a:extLst>
-          </a:blip>
-          <a:stretch>
-            <a:fillRect/>
-          </a:stretch>
-        </p:blipFill>
-        <p:spPr>
-          <a:xfrm>
-            <a:off x="2990023" y="2901640"/>
-            <a:ext cx="3599998" cy="2001182"/>
-          </a:xfrm>
-          <a:prstGeom prst="rect">
-            <a:avLst/>
-          </a:prstGeom>
-        </p:spPr>
-      </p:pic>
-      <p:pic>
-        <p:nvPicPr>
-          <p:cNvPr id="22" name="圖片 21">
-            <a:extLst>
-              <a:ext uri="{FF2B5EF4-FFF2-40B4-BE49-F238E27FC236}">
-                <a16:creationId xmlns:a16="http://schemas.microsoft.com/office/drawing/2014/main" id="{EB03DF52-D0F1-467B-8B33-DCE21EB9BB2F}"/>
-              </a:ext>
-            </a:extLst>
-          </p:cNvPr>
-          <p:cNvPicPr>
-            <a:picLocks noChangeAspect="1"/>
-          </p:cNvPicPr>
-          <p:nvPr/>
-        </p:nvPicPr>
-        <p:blipFill>
-          <a:blip r:embed="rId7" cstate="print">
-            <a:extLst>
-              <a:ext uri="{28A0092B-C50C-407E-A947-70E740481C1C}">
-                <a14:useLocalDpi xmlns:a14="http://schemas.microsoft.com/office/drawing/2010/main" val="0"/>
-              </a:ext>
-            </a:extLst>
-          </a:blip>
-          <a:stretch>
-            <a:fillRect/>
-          </a:stretch>
-        </p:blipFill>
-        <p:spPr>
-          <a:xfrm>
-            <a:off x="5964928" y="2901639"/>
-            <a:ext cx="3599998" cy="2001182"/>
-          </a:xfrm>
-          <a:prstGeom prst="rect">
-            <a:avLst/>
-          </a:prstGeom>
-        </p:spPr>
-      </p:pic>
-      <p:sp>
-        <p:nvSpPr>
-          <p:cNvPr id="2" name="投影片編號版面配置區 1">
-            <a:extLst>
-              <a:ext uri="{FF2B5EF4-FFF2-40B4-BE49-F238E27FC236}">
-                <a16:creationId xmlns:a16="http://schemas.microsoft.com/office/drawing/2014/main" id="{BF1A8120-4593-44B0-9AC2-322E9E41CDA7}"/>
-              </a:ext>
-            </a:extLst>
-          </p:cNvPr>
-          <p:cNvSpPr>
-            <a:spLocks noGrp="1"/>
-          </p:cNvSpPr>
-          <p:nvPr>
-            <p:ph type="sldNum" sz="quarter" idx="4"/>
-          </p:nvPr>
-        </p:nvSpPr>
-        <p:spPr/>
-        <p:txBody>
-          <a:bodyPr/>
-          <a:lstStyle/>
-          <a:p>
-            <a:pPr>
-              <a:defRPr/>
-            </a:pPr>
-            <a:fld id="{A006FAFE-5151-44C5-946A-9B24DC89DB35}" type="slidenum">
-              <a:rPr lang="uk-UA" altLang="en-US" smtClean="0"/>
-              <a:t>10</a:t>
-            </a:fld>
-            <a:endParaRPr lang="uk-UA" altLang="en-US" dirty="0"/>
-          </a:p>
-        </p:txBody>
-      </p:sp>
-    </p:spTree>
-    <p:extLst>
-      <p:ext uri="{BB962C8B-B14F-4D97-AF65-F5344CB8AC3E}">
-        <p14:creationId xmlns:p14="http://schemas.microsoft.com/office/powerpoint/2010/main" val="1238089066"/>
-      </p:ext>
-    </p:extLst>
-  </p:cSld>
-  <p:clrMapOvr>
-    <a:masterClrMapping/>
-  </p:clrMapOvr>
-</p:sld>
-</file>
-
-<file path=ppt/slides/slide11.xml><?xml version="1.0" encoding="utf-8"?>
-<p:sld xmlns:a="http://schemas.openxmlformats.org/drawingml/2006/main" xmlns:r="http://schemas.openxmlformats.org/officeDocument/2006/relationships" xmlns:p="http://schemas.openxmlformats.org/presentationml/2006/main">
-  <p:cSld>
-    <p:spTree>
-      <p:nvGrpSpPr>
-        <p:cNvPr id="1" name=""/>
-        <p:cNvGrpSpPr/>
-        <p:nvPr/>
-      </p:nvGrpSpPr>
-      <p:grpSpPr>
-        <a:xfrm>
-          <a:off x="0" y="0"/>
-          <a:ext cx="0" cy="0"/>
-          <a:chOff x="0" y="0"/>
-          <a:chExt cx="0" cy="0"/>
-        </a:xfrm>
-      </p:grpSpPr>
-      <p:sp>
-        <p:nvSpPr>
-          <p:cNvPr id="4" name="標題 3">
-            <a:extLst>
-              <a:ext uri="{FF2B5EF4-FFF2-40B4-BE49-F238E27FC236}">
-                <a16:creationId xmlns:a16="http://schemas.microsoft.com/office/drawing/2014/main" id="{C2B72EE1-9FE7-47AC-ADAF-7926368007A1}"/>
-              </a:ext>
-            </a:extLst>
-          </p:cNvPr>
-          <p:cNvSpPr>
-            <a:spLocks noGrp="1"/>
-          </p:cNvSpPr>
-          <p:nvPr>
-            <p:ph type="title"/>
-          </p:nvPr>
-        </p:nvSpPr>
-        <p:spPr/>
-        <p:txBody>
-          <a:bodyPr/>
-          <a:lstStyle/>
-          <a:p>
-            <a:r>
-              <a:rPr lang="en-US" altLang="zh-TW" dirty="0"/>
-              <a:t>Non Real Time Task Waiting Time(x-4-x)</a:t>
-            </a:r>
-            <a:endParaRPr lang="zh-TW" altLang="en-US" dirty="0"/>
-          </a:p>
-        </p:txBody>
-      </p:sp>
-      <p:pic>
-        <p:nvPicPr>
-          <p:cNvPr id="6" name="圖片 5">
-            <a:extLst>
-              <a:ext uri="{FF2B5EF4-FFF2-40B4-BE49-F238E27FC236}">
-                <a16:creationId xmlns:a16="http://schemas.microsoft.com/office/drawing/2014/main" id="{91C2CFEA-46CC-4FE6-B6F8-140B1E60D67C}"/>
-              </a:ext>
-            </a:extLst>
-          </p:cNvPr>
-          <p:cNvPicPr>
-            <a:picLocks noChangeAspect="1"/>
-          </p:cNvPicPr>
-          <p:nvPr/>
-        </p:nvPicPr>
-        <p:blipFill>
-          <a:blip r:embed="rId2" cstate="print">
-            <a:extLst>
-              <a:ext uri="{28A0092B-C50C-407E-A947-70E740481C1C}">
-                <a14:useLocalDpi xmlns:a14="http://schemas.microsoft.com/office/drawing/2010/main" val="0"/>
-              </a:ext>
-            </a:extLst>
-          </a:blip>
-          <a:stretch>
-            <a:fillRect/>
-          </a:stretch>
-        </p:blipFill>
-        <p:spPr>
-          <a:xfrm>
-            <a:off x="36390" y="900460"/>
-            <a:ext cx="3599998" cy="2001181"/>
-          </a:xfrm>
-          <a:prstGeom prst="rect">
-            <a:avLst/>
-          </a:prstGeom>
-        </p:spPr>
-      </p:pic>
-      <p:pic>
-        <p:nvPicPr>
-          <p:cNvPr id="8" name="圖片 7">
-            <a:extLst>
-              <a:ext uri="{FF2B5EF4-FFF2-40B4-BE49-F238E27FC236}">
-                <a16:creationId xmlns:a16="http://schemas.microsoft.com/office/drawing/2014/main" id="{11110B4C-976F-402C-B30B-58EA747C0B4D}"/>
-              </a:ext>
-            </a:extLst>
-          </p:cNvPr>
-          <p:cNvPicPr>
-            <a:picLocks noChangeAspect="1"/>
-          </p:cNvPicPr>
-          <p:nvPr/>
-        </p:nvPicPr>
-        <p:blipFill>
-          <a:blip r:embed="rId3" cstate="print">
-            <a:extLst>
-              <a:ext uri="{28A0092B-C50C-407E-A947-70E740481C1C}">
-                <a14:useLocalDpi xmlns:a14="http://schemas.microsoft.com/office/drawing/2010/main" val="0"/>
-              </a:ext>
-            </a:extLst>
-          </a:blip>
-          <a:stretch>
-            <a:fillRect/>
-          </a:stretch>
-        </p:blipFill>
-        <p:spPr>
-          <a:xfrm>
-            <a:off x="2988718" y="900459"/>
-            <a:ext cx="3599998" cy="2001181"/>
-          </a:xfrm>
-          <a:prstGeom prst="rect">
-            <a:avLst/>
-          </a:prstGeom>
-        </p:spPr>
-      </p:pic>
-      <p:pic>
-        <p:nvPicPr>
-          <p:cNvPr id="17" name="圖片 16">
-            <a:extLst>
-              <a:ext uri="{FF2B5EF4-FFF2-40B4-BE49-F238E27FC236}">
-                <a16:creationId xmlns:a16="http://schemas.microsoft.com/office/drawing/2014/main" id="{9097A7F4-525E-4D04-B857-67016E3FAA79}"/>
-              </a:ext>
-            </a:extLst>
-          </p:cNvPr>
-          <p:cNvPicPr>
-            <a:picLocks noChangeAspect="1"/>
-          </p:cNvPicPr>
-          <p:nvPr/>
-        </p:nvPicPr>
-        <p:blipFill>
-          <a:blip r:embed="rId4" cstate="print">
-            <a:extLst>
-              <a:ext uri="{28A0092B-C50C-407E-A947-70E740481C1C}">
-                <a14:useLocalDpi xmlns:a14="http://schemas.microsoft.com/office/drawing/2010/main" val="0"/>
-              </a:ext>
-            </a:extLst>
-          </a:blip>
-          <a:stretch>
-            <a:fillRect/>
-          </a:stretch>
-        </p:blipFill>
-        <p:spPr>
-          <a:xfrm>
-            <a:off x="5963623" y="900458"/>
-            <a:ext cx="3599998" cy="2001181"/>
-          </a:xfrm>
-          <a:prstGeom prst="rect">
-            <a:avLst/>
-          </a:prstGeom>
-        </p:spPr>
-      </p:pic>
-      <p:pic>
-        <p:nvPicPr>
-          <p:cNvPr id="21" name="圖片 20">
-            <a:extLst>
-              <a:ext uri="{FF2B5EF4-FFF2-40B4-BE49-F238E27FC236}">
-                <a16:creationId xmlns:a16="http://schemas.microsoft.com/office/drawing/2014/main" id="{765287B1-0D60-4376-8D43-B6D7F7385A85}"/>
-              </a:ext>
-            </a:extLst>
-          </p:cNvPr>
-          <p:cNvPicPr>
-            <a:picLocks noChangeAspect="1"/>
-          </p:cNvPicPr>
-          <p:nvPr/>
-        </p:nvPicPr>
-        <p:blipFill>
-          <a:blip r:embed="rId5" cstate="print">
-            <a:extLst>
-              <a:ext uri="{28A0092B-C50C-407E-A947-70E740481C1C}">
-                <a14:useLocalDpi xmlns:a14="http://schemas.microsoft.com/office/drawing/2010/main" val="0"/>
-              </a:ext>
-            </a:extLst>
-          </a:blip>
-          <a:stretch>
-            <a:fillRect/>
-          </a:stretch>
-        </p:blipFill>
-        <p:spPr>
-          <a:xfrm>
-            <a:off x="2990024" y="2901640"/>
-            <a:ext cx="3599996" cy="2001181"/>
-          </a:xfrm>
-          <a:prstGeom prst="rect">
-            <a:avLst/>
-          </a:prstGeom>
-        </p:spPr>
-      </p:pic>
-      <p:pic>
-        <p:nvPicPr>
-          <p:cNvPr id="22" name="圖片 21">
-            <a:extLst>
-              <a:ext uri="{FF2B5EF4-FFF2-40B4-BE49-F238E27FC236}">
-                <a16:creationId xmlns:a16="http://schemas.microsoft.com/office/drawing/2014/main" id="{EB03DF52-D0F1-467B-8B33-DCE21EB9BB2F}"/>
-              </a:ext>
-            </a:extLst>
-          </p:cNvPr>
-          <p:cNvPicPr>
-            <a:picLocks noChangeAspect="1"/>
-          </p:cNvPicPr>
-          <p:nvPr/>
-        </p:nvPicPr>
-        <p:blipFill>
-          <a:blip r:embed="rId6" cstate="print">
-            <a:extLst>
-              <a:ext uri="{28A0092B-C50C-407E-A947-70E740481C1C}">
-                <a14:useLocalDpi xmlns:a14="http://schemas.microsoft.com/office/drawing/2010/main" val="0"/>
-              </a:ext>
-            </a:extLst>
-          </a:blip>
-          <a:stretch>
-            <a:fillRect/>
-          </a:stretch>
-        </p:blipFill>
-        <p:spPr>
-          <a:xfrm>
-            <a:off x="5964929" y="2901639"/>
-            <a:ext cx="3599996" cy="2001181"/>
-          </a:xfrm>
-          <a:prstGeom prst="rect">
-            <a:avLst/>
-          </a:prstGeom>
-        </p:spPr>
-      </p:pic>
-      <p:sp>
-        <p:nvSpPr>
-          <p:cNvPr id="2" name="投影片編號版面配置區 1">
-            <a:extLst>
-              <a:ext uri="{FF2B5EF4-FFF2-40B4-BE49-F238E27FC236}">
-                <a16:creationId xmlns:a16="http://schemas.microsoft.com/office/drawing/2014/main" id="{8910B431-8034-41BD-A2F9-7EC72C596847}"/>
-              </a:ext>
-            </a:extLst>
-          </p:cNvPr>
-          <p:cNvSpPr>
-            <a:spLocks noGrp="1"/>
-          </p:cNvSpPr>
-          <p:nvPr>
-            <p:ph type="sldNum" sz="quarter" idx="4"/>
-          </p:nvPr>
-        </p:nvSpPr>
-        <p:spPr/>
-        <p:txBody>
-          <a:bodyPr/>
-          <a:lstStyle/>
-          <a:p>
-            <a:pPr>
-              <a:defRPr/>
-            </a:pPr>
-            <a:fld id="{A006FAFE-5151-44C5-946A-9B24DC89DB35}" type="slidenum">
-              <a:rPr lang="uk-UA" altLang="en-US" smtClean="0"/>
-              <a:t>11</a:t>
-            </a:fld>
-            <a:endParaRPr lang="uk-UA" altLang="en-US" dirty="0"/>
-          </a:p>
-        </p:txBody>
-      </p:sp>
-    </p:spTree>
-    <p:extLst>
-      <p:ext uri="{BB962C8B-B14F-4D97-AF65-F5344CB8AC3E}">
-        <p14:creationId xmlns:p14="http://schemas.microsoft.com/office/powerpoint/2010/main" val="1375537214"/>
-      </p:ext>
-    </p:extLst>
-  </p:cSld>
-  <p:clrMapOvr>
-    <a:masterClrMapping/>
-  </p:clrMapOvr>
-</p:sld>
-</file>
-
-<file path=ppt/slides/slide12.xml><?xml version="1.0" encoding="utf-8"?>
-<p:sld xmlns:a="http://schemas.openxmlformats.org/drawingml/2006/main" xmlns:r="http://schemas.openxmlformats.org/officeDocument/2006/relationships" xmlns:p="http://schemas.openxmlformats.org/presentationml/2006/main">
-  <p:cSld>
-    <p:spTree>
-      <p:nvGrpSpPr>
-        <p:cNvPr id="1" name=""/>
-        <p:cNvGrpSpPr/>
-        <p:nvPr/>
-      </p:nvGrpSpPr>
-      <p:grpSpPr>
-        <a:xfrm>
-          <a:off x="0" y="0"/>
-          <a:ext cx="0" cy="0"/>
-          <a:chOff x="0" y="0"/>
-          <a:chExt cx="0" cy="0"/>
-        </a:xfrm>
-      </p:grpSpPr>
-      <p:pic>
-        <p:nvPicPr>
-          <p:cNvPr id="9" name="圖片 8">
-            <a:extLst>
-              <a:ext uri="{FF2B5EF4-FFF2-40B4-BE49-F238E27FC236}">
-                <a16:creationId xmlns:a16="http://schemas.microsoft.com/office/drawing/2014/main" id="{B33831DE-DC9D-4753-B79C-370456C903CA}"/>
-              </a:ext>
-            </a:extLst>
-          </p:cNvPr>
-          <p:cNvPicPr>
-            <a:picLocks noChangeAspect="1"/>
-          </p:cNvPicPr>
-          <p:nvPr/>
-        </p:nvPicPr>
-        <p:blipFill>
-          <a:blip r:embed="rId2" cstate="print">
-            <a:extLst>
-              <a:ext uri="{28A0092B-C50C-407E-A947-70E740481C1C}">
-                <a14:useLocalDpi xmlns:a14="http://schemas.microsoft.com/office/drawing/2010/main" val="0"/>
-              </a:ext>
-            </a:extLst>
-          </a:blip>
-          <a:stretch>
-            <a:fillRect/>
-          </a:stretch>
-        </p:blipFill>
-        <p:spPr>
-          <a:xfrm>
             <a:off x="36708" y="2901639"/>
             <a:ext cx="3599996" cy="2001181"/>
           </a:xfrm>
@@ -40080,7 +39538,7 @@
             </a:pPr>
             <a:fld id="{A006FAFE-5151-44C5-946A-9B24DC89DB35}" type="slidenum">
               <a:rPr lang="uk-UA" altLang="en-US" smtClean="0"/>
-              <a:t>12</a:t>
+              <a:t>10</a:t>
             </a:fld>
             <a:endParaRPr lang="uk-UA" altLang="en-US" dirty="0"/>
           </a:p>
@@ -40099,7 +39557,7 @@
 </p:sld>
 </file>
 
-<file path=ppt/slides/slide13.xml><?xml version="1.0" encoding="utf-8"?>
+<file path=ppt/slides/slide11.xml><?xml version="1.0" encoding="utf-8"?>
 <p:sld xmlns:a="http://schemas.openxmlformats.org/drawingml/2006/main" xmlns:r="http://schemas.openxmlformats.org/officeDocument/2006/relationships" xmlns:p="http://schemas.openxmlformats.org/presentationml/2006/main">
   <p:cSld>
     <p:spTree>
@@ -40351,7 +39809,7 @@
             </a:pPr>
             <a:fld id="{A006FAFE-5151-44C5-946A-9B24DC89DB35}" type="slidenum">
               <a:rPr lang="uk-UA" altLang="en-US" smtClean="0"/>
-              <a:t>13</a:t>
+              <a:t>11</a:t>
             </a:fld>
             <a:endParaRPr lang="uk-UA" altLang="en-US" dirty="0"/>
           </a:p>
@@ -40361,6 +39819,445 @@
     <p:extLst>
       <p:ext uri="{BB962C8B-B14F-4D97-AF65-F5344CB8AC3E}">
         <p14:creationId xmlns:p14="http://schemas.microsoft.com/office/powerpoint/2010/main" val="1071072758"/>
+      </p:ext>
+    </p:extLst>
+  </p:cSld>
+  <p:clrMapOvr>
+    <a:masterClrMapping/>
+  </p:clrMapOvr>
+</p:sld>
+</file>
+
+<file path=ppt/slides/slide12.xml><?xml version="1.0" encoding="utf-8"?>
+<p:sld xmlns:a="http://schemas.openxmlformats.org/drawingml/2006/main" xmlns:r="http://schemas.openxmlformats.org/officeDocument/2006/relationships" xmlns:p="http://schemas.openxmlformats.org/presentationml/2006/main">
+  <p:cSld>
+    <p:spTree>
+      <p:nvGrpSpPr>
+        <p:cNvPr id="1" name=""/>
+        <p:cNvGrpSpPr/>
+        <p:nvPr/>
+      </p:nvGrpSpPr>
+      <p:grpSpPr>
+        <a:xfrm>
+          <a:off x="0" y="0"/>
+          <a:ext cx="0" cy="0"/>
+          <a:chOff x="0" y="0"/>
+          <a:chExt cx="0" cy="0"/>
+        </a:xfrm>
+      </p:grpSpPr>
+      <p:sp>
+        <p:nvSpPr>
+          <p:cNvPr id="2" name="標題 1">
+            <a:extLst>
+              <a:ext uri="{FF2B5EF4-FFF2-40B4-BE49-F238E27FC236}">
+                <a16:creationId xmlns:a16="http://schemas.microsoft.com/office/drawing/2014/main" id="{FF86124C-AC5C-4B61-A4C3-F5C1E9F9BA6B}"/>
+              </a:ext>
+            </a:extLst>
+          </p:cNvPr>
+          <p:cNvSpPr>
+            <a:spLocks noGrp="1"/>
+          </p:cNvSpPr>
+          <p:nvPr>
+            <p:ph type="title"/>
+          </p:nvPr>
+        </p:nvSpPr>
+        <p:spPr/>
+        <p:txBody>
+          <a:bodyPr/>
+          <a:lstStyle/>
+          <a:p>
+            <a:r>
+              <a:rPr lang="en-US" altLang="zh-TW" dirty="0"/>
+              <a:t>CPU</a:t>
+            </a:r>
+            <a:r>
+              <a:rPr lang="zh-TW" altLang="en-US" dirty="0"/>
+              <a:t> </a:t>
+            </a:r>
+            <a:r>
+              <a:rPr lang="en-US" altLang="zh-TW" dirty="0"/>
+              <a:t>Usage</a:t>
+            </a:r>
+            <a:endParaRPr lang="zh-TW" altLang="en-US" dirty="0"/>
+          </a:p>
+        </p:txBody>
+      </p:sp>
+      <p:sp>
+        <p:nvSpPr>
+          <p:cNvPr id="4" name="投影片編號版面配置區 3">
+            <a:extLst>
+              <a:ext uri="{FF2B5EF4-FFF2-40B4-BE49-F238E27FC236}">
+                <a16:creationId xmlns:a16="http://schemas.microsoft.com/office/drawing/2014/main" id="{FA33C0AE-933C-4592-8745-EC0034656AC4}"/>
+              </a:ext>
+            </a:extLst>
+          </p:cNvPr>
+          <p:cNvSpPr>
+            <a:spLocks noGrp="1"/>
+          </p:cNvSpPr>
+          <p:nvPr>
+            <p:ph type="sldNum" sz="quarter" idx="4"/>
+          </p:nvPr>
+        </p:nvSpPr>
+        <p:spPr/>
+        <p:txBody>
+          <a:bodyPr/>
+          <a:lstStyle/>
+          <a:p>
+            <a:pPr>
+              <a:defRPr/>
+            </a:pPr>
+            <a:fld id="{A006FAFE-5151-44C5-946A-9B24DC89DB35}" type="slidenum">
+              <a:rPr lang="uk-UA" altLang="en-US" smtClean="0"/>
+              <a:t>12</a:t>
+            </a:fld>
+            <a:endParaRPr lang="uk-UA" altLang="en-US" dirty="0"/>
+          </a:p>
+        </p:txBody>
+      </p:sp>
+      <p:pic>
+        <p:nvPicPr>
+          <p:cNvPr id="6" name="圖片 5">
+            <a:extLst>
+              <a:ext uri="{FF2B5EF4-FFF2-40B4-BE49-F238E27FC236}">
+                <a16:creationId xmlns:a16="http://schemas.microsoft.com/office/drawing/2014/main" id="{E2E3BF3A-3340-4D77-8A3B-CFC008EEBE5F}"/>
+              </a:ext>
+            </a:extLst>
+          </p:cNvPr>
+          <p:cNvPicPr>
+            <a:picLocks noChangeAspect="1"/>
+          </p:cNvPicPr>
+          <p:nvPr/>
+        </p:nvPicPr>
+        <p:blipFill>
+          <a:blip r:embed="rId2" cstate="print">
+            <a:extLst>
+              <a:ext uri="{28A0092B-C50C-407E-A947-70E740481C1C}">
+                <a14:useLocalDpi xmlns:a14="http://schemas.microsoft.com/office/drawing/2010/main" val="0"/>
+              </a:ext>
+            </a:extLst>
+          </a:blip>
+          <a:stretch>
+            <a:fillRect/>
+          </a:stretch>
+        </p:blipFill>
+        <p:spPr>
+          <a:xfrm>
+            <a:off x="4997608" y="750072"/>
+            <a:ext cx="4248000" cy="2310628"/>
+          </a:xfrm>
+          <a:prstGeom prst="rect">
+            <a:avLst/>
+          </a:prstGeom>
+        </p:spPr>
+      </p:pic>
+      <p:pic>
+        <p:nvPicPr>
+          <p:cNvPr id="8" name="圖片 7">
+            <a:extLst>
+              <a:ext uri="{FF2B5EF4-FFF2-40B4-BE49-F238E27FC236}">
+                <a16:creationId xmlns:a16="http://schemas.microsoft.com/office/drawing/2014/main" id="{8625C389-CDC2-460C-90D3-8560E72B9DFC}"/>
+              </a:ext>
+            </a:extLst>
+          </p:cNvPr>
+          <p:cNvPicPr>
+            <a:picLocks noChangeAspect="1"/>
+          </p:cNvPicPr>
+          <p:nvPr/>
+        </p:nvPicPr>
+        <p:blipFill>
+          <a:blip r:embed="rId3" cstate="print">
+            <a:extLst>
+              <a:ext uri="{28A0092B-C50C-407E-A947-70E740481C1C}">
+                <a14:useLocalDpi xmlns:a14="http://schemas.microsoft.com/office/drawing/2010/main" val="0"/>
+              </a:ext>
+            </a:extLst>
+          </a:blip>
+          <a:stretch>
+            <a:fillRect/>
+          </a:stretch>
+        </p:blipFill>
+        <p:spPr>
+          <a:xfrm>
+            <a:off x="598498" y="749816"/>
+            <a:ext cx="4248472" cy="2310884"/>
+          </a:xfrm>
+          <a:prstGeom prst="rect">
+            <a:avLst/>
+          </a:prstGeom>
+        </p:spPr>
+      </p:pic>
+      <p:pic>
+        <p:nvPicPr>
+          <p:cNvPr id="10" name="圖片 9">
+            <a:extLst>
+              <a:ext uri="{FF2B5EF4-FFF2-40B4-BE49-F238E27FC236}">
+                <a16:creationId xmlns:a16="http://schemas.microsoft.com/office/drawing/2014/main" id="{CE69C738-32E9-4DE4-9463-F087313793D7}"/>
+              </a:ext>
+            </a:extLst>
+          </p:cNvPr>
+          <p:cNvPicPr>
+            <a:picLocks noChangeAspect="1"/>
+          </p:cNvPicPr>
+          <p:nvPr/>
+        </p:nvPicPr>
+        <p:blipFill>
+          <a:blip r:embed="rId4" cstate="print">
+            <a:extLst>
+              <a:ext uri="{28A0092B-C50C-407E-A947-70E740481C1C}">
+                <a14:useLocalDpi xmlns:a14="http://schemas.microsoft.com/office/drawing/2010/main" val="0"/>
+              </a:ext>
+            </a:extLst>
+          </a:blip>
+          <a:stretch>
+            <a:fillRect/>
+          </a:stretch>
+        </p:blipFill>
+        <p:spPr>
+          <a:xfrm>
+            <a:off x="616462" y="3334898"/>
+            <a:ext cx="4248000" cy="2310628"/>
+          </a:xfrm>
+          <a:prstGeom prst="rect">
+            <a:avLst/>
+          </a:prstGeom>
+        </p:spPr>
+      </p:pic>
+      <p:sp>
+        <p:nvSpPr>
+          <p:cNvPr id="12" name="文字方塊 11">
+            <a:extLst>
+              <a:ext uri="{FF2B5EF4-FFF2-40B4-BE49-F238E27FC236}">
+                <a16:creationId xmlns:a16="http://schemas.microsoft.com/office/drawing/2014/main" id="{4C3F75F5-FBC5-4248-827A-BD1CCFD81BB8}"/>
+              </a:ext>
+            </a:extLst>
+          </p:cNvPr>
+          <p:cNvSpPr txBox="1"/>
+          <p:nvPr/>
+        </p:nvSpPr>
+        <p:spPr>
+          <a:xfrm>
+            <a:off x="7899216" y="2295369"/>
+            <a:ext cx="1224136" cy="646331"/>
+          </a:xfrm>
+          <a:prstGeom prst="rect">
+            <a:avLst/>
+          </a:prstGeom>
+          <a:noFill/>
+          <a:ln>
+            <a:solidFill>
+              <a:srgbClr val="FF0000"/>
+            </a:solidFill>
+          </a:ln>
+        </p:spPr>
+        <p:txBody>
+          <a:bodyPr wrap="square">
+            <a:spAutoFit/>
+          </a:bodyPr>
+          <a:lstStyle/>
+          <a:p>
+            <a:r>
+              <a:rPr lang="zh-TW" altLang="en-US" sz="1200" dirty="0">
+                <a:solidFill>
+                  <a:srgbClr val="FF0000"/>
+                </a:solidFill>
+              </a:rPr>
+              <a:t>2 cpu cores </a:t>
+            </a:r>
+          </a:p>
+          <a:p>
+            <a:r>
+              <a:rPr lang="zh-TW" altLang="en-US" sz="1200" dirty="0">
+                <a:solidFill>
+                  <a:srgbClr val="FF0000"/>
+                </a:solidFill>
+              </a:rPr>
+              <a:t>4 UE/TTI</a:t>
+            </a:r>
+          </a:p>
+          <a:p>
+            <a:r>
+              <a:rPr lang="zh-TW" altLang="en-US" sz="1200" dirty="0">
+                <a:solidFill>
+                  <a:srgbClr val="FF0000"/>
+                </a:solidFill>
+              </a:rPr>
+              <a:t>16 UES</a:t>
+            </a:r>
+          </a:p>
+        </p:txBody>
+      </p:sp>
+      <p:sp>
+        <p:nvSpPr>
+          <p:cNvPr id="15" name="文字方塊 14">
+            <a:extLst>
+              <a:ext uri="{FF2B5EF4-FFF2-40B4-BE49-F238E27FC236}">
+                <a16:creationId xmlns:a16="http://schemas.microsoft.com/office/drawing/2014/main" id="{889FC0F2-B6EF-408B-BDA3-42BDA9B2AE13}"/>
+              </a:ext>
+            </a:extLst>
+          </p:cNvPr>
+          <p:cNvSpPr txBox="1"/>
+          <p:nvPr/>
+        </p:nvSpPr>
+        <p:spPr>
+          <a:xfrm>
+            <a:off x="3492773" y="2295369"/>
+            <a:ext cx="1224136" cy="646331"/>
+          </a:xfrm>
+          <a:prstGeom prst="rect">
+            <a:avLst/>
+          </a:prstGeom>
+          <a:noFill/>
+          <a:ln>
+            <a:solidFill>
+              <a:srgbClr val="FF0000"/>
+            </a:solidFill>
+          </a:ln>
+        </p:spPr>
+        <p:txBody>
+          <a:bodyPr wrap="square">
+            <a:spAutoFit/>
+          </a:bodyPr>
+          <a:lstStyle/>
+          <a:p>
+            <a:r>
+              <a:rPr lang="zh-TW" altLang="en-US" sz="1200" dirty="0">
+                <a:solidFill>
+                  <a:srgbClr val="FF0000"/>
+                </a:solidFill>
+              </a:rPr>
+              <a:t>2 </a:t>
+            </a:r>
+            <a:r>
+              <a:rPr lang="en-US" altLang="zh-TW" sz="1200" dirty="0">
+                <a:solidFill>
+                  <a:srgbClr val="FF0000"/>
+                </a:solidFill>
+              </a:rPr>
+              <a:t>+ 1</a:t>
+            </a:r>
+            <a:r>
+              <a:rPr lang="zh-TW" altLang="en-US" sz="1200" dirty="0">
+                <a:solidFill>
+                  <a:srgbClr val="FF0000"/>
+                </a:solidFill>
+              </a:rPr>
+              <a:t> cpu cores </a:t>
+            </a:r>
+          </a:p>
+          <a:p>
+            <a:r>
+              <a:rPr lang="zh-TW" altLang="en-US" sz="1200" dirty="0">
+                <a:solidFill>
+                  <a:srgbClr val="FF0000"/>
+                </a:solidFill>
+              </a:rPr>
+              <a:t>4 UE/TTI</a:t>
+            </a:r>
+          </a:p>
+          <a:p>
+            <a:r>
+              <a:rPr lang="en-US" altLang="zh-TW" sz="1200" dirty="0">
+                <a:solidFill>
+                  <a:srgbClr val="FF0000"/>
+                </a:solidFill>
+              </a:rPr>
+              <a:t>32</a:t>
+            </a:r>
+            <a:r>
+              <a:rPr lang="zh-TW" altLang="en-US" sz="1200" dirty="0">
+                <a:solidFill>
+                  <a:srgbClr val="FF0000"/>
+                </a:solidFill>
+              </a:rPr>
+              <a:t> UES</a:t>
+            </a:r>
+          </a:p>
+        </p:txBody>
+      </p:sp>
+      <p:sp>
+        <p:nvSpPr>
+          <p:cNvPr id="16" name="文字方塊 15">
+            <a:extLst>
+              <a:ext uri="{FF2B5EF4-FFF2-40B4-BE49-F238E27FC236}">
+                <a16:creationId xmlns:a16="http://schemas.microsoft.com/office/drawing/2014/main" id="{46774F46-37A2-4C36-90A1-AEDFBDBF44FB}"/>
+              </a:ext>
+            </a:extLst>
+          </p:cNvPr>
+          <p:cNvSpPr txBox="1"/>
+          <p:nvPr/>
+        </p:nvSpPr>
+        <p:spPr>
+          <a:xfrm>
+            <a:off x="3489102" y="4860900"/>
+            <a:ext cx="1224136" cy="646331"/>
+          </a:xfrm>
+          <a:prstGeom prst="rect">
+            <a:avLst/>
+          </a:prstGeom>
+          <a:noFill/>
+          <a:ln>
+            <a:solidFill>
+              <a:srgbClr val="FF0000"/>
+            </a:solidFill>
+          </a:ln>
+        </p:spPr>
+        <p:txBody>
+          <a:bodyPr wrap="square">
+            <a:spAutoFit/>
+          </a:bodyPr>
+          <a:lstStyle/>
+          <a:p>
+            <a:r>
+              <a:rPr lang="en-US" altLang="zh-TW" sz="1200" dirty="0">
+                <a:solidFill>
+                  <a:srgbClr val="FF0000"/>
+                </a:solidFill>
+              </a:rPr>
+              <a:t>3</a:t>
+            </a:r>
+            <a:r>
+              <a:rPr lang="zh-TW" altLang="en-US" sz="1200" dirty="0">
+                <a:solidFill>
+                  <a:srgbClr val="FF0000"/>
+                </a:solidFill>
+              </a:rPr>
+              <a:t> cpu cores </a:t>
+            </a:r>
+          </a:p>
+          <a:p>
+            <a:r>
+              <a:rPr lang="zh-TW" altLang="en-US" sz="1200" dirty="0">
+                <a:solidFill>
+                  <a:srgbClr val="FF0000"/>
+                </a:solidFill>
+              </a:rPr>
+              <a:t>4 UE/TTI</a:t>
+            </a:r>
+          </a:p>
+          <a:p>
+            <a:r>
+              <a:rPr lang="en-US" altLang="zh-TW" sz="1200" dirty="0">
+                <a:solidFill>
+                  <a:srgbClr val="FF0000"/>
+                </a:solidFill>
+              </a:rPr>
+              <a:t>32</a:t>
+            </a:r>
+            <a:r>
+              <a:rPr lang="zh-TW" altLang="en-US" sz="1200" dirty="0">
+                <a:solidFill>
+                  <a:srgbClr val="FF0000"/>
+                </a:solidFill>
+              </a:rPr>
+              <a:t> UES</a:t>
+            </a:r>
+          </a:p>
+        </p:txBody>
+      </p:sp>
+    </p:spTree>
+    <p:extLst>
+      <p:ext uri="{BB962C8B-B14F-4D97-AF65-F5344CB8AC3E}">
+        <p14:creationId xmlns:p14="http://schemas.microsoft.com/office/powerpoint/2010/main" val="2225773097"/>
       </p:ext>
     </p:extLst>
   </p:cSld>
@@ -40406,7 +40303,7 @@
               <a:rPr lang="en-US">
                 <a:sym typeface="+mn-ea"/>
               </a:rPr>
-              <a:t>Plan This Week</a:t>
+              <a:t>Plan Next Week</a:t>
             </a:r>
             <a:endParaRPr lang="zh-TW" altLang="en-US"/>
           </a:p>
@@ -40420,11 +40317,16 @@
           </p:cNvGraphicFramePr>
           <p:nvPr>
             <p:ph idx="1"/>
+            <p:extLst>
+              <p:ext uri="{D42A27DB-BD31-4B8C-83A1-F6EECF244321}">
+                <p14:modId xmlns:p14="http://schemas.microsoft.com/office/powerpoint/2010/main" val="2543938463"/>
+              </p:ext>
+            </p:extLst>
           </p:nvPr>
         </p:nvGraphicFramePr>
         <p:xfrm>
-          <a:off x="241935" y="701675"/>
-          <a:ext cx="9368155" cy="4197350"/>
+          <a:off x="252413" y="684436"/>
+          <a:ext cx="9368155" cy="3926700"/>
         </p:xfrm>
         <a:graphic>
           <a:graphicData uri="http://schemas.openxmlformats.org/drawingml/2006/table">
@@ -40440,28 +40342,28 @@
                     </a:ext>
                   </a:extLst>
                 </a:gridCol>
-                <a:gridCol w="1717040">
+                <a:gridCol w="1436648">
                   <a:extLst>
                     <a:ext uri="{9D8B030D-6E8A-4147-A177-3AD203B41FA5}">
                       <a16:colId xmlns:a16="http://schemas.microsoft.com/office/drawing/2014/main" val="20001"/>
                     </a:ext>
                   </a:extLst>
                 </a:gridCol>
-                <a:gridCol w="1132205">
+                <a:gridCol w="1412597">
                   <a:extLst>
                     <a:ext uri="{9D8B030D-6E8A-4147-A177-3AD203B41FA5}">
                       <a16:colId xmlns:a16="http://schemas.microsoft.com/office/drawing/2014/main" val="20002"/>
                     </a:ext>
                   </a:extLst>
                 </a:gridCol>
-                <a:gridCol w="1893570">
+                <a:gridCol w="1683747">
                   <a:extLst>
                     <a:ext uri="{9D8B030D-6E8A-4147-A177-3AD203B41FA5}">
                       <a16:colId xmlns:a16="http://schemas.microsoft.com/office/drawing/2014/main" val="20003"/>
                     </a:ext>
                   </a:extLst>
                 </a:gridCol>
-                <a:gridCol w="1512570">
+                <a:gridCol w="1722393">
                   <a:extLst>
                     <a:ext uri="{9D8B030D-6E8A-4147-A177-3AD203B41FA5}">
                       <a16:colId xmlns:a16="http://schemas.microsoft.com/office/drawing/2014/main" val="20004"/>
@@ -40529,12 +40431,12 @@
                         <a:buNone/>
                       </a:pPr>
                       <a:r>
-                        <a:rPr lang="en-US" altLang="zh-TW">
+                        <a:rPr lang="en-US" altLang="zh-TW" dirty="0">
                           <a:solidFill>
                             <a:schemeClr val="tx1"/>
                           </a:solidFill>
                         </a:rPr>
-                        <a:t>3/7</a:t>
+                        <a:t>3/22</a:t>
                       </a:r>
                     </a:p>
                   </a:txBody>
@@ -40577,12 +40479,12 @@
                         <a:buNone/>
                       </a:pPr>
                       <a:r>
-                        <a:rPr lang="en-US" altLang="zh-TW">
+                        <a:rPr lang="en-US" altLang="zh-TW" dirty="0">
                           <a:solidFill>
                             <a:schemeClr val="tx1"/>
                           </a:solidFill>
                         </a:rPr>
-                        <a:t>3/8</a:t>
+                        <a:t>3/23</a:t>
                       </a:r>
                     </a:p>
                   </a:txBody>
@@ -40625,12 +40527,12 @@
                         <a:buNone/>
                       </a:pPr>
                       <a:r>
-                        <a:rPr lang="en-US" altLang="zh-TW">
+                        <a:rPr lang="en-US" altLang="zh-TW" dirty="0">
                           <a:solidFill>
                             <a:schemeClr val="tx1"/>
                           </a:solidFill>
                         </a:rPr>
-                        <a:t>3/9</a:t>
+                        <a:t>3/24</a:t>
                       </a:r>
                     </a:p>
                   </a:txBody>
@@ -40673,12 +40575,12 @@
                         <a:buNone/>
                       </a:pPr>
                       <a:r>
-                        <a:rPr lang="en-US" altLang="zh-TW">
+                        <a:rPr lang="en-US" altLang="zh-TW" dirty="0">
                           <a:solidFill>
                             <a:schemeClr val="tx1"/>
                           </a:solidFill>
                         </a:rPr>
-                        <a:t>3/10</a:t>
+                        <a:t>3/25</a:t>
                       </a:r>
                     </a:p>
                   </a:txBody>
@@ -40721,3272 +40623,12 @@
                         <a:buNone/>
                       </a:pPr>
                       <a:r>
-                        <a:rPr lang="en-US" altLang="zh-TW">
+                        <a:rPr lang="en-US" altLang="zh-TW" dirty="0">
                           <a:solidFill>
                             <a:schemeClr val="tx1"/>
                           </a:solidFill>
                         </a:rPr>
-                        <a:t>3/11</a:t>
-                      </a:r>
-                    </a:p>
-                  </a:txBody>
-                  <a:tcPr>
-                    <a:lnL w="12700" cmpd="sng">
-                      <a:solidFill>
-                        <a:schemeClr val="tx1"/>
-                      </a:solidFill>
-                      <a:prstDash val="solid"/>
-                    </a:lnL>
-                    <a:lnR w="12700" cmpd="sng">
-                      <a:solidFill>
-                        <a:schemeClr val="tx1"/>
-                      </a:solidFill>
-                      <a:prstDash val="solid"/>
-                    </a:lnR>
-                    <a:lnT w="12700" cmpd="sng">
-                      <a:solidFill>
-                        <a:schemeClr val="tx1"/>
-                      </a:solidFill>
-                      <a:prstDash val="solid"/>
-                    </a:lnT>
-                    <a:lnB w="12700" cmpd="sng">
-                      <a:solidFill>
-                        <a:schemeClr val="tx1"/>
-                      </a:solidFill>
-                      <a:prstDash val="solid"/>
-                    </a:lnB>
-                    <a:solidFill>
-                      <a:srgbClr val="D9D9D9"/>
-                    </a:solidFill>
-                  </a:tcPr>
-                </a:tc>
-                <a:extLst>
-                  <a:ext uri="{0D108BD9-81ED-4DB2-BD59-A6C34878D82A}">
-                    <a16:rowId xmlns:a16="http://schemas.microsoft.com/office/drawing/2014/main" val="10000"/>
-                  </a:ext>
-                </a:extLst>
-              </a:tr>
-              <a:tr h="384175">
-                <a:tc>
-                  <a:txBody>
-                    <a:bodyPr/>
-                    <a:lstStyle/>
-                    <a:p>
-                      <a:pPr>
-                        <a:buNone/>
-                      </a:pPr>
-                      <a:r>
-                        <a:rPr lang="en-US" altLang="zh-TW">
-                          <a:solidFill>
-                            <a:schemeClr val="tx1"/>
-                          </a:solidFill>
-                        </a:rPr>
-                        <a:t>9~10 am</a:t>
-                      </a:r>
-                    </a:p>
-                  </a:txBody>
-                  <a:tcPr>
-                    <a:lnL w="12700" cmpd="sng">
-                      <a:solidFill>
-                        <a:schemeClr val="tx1"/>
-                      </a:solidFill>
-                      <a:prstDash val="solid"/>
-                    </a:lnL>
-                    <a:lnR w="12700">
-                      <a:solidFill>
-                        <a:schemeClr val="tx1"/>
-                      </a:solidFill>
-                      <a:prstDash val="solid"/>
-                    </a:lnR>
-                    <a:lnT w="12700" cmpd="sng">
-                      <a:solidFill>
-                        <a:schemeClr val="tx1"/>
-                      </a:solidFill>
-                      <a:prstDash val="solid"/>
-                    </a:lnT>
-                    <a:lnB w="12700" cmpd="sng">
-                      <a:solidFill>
-                        <a:schemeClr val="tx1"/>
-                      </a:solidFill>
-                      <a:prstDash val="solid"/>
-                    </a:lnB>
-                    <a:solidFill>
-                      <a:srgbClr val="E2EFDA"/>
-                    </a:solidFill>
-                  </a:tcPr>
-                </a:tc>
-                <a:tc rowSpan="3">
-                  <a:txBody>
-                    <a:bodyPr/>
-                    <a:lstStyle/>
-                    <a:p>
-                      <a:pPr>
-                        <a:buNone/>
-                      </a:pPr>
-                      <a:endParaRPr lang="zh-CN" sz="1200">
-                        <a:solidFill>
-                          <a:srgbClr val="000000"/>
-                        </a:solidFill>
-                        <a:ea typeface="微軟正黑體" panose="020B0604030504040204" pitchFamily="34" charset="-120"/>
-                        <a:sym typeface="+mn-ea"/>
-                      </a:endParaRPr>
-                    </a:p>
-                    <a:p>
-                      <a:pPr>
-                        <a:buNone/>
-                      </a:pPr>
-                      <a:endParaRPr lang="zh-CN" sz="1200">
-                        <a:solidFill>
-                          <a:srgbClr val="000000"/>
-                        </a:solidFill>
-                        <a:ea typeface="微軟正黑體" panose="020B0604030504040204" pitchFamily="34" charset="-120"/>
-                        <a:sym typeface="+mn-ea"/>
-                      </a:endParaRPr>
-                    </a:p>
-                    <a:p>
-                      <a:pPr>
-                        <a:buNone/>
-                      </a:pPr>
-                      <a:r>
-                        <a:rPr lang="zh-CN" sz="1200">
-                          <a:solidFill>
-                            <a:srgbClr val="000000"/>
-                          </a:solidFill>
-                          <a:ea typeface="微軟正黑體" panose="020B0604030504040204" pitchFamily="34" charset="-120"/>
-                          <a:sym typeface="+mn-ea"/>
-                        </a:rPr>
-                        <a:t>一週報告整理</a:t>
-                      </a:r>
-                      <a:endParaRPr lang="zh-TW" altLang="en-US" sz="1200">
-                        <a:solidFill>
-                          <a:schemeClr val="tx1"/>
-                        </a:solidFill>
-                        <a:sym typeface="+mn-ea"/>
-                      </a:endParaRPr>
-                    </a:p>
-                  </a:txBody>
-                  <a:tcPr>
-                    <a:lnL w="12700">
-                      <a:solidFill>
-                        <a:schemeClr val="tx1"/>
-                      </a:solidFill>
-                      <a:prstDash val="solid"/>
-                    </a:lnL>
-                    <a:lnR w="12700">
-                      <a:solidFill>
-                        <a:schemeClr val="tx1"/>
-                      </a:solidFill>
-                      <a:prstDash val="solid"/>
-                    </a:lnR>
-                    <a:lnT w="12700">
-                      <a:solidFill>
-                        <a:schemeClr val="tx1"/>
-                      </a:solidFill>
-                      <a:prstDash val="solid"/>
-                    </a:lnT>
-                    <a:lnB w="12700">
-                      <a:solidFill>
-                        <a:schemeClr val="tx1"/>
-                      </a:solidFill>
-                      <a:prstDash val="solid"/>
-                    </a:lnB>
-                    <a:noFill/>
-                  </a:tcPr>
-                </a:tc>
-                <a:tc rowSpan="3">
-                  <a:txBody>
-                    <a:bodyPr/>
-                    <a:lstStyle/>
-                    <a:p>
-                      <a:pPr>
-                        <a:buNone/>
-                      </a:pPr>
-                      <a:endParaRPr lang="en-US" sz="1200">
-                        <a:solidFill>
-                          <a:srgbClr val="000000"/>
-                        </a:solidFill>
-                        <a:ea typeface="微軟正黑體" panose="020B0604030504040204" pitchFamily="34" charset="-120"/>
-                        <a:cs typeface="+mn-lt"/>
-                        <a:sym typeface="+mn-ea"/>
-                      </a:endParaRPr>
-                    </a:p>
-                    <a:p>
-                      <a:pPr>
-                        <a:buNone/>
-                      </a:pPr>
-                      <a:endParaRPr lang="en-US" sz="1200">
-                        <a:solidFill>
-                          <a:srgbClr val="000000"/>
-                        </a:solidFill>
-                        <a:ea typeface="微軟正黑體" panose="020B0604030504040204" pitchFamily="34" charset="-120"/>
-                        <a:cs typeface="+mn-lt"/>
-                        <a:sym typeface="+mn-ea"/>
-                      </a:endParaRPr>
-                    </a:p>
-                    <a:p>
-                      <a:pPr>
-                        <a:buNone/>
-                      </a:pPr>
-                      <a:r>
-                        <a:rPr lang="en-US" sz="1200">
-                          <a:solidFill>
-                            <a:srgbClr val="000000"/>
-                          </a:solidFill>
-                          <a:ea typeface="微軟正黑體" panose="020B0604030504040204" pitchFamily="34" charset="-120"/>
-                          <a:cs typeface="+mn-lt"/>
-                          <a:sym typeface="+mn-ea"/>
-                        </a:rPr>
-                        <a:t>Get event logs from Viavi</a:t>
-                      </a:r>
-                      <a:endParaRPr lang="en-US" altLang="en-US" sz="1200" b="0">
-                        <a:solidFill>
-                          <a:srgbClr val="000000"/>
-                        </a:solidFill>
-                        <a:ea typeface="微軟正黑體" panose="020B0604030504040204" pitchFamily="34" charset="-120"/>
-                        <a:cs typeface="+mn-lt"/>
-                        <a:sym typeface="+mn-ea"/>
-                      </a:endParaRPr>
-                    </a:p>
-                    <a:p>
-                      <a:pPr>
-                        <a:buNone/>
-                      </a:pPr>
-                      <a:endParaRPr lang="en-US" altLang="zh-TW" sz="1200">
-                        <a:solidFill>
-                          <a:schemeClr val="tx1"/>
-                        </a:solidFill>
-                      </a:endParaRPr>
-                    </a:p>
-                  </a:txBody>
-                  <a:tcPr>
-                    <a:lnL w="12700">
-                      <a:solidFill>
-                        <a:schemeClr val="tx1"/>
-                      </a:solidFill>
-                      <a:prstDash val="solid"/>
-                    </a:lnL>
-                    <a:lnR w="12700" cmpd="sng">
-                      <a:solidFill>
-                        <a:schemeClr val="tx1"/>
-                      </a:solidFill>
-                      <a:prstDash val="solid"/>
-                    </a:lnR>
-                    <a:lnT w="12700" cmpd="sng">
-                      <a:solidFill>
-                        <a:schemeClr val="tx1"/>
-                      </a:solidFill>
-                      <a:prstDash val="solid"/>
-                    </a:lnT>
-                    <a:lnB w="12700" cmpd="sng">
-                      <a:solidFill>
-                        <a:schemeClr val="tx1"/>
-                      </a:solidFill>
-                      <a:prstDash val="solid"/>
-                    </a:lnB>
-                    <a:noFill/>
-                  </a:tcPr>
-                </a:tc>
-                <a:tc rowSpan="2">
-                  <a:txBody>
-                    <a:bodyPr/>
-                    <a:lstStyle/>
-                    <a:p>
-                      <a:pPr indent="0">
-                        <a:buNone/>
-                      </a:pPr>
-                      <a:r>
-                        <a:rPr lang="en-US" sz="1200">
-                          <a:solidFill>
-                            <a:srgbClr val="000000"/>
-                          </a:solidFill>
-                          <a:ea typeface="微軟正黑體" panose="020B0604030504040204" pitchFamily="34" charset="-120"/>
-                          <a:cs typeface="+mn-lt"/>
-                          <a:sym typeface="+mn-ea"/>
-                        </a:rPr>
-                        <a:t>Tracing event code:</a:t>
-                      </a:r>
-                      <a:endParaRPr lang="en-US" sz="1200" b="0">
-                        <a:solidFill>
-                          <a:srgbClr val="000000"/>
-                        </a:solidFill>
-                        <a:ea typeface="微軟正黑體" panose="020B0604030504040204" pitchFamily="34" charset="-120"/>
-                        <a:cs typeface="+mn-lt"/>
-                      </a:endParaRPr>
-                    </a:p>
-                    <a:p>
-                      <a:pPr indent="0">
-                        <a:buFont typeface="+mj-lt"/>
-                        <a:buNone/>
-                      </a:pPr>
-                      <a:r>
-                        <a:rPr kumimoji="1" lang="en-US" altLang="zh-TW" sz="1200" dirty="0">
-                          <a:solidFill>
-                            <a:schemeClr val="tx1"/>
-                          </a:solidFill>
-                          <a:sym typeface="+mn-ea"/>
-                        </a:rPr>
-                        <a:t>EVT_RGR_LVL1_CONFIG_REQUEST</a:t>
-                      </a:r>
-                      <a:endParaRPr lang="zh-TW" altLang="en-US" sz="1900">
-                        <a:solidFill>
-                          <a:schemeClr val="tx1"/>
-                        </a:solidFill>
-                      </a:endParaRPr>
-                    </a:p>
-                    <a:p>
-                      <a:pPr>
-                        <a:buNone/>
-                      </a:pPr>
-                      <a:endParaRPr lang="zh-TW" altLang="en-US">
-                        <a:solidFill>
-                          <a:schemeClr val="tx1"/>
-                        </a:solidFill>
-                      </a:endParaRPr>
-                    </a:p>
-                  </a:txBody>
-                  <a:tcPr>
-                    <a:lnL w="12700" cmpd="sng">
-                      <a:solidFill>
-                        <a:schemeClr val="tx1"/>
-                      </a:solidFill>
-                      <a:prstDash val="solid"/>
-                    </a:lnL>
-                    <a:lnR w="12700" cmpd="sng">
-                      <a:solidFill>
-                        <a:schemeClr val="tx1"/>
-                      </a:solidFill>
-                      <a:prstDash val="solid"/>
-                    </a:lnR>
-                    <a:lnT w="12700" cmpd="sng">
-                      <a:solidFill>
-                        <a:schemeClr val="tx1"/>
-                      </a:solidFill>
-                      <a:prstDash val="solid"/>
-                    </a:lnT>
-                    <a:lnB w="12700" cmpd="sng">
-                      <a:solidFill>
-                        <a:schemeClr val="tx1"/>
-                      </a:solidFill>
-                      <a:prstDash val="solid"/>
-                    </a:lnB>
-                    <a:noFill/>
-                  </a:tcPr>
-                </a:tc>
-                <a:tc rowSpan="3">
-                  <a:txBody>
-                    <a:bodyPr/>
-                    <a:lstStyle/>
-                    <a:p>
-                      <a:pPr indent="0">
-                        <a:buNone/>
-                      </a:pPr>
-                      <a:endParaRPr lang="en-US" sz="1200">
-                        <a:solidFill>
-                          <a:srgbClr val="000000"/>
-                        </a:solidFill>
-                        <a:ea typeface="微軟正黑體" panose="020B0604030504040204" pitchFamily="34" charset="-120"/>
-                        <a:cs typeface="+mn-lt"/>
-                        <a:sym typeface="+mn-ea"/>
-                      </a:endParaRPr>
-                    </a:p>
-                    <a:p>
-                      <a:pPr indent="0">
-                        <a:buNone/>
-                      </a:pPr>
-                      <a:endParaRPr lang="en-US" sz="1200">
-                        <a:solidFill>
-                          <a:srgbClr val="000000"/>
-                        </a:solidFill>
-                        <a:ea typeface="微軟正黑體" panose="020B0604030504040204" pitchFamily="34" charset="-120"/>
-                        <a:cs typeface="+mn-lt"/>
-                        <a:sym typeface="+mn-ea"/>
-                      </a:endParaRPr>
-                    </a:p>
-                    <a:p>
-                      <a:pPr indent="0">
-                        <a:buNone/>
-                      </a:pPr>
-                      <a:r>
-                        <a:rPr lang="en-US" sz="1200">
-                          <a:solidFill>
-                            <a:srgbClr val="000000"/>
-                          </a:solidFill>
-                          <a:ea typeface="微軟正黑體" panose="020B0604030504040204" pitchFamily="34" charset="-120"/>
-                          <a:cs typeface="+mn-lt"/>
-                          <a:sym typeface="+mn-ea"/>
-                        </a:rPr>
-                        <a:t>Analysis event logs,</a:t>
-                      </a:r>
-                    </a:p>
-                    <a:p>
-                      <a:pPr indent="0">
-                        <a:buNone/>
-                      </a:pPr>
-                      <a:endParaRPr lang="en-US" sz="1200">
-                        <a:solidFill>
-                          <a:srgbClr val="000000"/>
-                        </a:solidFill>
-                        <a:ea typeface="微軟正黑體" panose="020B0604030504040204" pitchFamily="34" charset="-120"/>
-                        <a:cs typeface="+mn-lt"/>
-                        <a:sym typeface="+mn-ea"/>
-                      </a:endParaRPr>
-                    </a:p>
-                    <a:p>
-                      <a:pPr indent="0">
-                        <a:buNone/>
-                      </a:pPr>
-                      <a:r>
-                        <a:rPr lang="en-US" sz="1200">
-                          <a:solidFill>
-                            <a:srgbClr val="000000"/>
-                          </a:solidFill>
-                          <a:ea typeface="微軟正黑體" panose="020B0604030504040204" pitchFamily="34" charset="-120"/>
-                          <a:cs typeface="+mn-lt"/>
-                          <a:sym typeface="+mn-ea"/>
-                        </a:rPr>
-                        <a:t>Make weekly report</a:t>
-                      </a:r>
-                      <a:endParaRPr lang="zh-TW" altLang="en-US" sz="1200">
-                        <a:solidFill>
-                          <a:schemeClr val="tx1"/>
-                        </a:solidFill>
-                      </a:endParaRPr>
-                    </a:p>
-                  </a:txBody>
-                  <a:tcPr>
-                    <a:lnL w="12700" cmpd="sng">
-                      <a:solidFill>
-                        <a:schemeClr val="tx1"/>
-                      </a:solidFill>
-                      <a:prstDash val="solid"/>
-                    </a:lnL>
-                    <a:lnR w="12700" cmpd="sng">
-                      <a:solidFill>
-                        <a:schemeClr val="tx1"/>
-                      </a:solidFill>
-                      <a:prstDash val="solid"/>
-                    </a:lnR>
-                    <a:lnT w="12700" cmpd="sng">
-                      <a:solidFill>
-                        <a:schemeClr val="tx1"/>
-                      </a:solidFill>
-                      <a:prstDash val="solid"/>
-                    </a:lnT>
-                    <a:lnB w="12700" cmpd="sng">
-                      <a:solidFill>
-                        <a:schemeClr val="tx1"/>
-                      </a:solidFill>
-                      <a:prstDash val="solid"/>
-                    </a:lnB>
-                    <a:noFill/>
-                  </a:tcPr>
-                </a:tc>
-                <a:tc>
-                  <a:txBody>
-                    <a:bodyPr/>
-                    <a:lstStyle/>
-                    <a:p>
-                      <a:pPr>
-                        <a:buNone/>
-                      </a:pPr>
-                      <a:r>
-                        <a:rPr lang="en-US" sz="1200">
-                          <a:solidFill>
-                            <a:schemeClr val="tx1"/>
-                          </a:solidFill>
-                          <a:ea typeface="微軟正黑體" panose="020B0604030504040204" pitchFamily="34" charset="-120"/>
-                          <a:cs typeface="+mn-lt"/>
-                          <a:sym typeface="+mn-ea"/>
-                        </a:rPr>
-                        <a:t>Tracing event code:</a:t>
-                      </a:r>
-                      <a:endParaRPr lang="en-GB" altLang="zh-TW" sz="1200" dirty="0">
-                        <a:solidFill>
-                          <a:schemeClr val="tx1"/>
-                        </a:solidFill>
-                        <a:sym typeface="+mn-ea"/>
-                      </a:endParaRPr>
-                    </a:p>
-                    <a:p>
-                      <a:pPr>
-                        <a:buNone/>
-                      </a:pPr>
-                      <a:r>
-                        <a:rPr lang="en-GB" altLang="zh-TW" sz="1200" dirty="0">
-                          <a:solidFill>
-                            <a:schemeClr val="tx1"/>
-                          </a:solidFill>
-                          <a:sym typeface="+mn-ea"/>
-                        </a:rPr>
-                        <a:t>EVT_OAM_DU_CONFIG</a:t>
-                      </a:r>
-                      <a:endParaRPr lang="zh-TW" altLang="en-US" sz="1200">
-                        <a:solidFill>
-                          <a:schemeClr val="tx1"/>
-                        </a:solidFill>
-                      </a:endParaRPr>
-                    </a:p>
-                  </a:txBody>
-                  <a:tcPr>
-                    <a:lnL w="12700" cmpd="sng">
-                      <a:solidFill>
-                        <a:schemeClr val="tx1"/>
-                      </a:solidFill>
-                      <a:prstDash val="solid"/>
-                    </a:lnL>
-                    <a:lnR w="12700" cmpd="sng">
-                      <a:solidFill>
-                        <a:schemeClr val="tx1"/>
-                      </a:solidFill>
-                      <a:prstDash val="solid"/>
-                    </a:lnR>
-                    <a:lnT w="12700" cmpd="sng">
-                      <a:solidFill>
-                        <a:schemeClr val="tx1"/>
-                      </a:solidFill>
-                      <a:prstDash val="solid"/>
-                    </a:lnT>
-                    <a:lnB w="12700" cmpd="sng">
-                      <a:solidFill>
-                        <a:schemeClr val="tx1"/>
-                      </a:solidFill>
-                      <a:prstDash val="solid"/>
-                    </a:lnB>
-                    <a:noFill/>
-                  </a:tcPr>
-                </a:tc>
-                <a:extLst>
-                  <a:ext uri="{0D108BD9-81ED-4DB2-BD59-A6C34878D82A}">
-                    <a16:rowId xmlns:a16="http://schemas.microsoft.com/office/drawing/2014/main" val="10001"/>
-                  </a:ext>
-                </a:extLst>
-              </a:tr>
-              <a:tr h="384175">
-                <a:tc>
-                  <a:txBody>
-                    <a:bodyPr/>
-                    <a:lstStyle/>
-                    <a:p>
-                      <a:pPr>
-                        <a:buNone/>
-                      </a:pPr>
-                      <a:r>
-                        <a:rPr lang="en-US" altLang="zh-TW" sz="1900">
-                          <a:solidFill>
-                            <a:schemeClr val="tx1"/>
-                          </a:solidFill>
-                          <a:sym typeface="+mn-ea"/>
-                        </a:rPr>
-                        <a:t>10~11 am</a:t>
-                      </a:r>
-                      <a:endParaRPr lang="zh-TW" altLang="en-US">
-                        <a:solidFill>
-                          <a:schemeClr val="tx1"/>
-                        </a:solidFill>
-                      </a:endParaRPr>
-                    </a:p>
-                  </a:txBody>
-                  <a:tcPr>
-                    <a:lnL w="12700" cmpd="sng">
-                      <a:solidFill>
-                        <a:schemeClr val="tx1"/>
-                      </a:solidFill>
-                      <a:prstDash val="solid"/>
-                    </a:lnL>
-                    <a:lnR w="12700">
-                      <a:solidFill>
-                        <a:schemeClr val="tx1"/>
-                      </a:solidFill>
-                      <a:prstDash val="solid"/>
-                    </a:lnR>
-                    <a:lnT w="12700" cmpd="sng">
-                      <a:solidFill>
-                        <a:schemeClr val="tx1"/>
-                      </a:solidFill>
-                      <a:prstDash val="solid"/>
-                    </a:lnT>
-                    <a:lnB w="12700" cmpd="sng">
-                      <a:solidFill>
-                        <a:schemeClr val="tx1"/>
-                      </a:solidFill>
-                      <a:prstDash val="solid"/>
-                    </a:lnB>
-                    <a:solidFill>
-                      <a:srgbClr val="E2EFDA"/>
-                    </a:solidFill>
-                  </a:tcPr>
-                </a:tc>
-                <a:tc vMerge="1">
-                  <a:txBody>
-                    <a:bodyPr/>
-                    <a:lstStyle/>
-                    <a:p>
-                      <a:endParaRPr lang="zh-TW"/>
-                    </a:p>
-                  </a:txBody>
-                  <a:tcPr>
-                    <a:lnL w="12700">
-                      <a:solidFill>
-                        <a:schemeClr val="tx1"/>
-                      </a:solidFill>
-                      <a:prstDash val="solid"/>
-                    </a:lnL>
-                    <a:lnR w="12700">
-                      <a:solidFill>
-                        <a:schemeClr val="tx1"/>
-                      </a:solidFill>
-                      <a:prstDash val="solid"/>
-                    </a:lnR>
-                    <a:lnT w="12700">
-                      <a:solidFill>
-                        <a:schemeClr val="tx1"/>
-                      </a:solidFill>
-                      <a:prstDash val="solid"/>
-                    </a:lnT>
-                    <a:lnB w="12700">
-                      <a:solidFill>
-                        <a:schemeClr val="tx1"/>
-                      </a:solidFill>
-                      <a:prstDash val="solid"/>
-                    </a:lnB>
-                    <a:noFill/>
-                  </a:tcPr>
-                </a:tc>
-                <a:tc vMerge="1">
-                  <a:txBody>
-                    <a:bodyPr/>
-                    <a:lstStyle/>
-                    <a:p>
-                      <a:endParaRPr lang="zh-TW"/>
-                    </a:p>
-                  </a:txBody>
-                  <a:tcPr>
-                    <a:lnL w="12700">
-                      <a:solidFill>
-                        <a:schemeClr val="tx1"/>
-                      </a:solidFill>
-                      <a:prstDash val="solid"/>
-                    </a:lnL>
-                    <a:lnR w="12700" cmpd="sng">
-                      <a:solidFill>
-                        <a:schemeClr val="tx1"/>
-                      </a:solidFill>
-                      <a:prstDash val="solid"/>
-                    </a:lnR>
-                    <a:lnT w="12700" cmpd="sng">
-                      <a:solidFill>
-                        <a:schemeClr val="tx1"/>
-                      </a:solidFill>
-                      <a:prstDash val="solid"/>
-                    </a:lnT>
-                    <a:lnB w="12700" cmpd="sng">
-                      <a:solidFill>
-                        <a:schemeClr val="tx1"/>
-                      </a:solidFill>
-                      <a:prstDash val="solid"/>
-                    </a:lnB>
-                    <a:noFill/>
-                  </a:tcPr>
-                </a:tc>
-                <a:tc vMerge="1">
-                  <a:txBody>
-                    <a:bodyPr/>
-                    <a:lstStyle/>
-                    <a:p>
-                      <a:endParaRPr lang="zh-TW"/>
-                    </a:p>
-                  </a:txBody>
-                  <a:tcPr>
-                    <a:lnL w="12700" cmpd="sng">
-                      <a:solidFill>
-                        <a:schemeClr val="tx1"/>
-                      </a:solidFill>
-                      <a:prstDash val="solid"/>
-                    </a:lnL>
-                    <a:lnR w="12700" cmpd="sng">
-                      <a:solidFill>
-                        <a:schemeClr val="tx1"/>
-                      </a:solidFill>
-                      <a:prstDash val="solid"/>
-                    </a:lnR>
-                    <a:lnT w="12700" cmpd="sng">
-                      <a:solidFill>
-                        <a:schemeClr val="tx1"/>
-                      </a:solidFill>
-                      <a:prstDash val="solid"/>
-                    </a:lnT>
-                    <a:lnB w="12700" cmpd="sng">
-                      <a:solidFill>
-                        <a:schemeClr val="tx1"/>
-                      </a:solidFill>
-                      <a:prstDash val="solid"/>
-                    </a:lnB>
-                    <a:noFill/>
-                  </a:tcPr>
-                </a:tc>
-                <a:tc vMerge="1">
-                  <a:txBody>
-                    <a:bodyPr/>
-                    <a:lstStyle/>
-                    <a:p>
-                      <a:endParaRPr lang="zh-TW"/>
-                    </a:p>
-                  </a:txBody>
-                  <a:tcPr>
-                    <a:lnL w="12700" cmpd="sng">
-                      <a:solidFill>
-                        <a:schemeClr val="tx1"/>
-                      </a:solidFill>
-                      <a:prstDash val="solid"/>
-                    </a:lnL>
-                    <a:lnR w="12700" cmpd="sng">
-                      <a:solidFill>
-                        <a:schemeClr val="tx1"/>
-                      </a:solidFill>
-                      <a:prstDash val="solid"/>
-                    </a:lnR>
-                    <a:lnT w="12700" cmpd="sng">
-                      <a:solidFill>
-                        <a:schemeClr val="tx1"/>
-                      </a:solidFill>
-                      <a:prstDash val="solid"/>
-                    </a:lnT>
-                    <a:lnB w="12700" cmpd="sng">
-                      <a:solidFill>
-                        <a:schemeClr val="tx1"/>
-                      </a:solidFill>
-                      <a:prstDash val="solid"/>
-                    </a:lnB>
-                    <a:noFill/>
-                  </a:tcPr>
-                </a:tc>
-                <a:tc rowSpan="4">
-                  <a:txBody>
-                    <a:bodyPr/>
-                    <a:lstStyle/>
-                    <a:p>
-                      <a:pPr>
-                        <a:buNone/>
-                      </a:pPr>
-                      <a:endParaRPr lang="en-US" sz="1200">
-                        <a:solidFill>
-                          <a:schemeClr val="tx1"/>
-                        </a:solidFill>
-                        <a:ea typeface="微軟正黑體" panose="020B0604030504040204" pitchFamily="34" charset="-120"/>
-                        <a:cs typeface="+mn-lt"/>
-                        <a:sym typeface="+mn-ea"/>
-                      </a:endParaRPr>
-                    </a:p>
-                    <a:p>
-                      <a:pPr>
-                        <a:buNone/>
-                      </a:pPr>
-                      <a:endParaRPr lang="en-US" sz="1200">
-                        <a:solidFill>
-                          <a:schemeClr val="tx1"/>
-                        </a:solidFill>
-                        <a:ea typeface="微軟正黑體" panose="020B0604030504040204" pitchFamily="34" charset="-120"/>
-                        <a:cs typeface="+mn-lt"/>
-                        <a:sym typeface="+mn-ea"/>
-                      </a:endParaRPr>
-                    </a:p>
-                    <a:p>
-                      <a:pPr>
-                        <a:buNone/>
-                      </a:pPr>
-                      <a:endParaRPr lang="en-US" sz="1200">
-                        <a:solidFill>
-                          <a:schemeClr val="tx1"/>
-                        </a:solidFill>
-                        <a:ea typeface="微軟正黑體" panose="020B0604030504040204" pitchFamily="34" charset="-120"/>
-                        <a:cs typeface="+mn-lt"/>
-                        <a:sym typeface="+mn-ea"/>
-                      </a:endParaRPr>
-                    </a:p>
-                    <a:p>
-                      <a:pPr>
-                        <a:buNone/>
-                      </a:pPr>
-                      <a:r>
-                        <a:rPr lang="en-US" sz="1200">
-                          <a:solidFill>
-                            <a:schemeClr val="tx1"/>
-                          </a:solidFill>
-                          <a:ea typeface="微軟正黑體" panose="020B0604030504040204" pitchFamily="34" charset="-120"/>
-                          <a:cs typeface="+mn-lt"/>
-                          <a:sym typeface="+mn-ea"/>
-                        </a:rPr>
-                        <a:t>Tracing event code:</a:t>
-                      </a:r>
-                      <a:endParaRPr lang="en-GB" altLang="zh-TW" sz="1200" dirty="0">
-                        <a:solidFill>
-                          <a:schemeClr val="tx1"/>
-                        </a:solidFill>
-                        <a:sym typeface="+mn-ea"/>
-                      </a:endParaRPr>
-                    </a:p>
-                    <a:p>
-                      <a:pPr>
-                        <a:buNone/>
-                      </a:pPr>
-                      <a:r>
-                        <a:rPr lang="en-GB" altLang="zh-TW" sz="1200" dirty="0">
-                          <a:solidFill>
-                            <a:schemeClr val="tx1"/>
-                          </a:solidFill>
-                          <a:sym typeface="+mn-ea"/>
-                        </a:rPr>
-                        <a:t>EVT_RLC_FLW_CTRL_INFO_INDICATION</a:t>
-                      </a:r>
-                      <a:endParaRPr lang="en-GB" altLang="zh-TW" sz="1200" dirty="0">
-                        <a:solidFill>
-                          <a:srgbClr val="FF0000"/>
-                        </a:solidFill>
-                        <a:sym typeface="+mn-ea"/>
-                      </a:endParaRPr>
-                    </a:p>
-                    <a:p>
-                      <a:pPr>
-                        <a:buNone/>
-                      </a:pPr>
-                      <a:r>
-                        <a:rPr lang="en-US" altLang="zh-TW" sz="1200">
-                          <a:solidFill>
-                            <a:schemeClr val="tx1"/>
-                          </a:solidFill>
-                        </a:rPr>
-                        <a:t>1</a:t>
-                      </a:r>
-                    </a:p>
-                  </a:txBody>
-                  <a:tcPr>
-                    <a:lnL w="12700" cmpd="sng">
-                      <a:solidFill>
-                        <a:schemeClr val="tx1"/>
-                      </a:solidFill>
-                      <a:prstDash val="solid"/>
-                    </a:lnL>
-                    <a:lnR w="12700" cmpd="sng">
-                      <a:solidFill>
-                        <a:schemeClr val="tx1"/>
-                      </a:solidFill>
-                      <a:prstDash val="solid"/>
-                    </a:lnR>
-                    <a:lnT w="12700" cmpd="sng">
-                      <a:solidFill>
-                        <a:schemeClr val="tx1"/>
-                      </a:solidFill>
-                      <a:prstDash val="solid"/>
-                    </a:lnT>
-                    <a:lnB w="12700" cmpd="sng">
-                      <a:solidFill>
-                        <a:schemeClr val="tx1"/>
-                      </a:solidFill>
-                      <a:prstDash val="solid"/>
-                    </a:lnB>
-                    <a:noFill/>
-                  </a:tcPr>
-                </a:tc>
-                <a:extLst>
-                  <a:ext uri="{0D108BD9-81ED-4DB2-BD59-A6C34878D82A}">
-                    <a16:rowId xmlns:a16="http://schemas.microsoft.com/office/drawing/2014/main" val="10002"/>
-                  </a:ext>
-                </a:extLst>
-              </a:tr>
-              <a:tr h="384175">
-                <a:tc>
-                  <a:txBody>
-                    <a:bodyPr/>
-                    <a:lstStyle/>
-                    <a:p>
-                      <a:pPr>
-                        <a:buNone/>
-                      </a:pPr>
-                      <a:r>
-                        <a:rPr lang="en-US" altLang="zh-TW" sz="1900">
-                          <a:solidFill>
-                            <a:schemeClr val="tx1"/>
-                          </a:solidFill>
-                          <a:sym typeface="+mn-ea"/>
-                        </a:rPr>
-                        <a:t>11~12 pm</a:t>
-                      </a:r>
-                      <a:endParaRPr lang="zh-TW" altLang="en-US">
-                        <a:solidFill>
-                          <a:schemeClr val="tx1"/>
-                        </a:solidFill>
-                      </a:endParaRPr>
-                    </a:p>
-                  </a:txBody>
-                  <a:tcPr>
-                    <a:lnL w="12700" cmpd="sng">
-                      <a:solidFill>
-                        <a:schemeClr val="tx1"/>
-                      </a:solidFill>
-                      <a:prstDash val="solid"/>
-                    </a:lnL>
-                    <a:lnR w="12700">
-                      <a:solidFill>
-                        <a:schemeClr val="tx1"/>
-                      </a:solidFill>
-                      <a:prstDash val="solid"/>
-                    </a:lnR>
-                    <a:lnT w="12700" cmpd="sng">
-                      <a:solidFill>
-                        <a:schemeClr val="tx1"/>
-                      </a:solidFill>
-                      <a:prstDash val="solid"/>
-                    </a:lnT>
-                    <a:lnB w="12700" cmpd="sng">
-                      <a:solidFill>
-                        <a:schemeClr val="tx1"/>
-                      </a:solidFill>
-                      <a:prstDash val="solid"/>
-                    </a:lnB>
-                    <a:solidFill>
-                      <a:srgbClr val="E2EFDA"/>
-                    </a:solidFill>
-                  </a:tcPr>
-                </a:tc>
-                <a:tc vMerge="1">
-                  <a:txBody>
-                    <a:bodyPr/>
-                    <a:lstStyle/>
-                    <a:p>
-                      <a:endParaRPr lang="zh-TW"/>
-                    </a:p>
-                  </a:txBody>
-                  <a:tcPr>
-                    <a:lnL w="12700">
-                      <a:solidFill>
-                        <a:schemeClr val="tx1"/>
-                      </a:solidFill>
-                      <a:prstDash val="solid"/>
-                    </a:lnL>
-                    <a:lnR w="12700">
-                      <a:solidFill>
-                        <a:schemeClr val="tx1"/>
-                      </a:solidFill>
-                      <a:prstDash val="solid"/>
-                    </a:lnR>
-                    <a:lnT w="12700">
-                      <a:solidFill>
-                        <a:schemeClr val="tx1"/>
-                      </a:solidFill>
-                      <a:prstDash val="solid"/>
-                    </a:lnT>
-                    <a:lnB w="12700">
-                      <a:solidFill>
-                        <a:schemeClr val="tx1"/>
-                      </a:solidFill>
-                      <a:prstDash val="solid"/>
-                    </a:lnB>
-                    <a:noFill/>
-                  </a:tcPr>
-                </a:tc>
-                <a:tc vMerge="1">
-                  <a:txBody>
-                    <a:bodyPr/>
-                    <a:lstStyle/>
-                    <a:p>
-                      <a:endParaRPr lang="zh-TW"/>
-                    </a:p>
-                  </a:txBody>
-                  <a:tcPr>
-                    <a:lnL w="12700">
-                      <a:solidFill>
-                        <a:schemeClr val="tx1"/>
-                      </a:solidFill>
-                      <a:prstDash val="solid"/>
-                    </a:lnL>
-                    <a:lnR w="12700" cmpd="sng">
-                      <a:solidFill>
-                        <a:schemeClr val="tx1"/>
-                      </a:solidFill>
-                      <a:prstDash val="solid"/>
-                    </a:lnR>
-                    <a:lnT w="12700" cmpd="sng">
-                      <a:solidFill>
-                        <a:schemeClr val="tx1"/>
-                      </a:solidFill>
-                      <a:prstDash val="solid"/>
-                    </a:lnT>
-                    <a:lnB w="12700" cmpd="sng">
-                      <a:solidFill>
-                        <a:schemeClr val="tx1"/>
-                      </a:solidFill>
-                      <a:prstDash val="solid"/>
-                    </a:lnB>
-                    <a:noFill/>
-                  </a:tcPr>
-                </a:tc>
-                <a:tc>
-                  <a:txBody>
-                    <a:bodyPr/>
-                    <a:lstStyle/>
-                    <a:p>
-                      <a:pPr>
-                        <a:buNone/>
-                      </a:pPr>
-                      <a:r>
-                        <a:rPr lang="en-US" sz="1200">
-                          <a:solidFill>
-                            <a:schemeClr val="tx1"/>
-                          </a:solidFill>
-                          <a:ea typeface="微軟正黑體" panose="020B0604030504040204" pitchFamily="34" charset="-120"/>
-                          <a:cs typeface="+mn-lt"/>
-                          <a:sym typeface="+mn-ea"/>
-                        </a:rPr>
-                        <a:t>Tracing event code:</a:t>
-                      </a:r>
-                      <a:endParaRPr kumimoji="1" lang="en-US" altLang="zh-TW" sz="1200" dirty="0">
-                        <a:solidFill>
-                          <a:schemeClr val="tx1"/>
-                        </a:solidFill>
-                        <a:sym typeface="+mn-ea"/>
-                      </a:endParaRPr>
-                    </a:p>
-                    <a:p>
-                      <a:pPr>
-                        <a:buNone/>
-                      </a:pPr>
-                      <a:r>
-                        <a:rPr kumimoji="1" lang="en-US" altLang="zh-TW" sz="1200" dirty="0">
-                          <a:solidFill>
-                            <a:schemeClr val="tx1"/>
-                          </a:solidFill>
-                          <a:sym typeface="+mn-ea"/>
-                        </a:rPr>
-                        <a:t>EVT_L1_MSG_INDICATION</a:t>
-                      </a:r>
-                      <a:endParaRPr lang="zh-TW" altLang="en-US">
-                        <a:solidFill>
-                          <a:schemeClr val="tx1"/>
-                        </a:solidFill>
-                      </a:endParaRPr>
-                    </a:p>
-                  </a:txBody>
-                  <a:tcPr>
-                    <a:lnL w="12700" cmpd="sng">
-                      <a:solidFill>
-                        <a:schemeClr val="tx1"/>
-                      </a:solidFill>
-                      <a:prstDash val="solid"/>
-                    </a:lnL>
-                    <a:lnR w="12700" cmpd="sng">
-                      <a:solidFill>
-                        <a:schemeClr val="tx1"/>
-                      </a:solidFill>
-                      <a:prstDash val="solid"/>
-                    </a:lnR>
-                    <a:lnT w="12700" cmpd="sng">
-                      <a:solidFill>
-                        <a:schemeClr val="tx1"/>
-                      </a:solidFill>
-                      <a:prstDash val="solid"/>
-                    </a:lnT>
-                    <a:lnB w="12700" cmpd="sng">
-                      <a:solidFill>
-                        <a:schemeClr val="tx1"/>
-                      </a:solidFill>
-                      <a:prstDash val="solid"/>
-                    </a:lnB>
-                    <a:noFill/>
-                  </a:tcPr>
-                </a:tc>
-                <a:tc vMerge="1">
-                  <a:txBody>
-                    <a:bodyPr/>
-                    <a:lstStyle/>
-                    <a:p>
-                      <a:endParaRPr lang="zh-TW"/>
-                    </a:p>
-                  </a:txBody>
-                  <a:tcPr>
-                    <a:lnL w="12700" cmpd="sng">
-                      <a:solidFill>
-                        <a:schemeClr val="tx1"/>
-                      </a:solidFill>
-                      <a:prstDash val="solid"/>
-                    </a:lnL>
-                    <a:lnR w="12700" cmpd="sng">
-                      <a:solidFill>
-                        <a:schemeClr val="tx1"/>
-                      </a:solidFill>
-                      <a:prstDash val="solid"/>
-                    </a:lnR>
-                    <a:lnT w="12700" cmpd="sng">
-                      <a:solidFill>
-                        <a:schemeClr val="tx1"/>
-                      </a:solidFill>
-                      <a:prstDash val="solid"/>
-                    </a:lnT>
-                    <a:lnB w="12700" cmpd="sng">
-                      <a:solidFill>
-                        <a:schemeClr val="tx1"/>
-                      </a:solidFill>
-                      <a:prstDash val="solid"/>
-                    </a:lnB>
-                    <a:noFill/>
-                  </a:tcPr>
-                </a:tc>
-                <a:tc vMerge="1">
-                  <a:txBody>
-                    <a:bodyPr/>
-                    <a:lstStyle/>
-                    <a:p>
-                      <a:endParaRPr lang="zh-TW"/>
-                    </a:p>
-                  </a:txBody>
-                  <a:tcPr>
-                    <a:lnL w="12700" cmpd="sng">
-                      <a:solidFill>
-                        <a:schemeClr val="tx1"/>
-                      </a:solidFill>
-                      <a:prstDash val="solid"/>
-                    </a:lnL>
-                    <a:lnR w="12700" cmpd="sng">
-                      <a:solidFill>
-                        <a:schemeClr val="tx1"/>
-                      </a:solidFill>
-                      <a:prstDash val="solid"/>
-                    </a:lnR>
-                    <a:lnT w="12700" cmpd="sng">
-                      <a:solidFill>
-                        <a:schemeClr val="tx1"/>
-                      </a:solidFill>
-                      <a:prstDash val="solid"/>
-                    </a:lnT>
-                    <a:lnB w="12700" cmpd="sng">
-                      <a:solidFill>
-                        <a:schemeClr val="tx1"/>
-                      </a:solidFill>
-                      <a:prstDash val="solid"/>
-                    </a:lnB>
-                    <a:noFill/>
-                  </a:tcPr>
-                </a:tc>
-                <a:extLst>
-                  <a:ext uri="{0D108BD9-81ED-4DB2-BD59-A6C34878D82A}">
-                    <a16:rowId xmlns:a16="http://schemas.microsoft.com/office/drawing/2014/main" val="10003"/>
-                  </a:ext>
-                </a:extLst>
-              </a:tr>
-              <a:tr h="384175">
-                <a:tc>
-                  <a:txBody>
-                    <a:bodyPr/>
-                    <a:lstStyle/>
-                    <a:p>
-                      <a:pPr>
-                        <a:buNone/>
-                      </a:pPr>
-                      <a:r>
-                        <a:rPr lang="en-US" altLang="zh-TW" sz="1900">
-                          <a:solidFill>
-                            <a:schemeClr val="tx1"/>
-                          </a:solidFill>
-                          <a:sym typeface="+mn-ea"/>
-                        </a:rPr>
-                        <a:t>01~02 pm</a:t>
-                      </a:r>
-                      <a:endParaRPr lang="zh-TW" altLang="en-US">
-                        <a:solidFill>
-                          <a:schemeClr val="tx1"/>
-                        </a:solidFill>
-                      </a:endParaRPr>
-                    </a:p>
-                  </a:txBody>
-                  <a:tcPr>
-                    <a:lnL w="12700" cmpd="sng">
-                      <a:solidFill>
-                        <a:schemeClr val="tx1"/>
-                      </a:solidFill>
-                      <a:prstDash val="solid"/>
-                    </a:lnL>
-                    <a:lnR w="12700" cmpd="sng">
-                      <a:solidFill>
-                        <a:schemeClr val="tx1"/>
-                      </a:solidFill>
-                      <a:prstDash val="solid"/>
-                    </a:lnR>
-                    <a:lnT w="12700" cmpd="sng">
-                      <a:solidFill>
-                        <a:schemeClr val="tx1"/>
-                      </a:solidFill>
-                      <a:prstDash val="solid"/>
-                    </a:lnT>
-                    <a:lnB w="12700" cmpd="sng">
-                      <a:solidFill>
-                        <a:schemeClr val="tx1"/>
-                      </a:solidFill>
-                      <a:prstDash val="solid"/>
-                    </a:lnB>
-                    <a:solidFill>
-                      <a:srgbClr val="DDEBF7"/>
-                    </a:solidFill>
-                  </a:tcPr>
-                </a:tc>
-                <a:tc>
-                  <a:txBody>
-                    <a:bodyPr/>
-                    <a:lstStyle/>
-                    <a:p>
-                      <a:pPr indent="0">
-                        <a:buNone/>
-                      </a:pPr>
-                      <a:r>
-                        <a:rPr lang="en-US" sz="1200">
-                          <a:solidFill>
-                            <a:srgbClr val="000000"/>
-                          </a:solidFill>
-                          <a:ea typeface="微軟正黑體" panose="020B0604030504040204" pitchFamily="34" charset="-120"/>
-                          <a:cs typeface="+mn-lt"/>
-                          <a:sym typeface="+mn-ea"/>
-                        </a:rPr>
-                        <a:t>Tracing event code:</a:t>
-                      </a:r>
-                      <a:endParaRPr lang="en-US" sz="1200" b="0">
-                        <a:solidFill>
-                          <a:srgbClr val="000000"/>
-                        </a:solidFill>
-                        <a:ea typeface="微軟正黑體" panose="020B0604030504040204" pitchFamily="34" charset="-120"/>
-                        <a:cs typeface="+mn-lt"/>
-                      </a:endParaRPr>
-                    </a:p>
-                    <a:p>
-                      <a:pPr indent="0">
-                        <a:buFont typeface="+mj-lt"/>
-                        <a:buNone/>
-                      </a:pPr>
-                      <a:r>
-                        <a:rPr kumimoji="1" lang="en-US" altLang="zh-TW" sz="1200" dirty="0">
-                          <a:solidFill>
-                            <a:schemeClr val="tx1"/>
-                          </a:solidFill>
-                          <a:sym typeface="+mn-ea"/>
-                        </a:rPr>
-                        <a:t>EVT_RGR_LVL1_CONFIG_REQUEST</a:t>
-                      </a:r>
-                      <a:endParaRPr lang="zh-TW" altLang="en-US" sz="1200">
-                        <a:solidFill>
-                          <a:schemeClr val="tx1"/>
-                        </a:solidFill>
-                      </a:endParaRPr>
-                    </a:p>
-                  </a:txBody>
-                  <a:tcPr>
-                    <a:lnL w="12700" cmpd="sng">
-                      <a:solidFill>
-                        <a:schemeClr val="tx1"/>
-                      </a:solidFill>
-                      <a:prstDash val="solid"/>
-                    </a:lnL>
-                    <a:lnR w="12700" cmpd="sng">
-                      <a:solidFill>
-                        <a:schemeClr val="tx1"/>
-                      </a:solidFill>
-                      <a:prstDash val="solid"/>
-                    </a:lnR>
-                    <a:lnT w="12700">
-                      <a:solidFill>
-                        <a:schemeClr val="tx1"/>
-                      </a:solidFill>
-                      <a:prstDash val="solid"/>
-                    </a:lnT>
-                    <a:lnB w="12700" cmpd="sng">
-                      <a:solidFill>
-                        <a:schemeClr val="tx1"/>
-                      </a:solidFill>
-                      <a:prstDash val="solid"/>
-                    </a:lnB>
-                    <a:noFill/>
-                  </a:tcPr>
-                </a:tc>
-                <a:tc rowSpan="5">
-                  <a:txBody>
-                    <a:bodyPr/>
-                    <a:lstStyle/>
-                    <a:p>
-                      <a:pPr indent="0">
-                        <a:buNone/>
-                      </a:pPr>
-                      <a:endParaRPr lang="en-US" sz="1200">
-                        <a:solidFill>
-                          <a:srgbClr val="000000"/>
-                        </a:solidFill>
-                        <a:ea typeface="微軟正黑體" panose="020B0604030504040204" pitchFamily="34" charset="-120"/>
-                        <a:cs typeface="+mn-lt"/>
-                        <a:sym typeface="+mn-ea"/>
-                      </a:endParaRPr>
-                    </a:p>
-                    <a:p>
-                      <a:pPr indent="0">
-                        <a:buNone/>
-                      </a:pPr>
-                      <a:endParaRPr lang="en-US" sz="1200">
-                        <a:solidFill>
-                          <a:srgbClr val="000000"/>
-                        </a:solidFill>
-                        <a:ea typeface="微軟正黑體" panose="020B0604030504040204" pitchFamily="34" charset="-120"/>
-                        <a:cs typeface="+mn-lt"/>
-                        <a:sym typeface="+mn-ea"/>
-                      </a:endParaRPr>
-                    </a:p>
-                    <a:p>
-                      <a:pPr indent="0">
-                        <a:buNone/>
-                      </a:pPr>
-                      <a:endParaRPr lang="en-US" sz="1200">
-                        <a:solidFill>
-                          <a:srgbClr val="000000"/>
-                        </a:solidFill>
-                        <a:ea typeface="微軟正黑體" panose="020B0604030504040204" pitchFamily="34" charset="-120"/>
-                        <a:cs typeface="+mn-lt"/>
-                        <a:sym typeface="+mn-ea"/>
-                      </a:endParaRPr>
-                    </a:p>
-                    <a:p>
-                      <a:pPr indent="0">
-                        <a:buNone/>
-                      </a:pPr>
-                      <a:endParaRPr lang="en-US" sz="1200">
-                        <a:solidFill>
-                          <a:srgbClr val="000000"/>
-                        </a:solidFill>
-                        <a:ea typeface="微軟正黑體" panose="020B0604030504040204" pitchFamily="34" charset="-120"/>
-                        <a:cs typeface="+mn-lt"/>
-                        <a:sym typeface="+mn-ea"/>
-                      </a:endParaRPr>
-                    </a:p>
-                    <a:p>
-                      <a:pPr indent="0">
-                        <a:buNone/>
-                      </a:pPr>
-                      <a:r>
-                        <a:rPr lang="en-US" sz="1200">
-                          <a:solidFill>
-                            <a:srgbClr val="000000"/>
-                          </a:solidFill>
-                          <a:ea typeface="微軟正黑體" panose="020B0604030504040204" pitchFamily="34" charset="-120"/>
-                          <a:cs typeface="+mn-lt"/>
-                          <a:sym typeface="+mn-ea"/>
-                        </a:rPr>
-                        <a:t>Analysis event logs,</a:t>
-                      </a:r>
-                    </a:p>
-                    <a:p>
-                      <a:pPr indent="0">
-                        <a:buNone/>
-                      </a:pPr>
-                      <a:endParaRPr lang="en-US" sz="1200">
-                        <a:solidFill>
-                          <a:srgbClr val="000000"/>
-                        </a:solidFill>
-                        <a:ea typeface="微軟正黑體" panose="020B0604030504040204" pitchFamily="34" charset="-120"/>
-                        <a:cs typeface="+mn-lt"/>
-                        <a:sym typeface="+mn-ea"/>
-                      </a:endParaRPr>
-                    </a:p>
-                    <a:p>
-                      <a:pPr indent="0">
-                        <a:buNone/>
-                      </a:pPr>
-                      <a:r>
-                        <a:rPr lang="en-US" sz="1200">
-                          <a:solidFill>
-                            <a:srgbClr val="000000"/>
-                          </a:solidFill>
-                          <a:ea typeface="微軟正黑體" panose="020B0604030504040204" pitchFamily="34" charset="-120"/>
-                          <a:cs typeface="+mn-lt"/>
-                          <a:sym typeface="+mn-ea"/>
-                        </a:rPr>
-                        <a:t>Make weekly report</a:t>
-                      </a:r>
-                    </a:p>
-                    <a:p>
-                      <a:pPr indent="0">
-                        <a:buNone/>
-                      </a:pPr>
-                      <a:endParaRPr lang="en-US" sz="1200">
-                        <a:solidFill>
-                          <a:srgbClr val="000000"/>
-                        </a:solidFill>
-                        <a:ea typeface="微軟正黑體" panose="020B0604030504040204" pitchFamily="34" charset="-120"/>
-                        <a:cs typeface="+mn-lt"/>
-                        <a:sym typeface="+mn-ea"/>
-                      </a:endParaRPr>
-                    </a:p>
-                    <a:p>
-                      <a:pPr>
-                        <a:buNone/>
-                      </a:pPr>
-                      <a:endParaRPr lang="zh-TW" altLang="en-US" sz="1200">
-                        <a:solidFill>
-                          <a:schemeClr val="tx1"/>
-                        </a:solidFill>
-                      </a:endParaRPr>
-                    </a:p>
-                  </a:txBody>
-                  <a:tcPr>
-                    <a:lnL w="12700" cmpd="sng">
-                      <a:solidFill>
-                        <a:schemeClr val="tx1"/>
-                      </a:solidFill>
-                      <a:prstDash val="solid"/>
-                    </a:lnL>
-                    <a:lnR w="12700" cmpd="sng">
-                      <a:solidFill>
-                        <a:schemeClr val="tx1"/>
-                      </a:solidFill>
-                      <a:prstDash val="solid"/>
-                    </a:lnR>
-                    <a:lnT w="12700" cmpd="sng">
-                      <a:solidFill>
-                        <a:schemeClr val="tx1"/>
-                      </a:solidFill>
-                      <a:prstDash val="solid"/>
-                    </a:lnT>
-                    <a:lnB w="12700" cmpd="sng">
-                      <a:solidFill>
-                        <a:schemeClr val="tx1"/>
-                      </a:solidFill>
-                      <a:prstDash val="solid"/>
-                    </a:lnB>
-                    <a:noFill/>
-                  </a:tcPr>
-                </a:tc>
-                <a:tc>
-                  <a:txBody>
-                    <a:bodyPr/>
-                    <a:lstStyle/>
-                    <a:p>
-                      <a:pPr>
-                        <a:buNone/>
-                      </a:pPr>
-                      <a:r>
-                        <a:rPr lang="en-US" sz="1200">
-                          <a:solidFill>
-                            <a:schemeClr val="tx1"/>
-                          </a:solidFill>
-                          <a:ea typeface="微軟正黑體" panose="020B0604030504040204" pitchFamily="34" charset="-120"/>
-                          <a:cs typeface="+mn-lt"/>
-                          <a:sym typeface="+mn-ea"/>
-                        </a:rPr>
-                        <a:t>Tracing event code:</a:t>
-                      </a:r>
-                      <a:endParaRPr kumimoji="1" lang="en-US" altLang="zh-TW" sz="1200" dirty="0">
-                        <a:solidFill>
-                          <a:schemeClr val="tx1"/>
-                        </a:solidFill>
-                        <a:sym typeface="+mn-ea"/>
-                      </a:endParaRPr>
-                    </a:p>
-                    <a:p>
-                      <a:pPr>
-                        <a:buNone/>
-                      </a:pPr>
-                      <a:r>
-                        <a:rPr kumimoji="1" lang="en-US" altLang="zh-TW" sz="1200" dirty="0">
-                          <a:solidFill>
-                            <a:schemeClr val="tx1"/>
-                          </a:solidFill>
-                          <a:sym typeface="+mn-ea"/>
-                        </a:rPr>
-                        <a:t>EVT_L1_MSG_INDICATION</a:t>
-                      </a:r>
-                      <a:endParaRPr lang="zh-TW" altLang="en-US" sz="1200">
-                        <a:solidFill>
-                          <a:schemeClr val="tx1"/>
-                        </a:solidFill>
-                      </a:endParaRPr>
-                    </a:p>
-                  </a:txBody>
-                  <a:tcPr>
-                    <a:lnL w="12700" cmpd="sng">
-                      <a:solidFill>
-                        <a:schemeClr val="tx1"/>
-                      </a:solidFill>
-                      <a:prstDash val="solid"/>
-                    </a:lnL>
-                    <a:lnR w="12700" cmpd="sng">
-                      <a:solidFill>
-                        <a:schemeClr val="tx1"/>
-                      </a:solidFill>
-                      <a:prstDash val="solid"/>
-                    </a:lnR>
-                    <a:lnT w="12700" cmpd="sng">
-                      <a:solidFill>
-                        <a:schemeClr val="tx1"/>
-                      </a:solidFill>
-                      <a:prstDash val="solid"/>
-                    </a:lnT>
-                    <a:lnB w="12700" cmpd="sng">
-                      <a:solidFill>
-                        <a:schemeClr val="tx1"/>
-                      </a:solidFill>
-                      <a:prstDash val="solid"/>
-                    </a:lnB>
-                    <a:noFill/>
-                  </a:tcPr>
-                </a:tc>
-                <a:tc rowSpan="2">
-                  <a:txBody>
-                    <a:bodyPr/>
-                    <a:lstStyle/>
-                    <a:p>
-                      <a:pPr>
-                        <a:buNone/>
-                      </a:pPr>
-                      <a:endParaRPr lang="en-US" sz="1200">
-                        <a:solidFill>
-                          <a:schemeClr val="tx1"/>
-                        </a:solidFill>
-                        <a:ea typeface="微軟正黑體" panose="020B0604030504040204" pitchFamily="34" charset="-120"/>
-                        <a:cs typeface="+mn-lt"/>
-                        <a:sym typeface="+mn-ea"/>
-                      </a:endParaRPr>
-                    </a:p>
-                    <a:p>
-                      <a:pPr>
-                        <a:buNone/>
-                      </a:pPr>
-                      <a:r>
-                        <a:rPr lang="en-US" sz="1200">
-                          <a:solidFill>
-                            <a:schemeClr val="tx1"/>
-                          </a:solidFill>
-                          <a:ea typeface="微軟正黑體" panose="020B0604030504040204" pitchFamily="34" charset="-120"/>
-                          <a:cs typeface="+mn-lt"/>
-                          <a:sym typeface="+mn-ea"/>
-                        </a:rPr>
-                        <a:t>Tracing event code:</a:t>
-                      </a:r>
-                      <a:endParaRPr kumimoji="1" lang="en-US" altLang="zh-TW" sz="1200" dirty="0">
-                        <a:solidFill>
-                          <a:schemeClr val="tx1"/>
-                        </a:solidFill>
-                        <a:sym typeface="+mn-ea"/>
-                      </a:endParaRPr>
-                    </a:p>
-                    <a:p>
-                      <a:pPr>
-                        <a:buNone/>
-                      </a:pPr>
-                      <a:r>
-                        <a:rPr kumimoji="1" lang="en-US" altLang="zh-TW" sz="1200" dirty="0">
-                          <a:solidFill>
-                            <a:schemeClr val="tx1"/>
-                          </a:solidFill>
-                          <a:sym typeface="+mn-ea"/>
-                        </a:rPr>
-                        <a:t>EVT_L1_MSG_INDICATION</a:t>
-                      </a:r>
-                      <a:endParaRPr lang="zh-TW" altLang="en-US" sz="1200">
-                        <a:solidFill>
-                          <a:schemeClr val="tx1"/>
-                        </a:solidFill>
-                      </a:endParaRPr>
-                    </a:p>
-                  </a:txBody>
-                  <a:tcPr>
-                    <a:lnL w="12700" cmpd="sng">
-                      <a:solidFill>
-                        <a:schemeClr val="tx1"/>
-                      </a:solidFill>
-                      <a:prstDash val="solid"/>
-                    </a:lnL>
-                    <a:lnR w="12700" cmpd="sng">
-                      <a:solidFill>
-                        <a:schemeClr val="tx1"/>
-                      </a:solidFill>
-                      <a:prstDash val="solid"/>
-                    </a:lnR>
-                    <a:lnT w="12700" cmpd="sng">
-                      <a:solidFill>
-                        <a:schemeClr val="tx1"/>
-                      </a:solidFill>
-                      <a:prstDash val="solid"/>
-                    </a:lnT>
-                    <a:lnB w="12700" cmpd="sng">
-                      <a:solidFill>
-                        <a:schemeClr val="tx1"/>
-                      </a:solidFill>
-                      <a:prstDash val="solid"/>
-                    </a:lnB>
-                    <a:noFill/>
-                  </a:tcPr>
-                </a:tc>
-                <a:tc vMerge="1">
-                  <a:txBody>
-                    <a:bodyPr/>
-                    <a:lstStyle/>
-                    <a:p>
-                      <a:endParaRPr lang="zh-TW"/>
-                    </a:p>
-                  </a:txBody>
-                  <a:tcPr>
-                    <a:lnL w="12700" cmpd="sng">
-                      <a:solidFill>
-                        <a:schemeClr val="tx1"/>
-                      </a:solidFill>
-                      <a:prstDash val="solid"/>
-                    </a:lnL>
-                    <a:lnR w="12700" cmpd="sng">
-                      <a:solidFill>
-                        <a:schemeClr val="tx1"/>
-                      </a:solidFill>
-                      <a:prstDash val="solid"/>
-                    </a:lnR>
-                    <a:lnT w="12700" cmpd="sng">
-                      <a:solidFill>
-                        <a:schemeClr val="tx1"/>
-                      </a:solidFill>
-                      <a:prstDash val="solid"/>
-                    </a:lnT>
-                    <a:lnB w="12700" cmpd="sng">
-                      <a:solidFill>
-                        <a:schemeClr val="tx1"/>
-                      </a:solidFill>
-                      <a:prstDash val="solid"/>
-                    </a:lnB>
-                    <a:noFill/>
-                  </a:tcPr>
-                </a:tc>
-                <a:extLst>
-                  <a:ext uri="{0D108BD9-81ED-4DB2-BD59-A6C34878D82A}">
-                    <a16:rowId xmlns:a16="http://schemas.microsoft.com/office/drawing/2014/main" val="10004"/>
-                  </a:ext>
-                </a:extLst>
-              </a:tr>
-              <a:tr h="266700">
-                <a:tc>
-                  <a:txBody>
-                    <a:bodyPr/>
-                    <a:lstStyle/>
-                    <a:p>
-                      <a:pPr>
-                        <a:buNone/>
-                      </a:pPr>
-                      <a:r>
-                        <a:rPr lang="en-US" altLang="zh-TW" sz="1900">
-                          <a:solidFill>
-                            <a:schemeClr val="tx1"/>
-                          </a:solidFill>
-                          <a:sym typeface="+mn-ea"/>
-                        </a:rPr>
-                        <a:t>02~03 pm</a:t>
-                      </a:r>
-                      <a:endParaRPr lang="zh-TW" altLang="en-US">
-                        <a:solidFill>
-                          <a:schemeClr val="tx1"/>
-                        </a:solidFill>
-                      </a:endParaRPr>
-                    </a:p>
-                  </a:txBody>
-                  <a:tcPr>
-                    <a:lnL w="12700" cmpd="sng">
-                      <a:solidFill>
-                        <a:schemeClr val="tx1"/>
-                      </a:solidFill>
-                      <a:prstDash val="solid"/>
-                    </a:lnL>
-                    <a:lnR w="12700" cmpd="sng">
-                      <a:solidFill>
-                        <a:schemeClr val="tx1"/>
-                      </a:solidFill>
-                      <a:prstDash val="solid"/>
-                    </a:lnR>
-                    <a:lnT w="12700" cmpd="sng">
-                      <a:solidFill>
-                        <a:schemeClr val="tx1"/>
-                      </a:solidFill>
-                      <a:prstDash val="solid"/>
-                    </a:lnT>
-                    <a:lnB w="12700" cmpd="sng">
-                      <a:solidFill>
-                        <a:schemeClr val="tx1"/>
-                      </a:solidFill>
-                      <a:prstDash val="solid"/>
-                    </a:lnB>
-                    <a:solidFill>
-                      <a:srgbClr val="DDEBF7"/>
-                    </a:solidFill>
-                  </a:tcPr>
-                </a:tc>
-                <a:tc rowSpan="3">
-                  <a:txBody>
-                    <a:bodyPr/>
-                    <a:lstStyle/>
-                    <a:p>
-                      <a:pPr>
-                        <a:buNone/>
-                      </a:pPr>
-                      <a:endParaRPr lang="en-US" altLang="zh-TW" sz="1200">
-                        <a:solidFill>
-                          <a:schemeClr val="tx1"/>
-                        </a:solidFill>
-                      </a:endParaRPr>
-                    </a:p>
-                    <a:p>
-                      <a:pPr>
-                        <a:buNone/>
-                      </a:pPr>
-                      <a:endParaRPr lang="en-US" altLang="zh-TW" sz="1200">
-                        <a:solidFill>
-                          <a:schemeClr val="tx1"/>
-                        </a:solidFill>
-                      </a:endParaRPr>
-                    </a:p>
-                    <a:p>
-                      <a:pPr>
-                        <a:buNone/>
-                      </a:pPr>
-                      <a:r>
-                        <a:rPr lang="en-US" altLang="zh-TW" sz="1200">
-                          <a:solidFill>
-                            <a:schemeClr val="tx1"/>
-                          </a:solidFill>
-                        </a:rPr>
-                        <a:t>Weekly Meeting</a:t>
-                      </a:r>
-                    </a:p>
-                  </a:txBody>
-                  <a:tcPr>
-                    <a:lnL w="12700" cmpd="sng">
-                      <a:solidFill>
-                        <a:schemeClr val="tx1"/>
-                      </a:solidFill>
-                      <a:prstDash val="solid"/>
-                    </a:lnL>
-                    <a:lnR w="12700" cmpd="sng">
-                      <a:solidFill>
-                        <a:schemeClr val="tx1"/>
-                      </a:solidFill>
-                      <a:prstDash val="solid"/>
-                    </a:lnR>
-                    <a:lnT w="12700" cmpd="sng">
-                      <a:solidFill>
-                        <a:schemeClr val="tx1"/>
-                      </a:solidFill>
-                      <a:prstDash val="solid"/>
-                    </a:lnT>
-                    <a:lnB w="12700" cmpd="sng">
-                      <a:solidFill>
-                        <a:schemeClr val="tx1"/>
-                      </a:solidFill>
-                      <a:prstDash val="solid"/>
-                    </a:lnB>
-                    <a:noFill/>
-                  </a:tcPr>
-                </a:tc>
-                <a:tc vMerge="1">
-                  <a:txBody>
-                    <a:bodyPr/>
-                    <a:lstStyle/>
-                    <a:p>
-                      <a:endParaRPr lang="zh-TW"/>
-                    </a:p>
-                  </a:txBody>
-                  <a:tcPr>
-                    <a:lnL w="12700" cmpd="sng">
-                      <a:solidFill>
-                        <a:schemeClr val="tx1"/>
-                      </a:solidFill>
-                      <a:prstDash val="solid"/>
-                    </a:lnL>
-                    <a:lnR w="12700" cmpd="sng">
-                      <a:solidFill>
-                        <a:schemeClr val="tx1"/>
-                      </a:solidFill>
-                      <a:prstDash val="solid"/>
-                    </a:lnR>
-                    <a:lnT w="12700" cmpd="sng">
-                      <a:solidFill>
-                        <a:schemeClr val="tx1"/>
-                      </a:solidFill>
-                      <a:prstDash val="solid"/>
-                    </a:lnT>
-                    <a:lnB w="12700" cmpd="sng">
-                      <a:solidFill>
-                        <a:schemeClr val="tx1"/>
-                      </a:solidFill>
-                      <a:prstDash val="solid"/>
-                    </a:lnB>
-                    <a:noFill/>
-                  </a:tcPr>
-                </a:tc>
-                <a:tc rowSpan="4">
-                  <a:txBody>
-                    <a:bodyPr/>
-                    <a:lstStyle/>
-                    <a:p>
-                      <a:pPr>
-                        <a:buNone/>
-                      </a:pPr>
-                      <a:endParaRPr lang="en-US" sz="1200">
-                        <a:solidFill>
-                          <a:srgbClr val="000000"/>
-                        </a:solidFill>
-                        <a:ea typeface="微軟正黑體" panose="020B0604030504040204" pitchFamily="34" charset="-120"/>
-                        <a:cs typeface="+mn-lt"/>
-                        <a:sym typeface="+mn-ea"/>
-                      </a:endParaRPr>
-                    </a:p>
-                    <a:p>
-                      <a:pPr>
-                        <a:buNone/>
-                      </a:pPr>
-                      <a:endParaRPr lang="en-US" sz="1200">
-                        <a:solidFill>
-                          <a:srgbClr val="000000"/>
-                        </a:solidFill>
-                        <a:ea typeface="微軟正黑體" panose="020B0604030504040204" pitchFamily="34" charset="-120"/>
-                        <a:cs typeface="+mn-lt"/>
-                        <a:sym typeface="+mn-ea"/>
-                      </a:endParaRPr>
-                    </a:p>
-                    <a:p>
-                      <a:pPr>
-                        <a:buNone/>
-                      </a:pPr>
-                      <a:endParaRPr lang="en-US" sz="1200">
-                        <a:solidFill>
-                          <a:srgbClr val="000000"/>
-                        </a:solidFill>
-                        <a:ea typeface="微軟正黑體" panose="020B0604030504040204" pitchFamily="34" charset="-120"/>
-                        <a:cs typeface="+mn-lt"/>
-                        <a:sym typeface="+mn-ea"/>
-                      </a:endParaRPr>
-                    </a:p>
-                    <a:p>
-                      <a:pPr>
-                        <a:buNone/>
-                      </a:pPr>
-                      <a:r>
-                        <a:rPr lang="en-US" sz="1200">
-                          <a:solidFill>
-                            <a:srgbClr val="000000"/>
-                          </a:solidFill>
-                          <a:ea typeface="微軟正黑體" panose="020B0604030504040204" pitchFamily="34" charset="-120"/>
-                          <a:cs typeface="+mn-lt"/>
-                          <a:sym typeface="+mn-ea"/>
-                        </a:rPr>
-                        <a:t>Get event logs from Viavi</a:t>
-                      </a:r>
-                      <a:endParaRPr lang="en-US" altLang="en-US" sz="1900" b="0">
-                        <a:solidFill>
-                          <a:srgbClr val="000000"/>
-                        </a:solidFill>
-                        <a:ea typeface="微軟正黑體" panose="020B0604030504040204" pitchFamily="34" charset="-120"/>
-                        <a:cs typeface="+mn-lt"/>
-                        <a:sym typeface="+mn-ea"/>
-                      </a:endParaRPr>
-                    </a:p>
-                    <a:p>
-                      <a:pPr>
-                        <a:buNone/>
-                      </a:pPr>
-                      <a:endParaRPr lang="en-US" altLang="zh-TW" sz="1900">
-                        <a:solidFill>
-                          <a:schemeClr val="tx1"/>
-                        </a:solidFill>
-                      </a:endParaRPr>
-                    </a:p>
-                    <a:p>
-                      <a:pPr>
-                        <a:buNone/>
-                      </a:pPr>
-                      <a:endParaRPr lang="zh-TW" altLang="en-US">
-                        <a:solidFill>
-                          <a:schemeClr val="tx1"/>
-                        </a:solidFill>
-                      </a:endParaRPr>
-                    </a:p>
-                  </a:txBody>
-                  <a:tcPr>
-                    <a:lnL w="12700" cmpd="sng">
-                      <a:solidFill>
-                        <a:schemeClr val="tx1"/>
-                      </a:solidFill>
-                      <a:prstDash val="solid"/>
-                    </a:lnL>
-                    <a:lnR w="12700" cmpd="sng">
-                      <a:solidFill>
-                        <a:schemeClr val="tx1"/>
-                      </a:solidFill>
-                      <a:prstDash val="solid"/>
-                    </a:lnR>
-                    <a:lnT w="12700" cmpd="sng">
-                      <a:solidFill>
-                        <a:schemeClr val="tx1"/>
-                      </a:solidFill>
-                      <a:prstDash val="solid"/>
-                    </a:lnT>
-                    <a:lnB w="12700" cmpd="sng">
-                      <a:solidFill>
-                        <a:schemeClr val="tx1"/>
-                      </a:solidFill>
-                      <a:prstDash val="solid"/>
-                    </a:lnB>
-                    <a:noFill/>
-                  </a:tcPr>
-                </a:tc>
-                <a:tc vMerge="1">
-                  <a:txBody>
-                    <a:bodyPr/>
-                    <a:lstStyle/>
-                    <a:p>
-                      <a:endParaRPr lang="zh-TW"/>
-                    </a:p>
-                  </a:txBody>
-                  <a:tcPr>
-                    <a:lnL w="12700" cmpd="sng">
-                      <a:solidFill>
-                        <a:schemeClr val="tx1"/>
-                      </a:solidFill>
-                      <a:prstDash val="solid"/>
-                    </a:lnL>
-                    <a:lnR w="12700" cmpd="sng">
-                      <a:solidFill>
-                        <a:schemeClr val="tx1"/>
-                      </a:solidFill>
-                      <a:prstDash val="solid"/>
-                    </a:lnR>
-                    <a:lnT w="12700" cmpd="sng">
-                      <a:solidFill>
-                        <a:schemeClr val="tx1"/>
-                      </a:solidFill>
-                      <a:prstDash val="solid"/>
-                    </a:lnT>
-                    <a:lnB w="12700" cmpd="sng">
-                      <a:solidFill>
-                        <a:schemeClr val="tx1"/>
-                      </a:solidFill>
-                      <a:prstDash val="solid"/>
-                    </a:lnB>
-                    <a:noFill/>
-                  </a:tcPr>
-                </a:tc>
-                <a:tc vMerge="1">
-                  <a:txBody>
-                    <a:bodyPr/>
-                    <a:lstStyle/>
-                    <a:p>
-                      <a:endParaRPr lang="zh-TW"/>
-                    </a:p>
-                  </a:txBody>
-                  <a:tcPr>
-                    <a:lnL w="12700" cmpd="sng">
-                      <a:solidFill>
-                        <a:schemeClr val="tx1"/>
-                      </a:solidFill>
-                      <a:prstDash val="solid"/>
-                    </a:lnL>
-                    <a:lnR w="12700" cmpd="sng">
-                      <a:solidFill>
-                        <a:schemeClr val="tx1"/>
-                      </a:solidFill>
-                      <a:prstDash val="solid"/>
-                    </a:lnR>
-                    <a:lnT w="12700" cmpd="sng">
-                      <a:solidFill>
-                        <a:schemeClr val="tx1"/>
-                      </a:solidFill>
-                      <a:prstDash val="solid"/>
-                    </a:lnT>
-                    <a:lnB w="12700" cmpd="sng">
-                      <a:solidFill>
-                        <a:schemeClr val="tx1"/>
-                      </a:solidFill>
-                      <a:prstDash val="solid"/>
-                    </a:lnB>
-                    <a:noFill/>
-                  </a:tcPr>
-                </a:tc>
-                <a:extLst>
-                  <a:ext uri="{0D108BD9-81ED-4DB2-BD59-A6C34878D82A}">
-                    <a16:rowId xmlns:a16="http://schemas.microsoft.com/office/drawing/2014/main" val="10005"/>
-                  </a:ext>
-                </a:extLst>
-              </a:tr>
-              <a:tr h="384175">
-                <a:tc>
-                  <a:txBody>
-                    <a:bodyPr/>
-                    <a:lstStyle/>
-                    <a:p>
-                      <a:pPr>
-                        <a:buNone/>
-                      </a:pPr>
-                      <a:r>
-                        <a:rPr lang="en-US" altLang="zh-TW" sz="1900">
-                          <a:solidFill>
-                            <a:schemeClr val="tx1"/>
-                          </a:solidFill>
-                          <a:sym typeface="+mn-ea"/>
-                        </a:rPr>
-                        <a:t>03~04 pm</a:t>
-                      </a:r>
-                      <a:endParaRPr lang="zh-TW" altLang="en-US">
-                        <a:solidFill>
-                          <a:schemeClr val="tx1"/>
-                        </a:solidFill>
-                      </a:endParaRPr>
-                    </a:p>
-                  </a:txBody>
-                  <a:tcPr>
-                    <a:lnL w="12700" cmpd="sng">
-                      <a:solidFill>
-                        <a:schemeClr val="tx1"/>
-                      </a:solidFill>
-                      <a:prstDash val="solid"/>
-                    </a:lnL>
-                    <a:lnR w="12700" cmpd="sng">
-                      <a:solidFill>
-                        <a:schemeClr val="tx1"/>
-                      </a:solidFill>
-                      <a:prstDash val="solid"/>
-                    </a:lnR>
-                    <a:lnT w="12700" cmpd="sng">
-                      <a:solidFill>
-                        <a:schemeClr val="tx1"/>
-                      </a:solidFill>
-                      <a:prstDash val="solid"/>
-                    </a:lnT>
-                    <a:lnB w="12700" cmpd="sng">
-                      <a:solidFill>
-                        <a:schemeClr val="tx1"/>
-                      </a:solidFill>
-                      <a:prstDash val="solid"/>
-                    </a:lnB>
-                    <a:solidFill>
-                      <a:srgbClr val="DDEBF7"/>
-                    </a:solidFill>
-                  </a:tcPr>
-                </a:tc>
-                <a:tc vMerge="1">
-                  <a:txBody>
-                    <a:bodyPr/>
-                    <a:lstStyle/>
-                    <a:p>
-                      <a:endParaRPr lang="zh-TW"/>
-                    </a:p>
-                  </a:txBody>
-                  <a:tcPr>
-                    <a:lnL w="12700" cmpd="sng">
-                      <a:solidFill>
-                        <a:schemeClr val="tx1"/>
-                      </a:solidFill>
-                      <a:prstDash val="solid"/>
-                    </a:lnL>
-                    <a:lnR w="12700" cmpd="sng">
-                      <a:solidFill>
-                        <a:schemeClr val="tx1"/>
-                      </a:solidFill>
-                      <a:prstDash val="solid"/>
-                    </a:lnR>
-                    <a:lnT w="12700" cmpd="sng">
-                      <a:solidFill>
-                        <a:schemeClr val="tx1"/>
-                      </a:solidFill>
-                      <a:prstDash val="solid"/>
-                    </a:lnT>
-                    <a:lnB w="12700" cmpd="sng">
-                      <a:solidFill>
-                        <a:schemeClr val="tx1"/>
-                      </a:solidFill>
-                      <a:prstDash val="solid"/>
-                    </a:lnB>
-                    <a:noFill/>
-                  </a:tcPr>
-                </a:tc>
-                <a:tc vMerge="1">
-                  <a:txBody>
-                    <a:bodyPr/>
-                    <a:lstStyle/>
-                    <a:p>
-                      <a:endParaRPr lang="zh-TW"/>
-                    </a:p>
-                  </a:txBody>
-                  <a:tcPr>
-                    <a:lnL w="12700" cmpd="sng">
-                      <a:solidFill>
-                        <a:schemeClr val="tx1"/>
-                      </a:solidFill>
-                      <a:prstDash val="solid"/>
-                    </a:lnL>
-                    <a:lnR w="12700" cmpd="sng">
-                      <a:solidFill>
-                        <a:schemeClr val="tx1"/>
-                      </a:solidFill>
-                      <a:prstDash val="solid"/>
-                    </a:lnR>
-                    <a:lnT w="12700" cmpd="sng">
-                      <a:solidFill>
-                        <a:schemeClr val="tx1"/>
-                      </a:solidFill>
-                      <a:prstDash val="solid"/>
-                    </a:lnT>
-                    <a:lnB w="12700" cmpd="sng">
-                      <a:solidFill>
-                        <a:schemeClr val="tx1"/>
-                      </a:solidFill>
-                      <a:prstDash val="solid"/>
-                    </a:lnB>
-                    <a:noFill/>
-                  </a:tcPr>
-                </a:tc>
-                <a:tc vMerge="1">
-                  <a:txBody>
-                    <a:bodyPr/>
-                    <a:lstStyle/>
-                    <a:p>
-                      <a:endParaRPr lang="zh-TW"/>
-                    </a:p>
-                  </a:txBody>
-                  <a:tcPr>
-                    <a:lnL w="12700" cmpd="sng">
-                      <a:solidFill>
-                        <a:schemeClr val="tx1"/>
-                      </a:solidFill>
-                      <a:prstDash val="solid"/>
-                    </a:lnL>
-                    <a:lnR w="12700" cmpd="sng">
-                      <a:solidFill>
-                        <a:schemeClr val="tx1"/>
-                      </a:solidFill>
-                      <a:prstDash val="solid"/>
-                    </a:lnR>
-                    <a:lnT w="12700" cmpd="sng">
-                      <a:solidFill>
-                        <a:schemeClr val="tx1"/>
-                      </a:solidFill>
-                      <a:prstDash val="solid"/>
-                    </a:lnT>
-                    <a:lnB w="12700" cmpd="sng">
-                      <a:solidFill>
-                        <a:schemeClr val="tx1"/>
-                      </a:solidFill>
-                      <a:prstDash val="solid"/>
-                    </a:lnB>
-                    <a:noFill/>
-                  </a:tcPr>
-                </a:tc>
-                <a:tc rowSpan="3">
-                  <a:txBody>
-                    <a:bodyPr/>
-                    <a:lstStyle/>
-                    <a:p>
-                      <a:pPr>
-                        <a:buNone/>
-                      </a:pPr>
-                      <a:endParaRPr lang="en-US" sz="1200">
-                        <a:solidFill>
-                          <a:schemeClr val="tx1"/>
-                        </a:solidFill>
-                        <a:ea typeface="微軟正黑體" panose="020B0604030504040204" pitchFamily="34" charset="-120"/>
-                        <a:cs typeface="+mn-lt"/>
-                        <a:sym typeface="+mn-ea"/>
-                      </a:endParaRPr>
-                    </a:p>
-                    <a:p>
-                      <a:pPr>
-                        <a:buNone/>
-                      </a:pPr>
-                      <a:endParaRPr lang="en-US" sz="1200">
-                        <a:solidFill>
-                          <a:schemeClr val="tx1"/>
-                        </a:solidFill>
-                        <a:ea typeface="微軟正黑體" panose="020B0604030504040204" pitchFamily="34" charset="-120"/>
-                        <a:cs typeface="+mn-lt"/>
-                        <a:sym typeface="+mn-ea"/>
-                      </a:endParaRPr>
-                    </a:p>
-                    <a:p>
-                      <a:pPr>
-                        <a:buNone/>
-                      </a:pPr>
-                      <a:r>
-                        <a:rPr lang="en-US" sz="1200">
-                          <a:solidFill>
-                            <a:schemeClr val="tx1"/>
-                          </a:solidFill>
-                          <a:ea typeface="微軟正黑體" panose="020B0604030504040204" pitchFamily="34" charset="-120"/>
-                          <a:cs typeface="+mn-lt"/>
-                          <a:sym typeface="+mn-ea"/>
-                        </a:rPr>
-                        <a:t>Tracing event code:</a:t>
-                      </a:r>
-                      <a:endParaRPr lang="en-GB" altLang="zh-TW" sz="1200" dirty="0">
-                        <a:solidFill>
-                          <a:schemeClr val="tx1"/>
-                        </a:solidFill>
-                        <a:sym typeface="+mn-ea"/>
-                      </a:endParaRPr>
-                    </a:p>
-                    <a:p>
-                      <a:pPr>
-                        <a:buNone/>
-                      </a:pPr>
-                      <a:r>
-                        <a:rPr lang="en-GB" altLang="zh-TW" sz="1200" dirty="0">
-                          <a:solidFill>
-                            <a:schemeClr val="tx1"/>
-                          </a:solidFill>
-                          <a:sym typeface="+mn-ea"/>
-                        </a:rPr>
-                        <a:t>EVT_OAM_DU_CONFIG</a:t>
-                      </a:r>
-                      <a:endParaRPr lang="en-GB" altLang="zh-TW" sz="1200" dirty="0">
-                        <a:solidFill>
-                          <a:srgbClr val="FF0000"/>
-                        </a:solidFill>
-                        <a:sym typeface="+mn-ea"/>
-                      </a:endParaRPr>
-                    </a:p>
-                    <a:p>
-                      <a:pPr>
-                        <a:buNone/>
-                      </a:pPr>
-                      <a:endParaRPr lang="zh-TW" altLang="en-US" sz="1200">
-                        <a:solidFill>
-                          <a:schemeClr val="tx1"/>
-                        </a:solidFill>
-                      </a:endParaRPr>
-                    </a:p>
-                  </a:txBody>
-                  <a:tcPr>
-                    <a:lnL w="12700" cmpd="sng">
-                      <a:solidFill>
-                        <a:schemeClr val="tx1"/>
-                      </a:solidFill>
-                      <a:prstDash val="solid"/>
-                    </a:lnL>
-                    <a:lnR w="12700" cmpd="sng">
-                      <a:solidFill>
-                        <a:schemeClr val="tx1"/>
-                      </a:solidFill>
-                      <a:prstDash val="solid"/>
-                    </a:lnR>
-                    <a:lnT w="12700" cmpd="sng">
-                      <a:solidFill>
-                        <a:schemeClr val="tx1"/>
-                      </a:solidFill>
-                      <a:prstDash val="solid"/>
-                    </a:lnT>
-                    <a:lnB w="12700" cmpd="sng">
-                      <a:solidFill>
-                        <a:schemeClr val="tx1"/>
-                      </a:solidFill>
-                      <a:prstDash val="solid"/>
-                    </a:lnB>
-                    <a:noFill/>
-                  </a:tcPr>
-                </a:tc>
-                <a:tc rowSpan="3">
-                  <a:txBody>
-                    <a:bodyPr/>
-                    <a:lstStyle/>
-                    <a:p>
-                      <a:pPr>
-                        <a:buNone/>
-                      </a:pPr>
-                      <a:endParaRPr lang="en-US" sz="1200">
-                        <a:solidFill>
-                          <a:srgbClr val="000000"/>
-                        </a:solidFill>
-                        <a:ea typeface="微軟正黑體" panose="020B0604030504040204" pitchFamily="34" charset="-120"/>
-                        <a:cs typeface="+mn-lt"/>
-                        <a:sym typeface="+mn-ea"/>
-                      </a:endParaRPr>
-                    </a:p>
-                    <a:p>
-                      <a:pPr>
-                        <a:buNone/>
-                      </a:pPr>
-                      <a:endParaRPr lang="en-US" sz="1200">
-                        <a:solidFill>
-                          <a:srgbClr val="000000"/>
-                        </a:solidFill>
-                        <a:ea typeface="微軟正黑體" panose="020B0604030504040204" pitchFamily="34" charset="-120"/>
-                        <a:cs typeface="+mn-lt"/>
-                        <a:sym typeface="+mn-ea"/>
-                      </a:endParaRPr>
-                    </a:p>
-                    <a:p>
-                      <a:pPr>
-                        <a:buNone/>
-                      </a:pPr>
-                      <a:r>
-                        <a:rPr lang="en-US" sz="1200">
-                          <a:solidFill>
-                            <a:srgbClr val="000000"/>
-                          </a:solidFill>
-                          <a:ea typeface="微軟正黑體" panose="020B0604030504040204" pitchFamily="34" charset="-120"/>
-                          <a:cs typeface="+mn-lt"/>
-                          <a:sym typeface="+mn-ea"/>
-                        </a:rPr>
-                        <a:t>Make weekly report</a:t>
-                      </a:r>
-                      <a:endParaRPr lang="zh-TW" altLang="en-US" sz="1200">
-                        <a:solidFill>
-                          <a:schemeClr val="tx1"/>
-                        </a:solidFill>
-                      </a:endParaRPr>
-                    </a:p>
-                  </a:txBody>
-                  <a:tcPr>
-                    <a:lnL w="12700" cmpd="sng">
-                      <a:solidFill>
-                        <a:schemeClr val="tx1"/>
-                      </a:solidFill>
-                      <a:prstDash val="solid"/>
-                    </a:lnL>
-                    <a:lnR w="12700" cmpd="sng">
-                      <a:solidFill>
-                        <a:schemeClr val="tx1"/>
-                      </a:solidFill>
-                      <a:prstDash val="solid"/>
-                    </a:lnR>
-                    <a:lnT w="12700" cmpd="sng">
-                      <a:solidFill>
-                        <a:schemeClr val="tx1"/>
-                      </a:solidFill>
-                      <a:prstDash val="solid"/>
-                    </a:lnT>
-                    <a:lnB w="12700" cmpd="sng">
-                      <a:solidFill>
-                        <a:schemeClr val="tx1"/>
-                      </a:solidFill>
-                      <a:prstDash val="solid"/>
-                    </a:lnB>
-                    <a:noFill/>
-                  </a:tcPr>
-                </a:tc>
-                <a:extLst>
-                  <a:ext uri="{0D108BD9-81ED-4DB2-BD59-A6C34878D82A}">
-                    <a16:rowId xmlns:a16="http://schemas.microsoft.com/office/drawing/2014/main" val="10006"/>
-                  </a:ext>
-                </a:extLst>
-              </a:tr>
-              <a:tr h="384175">
-                <a:tc>
-                  <a:txBody>
-                    <a:bodyPr/>
-                    <a:lstStyle/>
-                    <a:p>
-                      <a:pPr>
-                        <a:buNone/>
-                      </a:pPr>
-                      <a:r>
-                        <a:rPr lang="en-US" altLang="zh-TW" sz="1900">
-                          <a:solidFill>
-                            <a:schemeClr val="tx1"/>
-                          </a:solidFill>
-                          <a:sym typeface="+mn-ea"/>
-                        </a:rPr>
-                        <a:t>04~05 pm</a:t>
-                      </a:r>
-                      <a:endParaRPr lang="zh-TW" altLang="en-US">
-                        <a:solidFill>
-                          <a:schemeClr val="tx1"/>
-                        </a:solidFill>
-                      </a:endParaRPr>
-                    </a:p>
-                  </a:txBody>
-                  <a:tcPr>
-                    <a:lnL w="12700" cmpd="sng">
-                      <a:solidFill>
-                        <a:schemeClr val="tx1"/>
-                      </a:solidFill>
-                      <a:prstDash val="solid"/>
-                    </a:lnL>
-                    <a:lnR w="12700" cmpd="sng">
-                      <a:solidFill>
-                        <a:schemeClr val="tx1"/>
-                      </a:solidFill>
-                      <a:prstDash val="solid"/>
-                    </a:lnR>
-                    <a:lnT w="12700" cmpd="sng">
-                      <a:solidFill>
-                        <a:schemeClr val="tx1"/>
-                      </a:solidFill>
-                      <a:prstDash val="solid"/>
-                    </a:lnT>
-                    <a:lnB w="12700" cmpd="sng">
-                      <a:solidFill>
-                        <a:schemeClr val="tx1"/>
-                      </a:solidFill>
-                      <a:prstDash val="solid"/>
-                    </a:lnB>
-                    <a:solidFill>
-                      <a:srgbClr val="DDEBF7"/>
-                    </a:solidFill>
-                  </a:tcPr>
-                </a:tc>
-                <a:tc vMerge="1">
-                  <a:txBody>
-                    <a:bodyPr/>
-                    <a:lstStyle/>
-                    <a:p>
-                      <a:endParaRPr lang="zh-TW"/>
-                    </a:p>
-                  </a:txBody>
-                  <a:tcPr>
-                    <a:lnL w="12700" cmpd="sng">
-                      <a:solidFill>
-                        <a:schemeClr val="tx1"/>
-                      </a:solidFill>
-                      <a:prstDash val="solid"/>
-                    </a:lnL>
-                    <a:lnR w="12700" cmpd="sng">
-                      <a:solidFill>
-                        <a:schemeClr val="tx1"/>
-                      </a:solidFill>
-                      <a:prstDash val="solid"/>
-                    </a:lnR>
-                    <a:lnT w="12700" cmpd="sng">
-                      <a:solidFill>
-                        <a:schemeClr val="tx1"/>
-                      </a:solidFill>
-                      <a:prstDash val="solid"/>
-                    </a:lnT>
-                    <a:lnB w="12700" cmpd="sng">
-                      <a:solidFill>
-                        <a:schemeClr val="tx1"/>
-                      </a:solidFill>
-                      <a:prstDash val="solid"/>
-                    </a:lnB>
-                    <a:noFill/>
-                  </a:tcPr>
-                </a:tc>
-                <a:tc vMerge="1">
-                  <a:txBody>
-                    <a:bodyPr/>
-                    <a:lstStyle/>
-                    <a:p>
-                      <a:endParaRPr lang="zh-TW"/>
-                    </a:p>
-                  </a:txBody>
-                  <a:tcPr>
-                    <a:lnL w="12700" cmpd="sng">
-                      <a:solidFill>
-                        <a:schemeClr val="tx1"/>
-                      </a:solidFill>
-                      <a:prstDash val="solid"/>
-                    </a:lnL>
-                    <a:lnR w="12700" cmpd="sng">
-                      <a:solidFill>
-                        <a:schemeClr val="tx1"/>
-                      </a:solidFill>
-                      <a:prstDash val="solid"/>
-                    </a:lnR>
-                    <a:lnT w="12700" cmpd="sng">
-                      <a:solidFill>
-                        <a:schemeClr val="tx1"/>
-                      </a:solidFill>
-                      <a:prstDash val="solid"/>
-                    </a:lnT>
-                    <a:lnB w="12700" cmpd="sng">
-                      <a:solidFill>
-                        <a:schemeClr val="tx1"/>
-                      </a:solidFill>
-                      <a:prstDash val="solid"/>
-                    </a:lnB>
-                    <a:noFill/>
-                  </a:tcPr>
-                </a:tc>
-                <a:tc vMerge="1">
-                  <a:txBody>
-                    <a:bodyPr/>
-                    <a:lstStyle/>
-                    <a:p>
-                      <a:endParaRPr lang="zh-TW"/>
-                    </a:p>
-                  </a:txBody>
-                  <a:tcPr>
-                    <a:lnL w="12700" cmpd="sng">
-                      <a:solidFill>
-                        <a:schemeClr val="tx1"/>
-                      </a:solidFill>
-                      <a:prstDash val="solid"/>
-                    </a:lnL>
-                    <a:lnR w="12700" cmpd="sng">
-                      <a:solidFill>
-                        <a:schemeClr val="tx1"/>
-                      </a:solidFill>
-                      <a:prstDash val="solid"/>
-                    </a:lnR>
-                    <a:lnT w="12700" cmpd="sng">
-                      <a:solidFill>
-                        <a:schemeClr val="tx1"/>
-                      </a:solidFill>
-                      <a:prstDash val="solid"/>
-                    </a:lnT>
-                    <a:lnB w="12700" cmpd="sng">
-                      <a:solidFill>
-                        <a:schemeClr val="tx1"/>
-                      </a:solidFill>
-                      <a:prstDash val="solid"/>
-                    </a:lnB>
-                    <a:noFill/>
-                  </a:tcPr>
-                </a:tc>
-                <a:tc vMerge="1">
-                  <a:txBody>
-                    <a:bodyPr/>
-                    <a:lstStyle/>
-                    <a:p>
-                      <a:endParaRPr lang="zh-TW"/>
-                    </a:p>
-                  </a:txBody>
-                  <a:tcPr>
-                    <a:lnL w="12700" cmpd="sng">
-                      <a:solidFill>
-                        <a:schemeClr val="tx1"/>
-                      </a:solidFill>
-                      <a:prstDash val="solid"/>
-                    </a:lnL>
-                    <a:lnR w="12700" cmpd="sng">
-                      <a:solidFill>
-                        <a:schemeClr val="tx1"/>
-                      </a:solidFill>
-                      <a:prstDash val="solid"/>
-                    </a:lnR>
-                    <a:lnT w="12700" cmpd="sng">
-                      <a:solidFill>
-                        <a:schemeClr val="tx1"/>
-                      </a:solidFill>
-                      <a:prstDash val="solid"/>
-                    </a:lnT>
-                    <a:lnB w="12700" cmpd="sng">
-                      <a:solidFill>
-                        <a:schemeClr val="tx1"/>
-                      </a:solidFill>
-                      <a:prstDash val="solid"/>
-                    </a:lnB>
-                    <a:noFill/>
-                  </a:tcPr>
-                </a:tc>
-                <a:tc vMerge="1">
-                  <a:txBody>
-                    <a:bodyPr/>
-                    <a:lstStyle/>
-                    <a:p>
-                      <a:endParaRPr lang="zh-TW"/>
-                    </a:p>
-                  </a:txBody>
-                  <a:tcPr>
-                    <a:lnL w="12700" cmpd="sng">
-                      <a:solidFill>
-                        <a:schemeClr val="tx1"/>
-                      </a:solidFill>
-                      <a:prstDash val="solid"/>
-                    </a:lnL>
-                    <a:lnR w="12700" cmpd="sng">
-                      <a:solidFill>
-                        <a:schemeClr val="tx1"/>
-                      </a:solidFill>
-                      <a:prstDash val="solid"/>
-                    </a:lnR>
-                    <a:lnT w="12700" cmpd="sng">
-                      <a:solidFill>
-                        <a:schemeClr val="tx1"/>
-                      </a:solidFill>
-                      <a:prstDash val="solid"/>
-                    </a:lnT>
-                    <a:lnB w="12700" cmpd="sng">
-                      <a:solidFill>
-                        <a:schemeClr val="tx1"/>
-                      </a:solidFill>
-                      <a:prstDash val="solid"/>
-                    </a:lnB>
-                    <a:noFill/>
-                  </a:tcPr>
-                </a:tc>
-                <a:extLst>
-                  <a:ext uri="{0D108BD9-81ED-4DB2-BD59-A6C34878D82A}">
-                    <a16:rowId xmlns:a16="http://schemas.microsoft.com/office/drawing/2014/main" val="10007"/>
-                  </a:ext>
-                </a:extLst>
-              </a:tr>
-              <a:tr h="384175">
-                <a:tc>
-                  <a:txBody>
-                    <a:bodyPr/>
-                    <a:lstStyle/>
-                    <a:p>
-                      <a:pPr>
-                        <a:buNone/>
-                      </a:pPr>
-                      <a:r>
-                        <a:rPr lang="en-US" altLang="zh-TW" sz="1900">
-                          <a:solidFill>
-                            <a:schemeClr val="tx1"/>
-                          </a:solidFill>
-                          <a:sym typeface="+mn-ea"/>
-                        </a:rPr>
-                        <a:t>05~06 pm</a:t>
-                      </a:r>
-                      <a:endParaRPr lang="zh-TW" altLang="en-US">
-                        <a:solidFill>
-                          <a:schemeClr val="tx1"/>
-                        </a:solidFill>
-                      </a:endParaRPr>
-                    </a:p>
-                  </a:txBody>
-                  <a:tcPr>
-                    <a:lnL w="12700" cmpd="sng">
-                      <a:solidFill>
-                        <a:schemeClr val="tx1"/>
-                      </a:solidFill>
-                      <a:prstDash val="solid"/>
-                    </a:lnL>
-                    <a:lnR w="12700" cmpd="sng">
-                      <a:solidFill>
-                        <a:schemeClr val="tx1"/>
-                      </a:solidFill>
-                      <a:prstDash val="solid"/>
-                    </a:lnR>
-                    <a:lnT w="12700" cmpd="sng">
-                      <a:solidFill>
-                        <a:schemeClr val="tx1"/>
-                      </a:solidFill>
-                      <a:prstDash val="solid"/>
-                    </a:lnT>
-                    <a:lnB w="12700" cmpd="sng">
-                      <a:solidFill>
-                        <a:schemeClr val="tx1"/>
-                      </a:solidFill>
-                      <a:prstDash val="solid"/>
-                    </a:lnB>
-                    <a:solidFill>
-                      <a:srgbClr val="DDEBF7"/>
-                    </a:solidFill>
-                  </a:tcPr>
-                </a:tc>
-                <a:tc>
-                  <a:txBody>
-                    <a:bodyPr/>
-                    <a:lstStyle/>
-                    <a:p>
-                      <a:pPr indent="0">
-                        <a:buNone/>
-                      </a:pPr>
-                      <a:r>
-                        <a:rPr lang="en-US" sz="1200">
-                          <a:solidFill>
-                            <a:srgbClr val="000000"/>
-                          </a:solidFill>
-                          <a:ea typeface="微軟正黑體" panose="020B0604030504040204" pitchFamily="34" charset="-120"/>
-                          <a:cs typeface="+mn-lt"/>
-                          <a:sym typeface="+mn-ea"/>
-                        </a:rPr>
-                        <a:t>Tracing event code:</a:t>
-                      </a:r>
-                      <a:endParaRPr lang="en-US" sz="1200" b="0">
-                        <a:solidFill>
-                          <a:srgbClr val="000000"/>
-                        </a:solidFill>
-                        <a:ea typeface="微軟正黑體" panose="020B0604030504040204" pitchFamily="34" charset="-120"/>
-                        <a:cs typeface="+mn-lt"/>
-                      </a:endParaRPr>
-                    </a:p>
-                    <a:p>
-                      <a:pPr indent="0">
-                        <a:buFont typeface="+mj-lt"/>
-                        <a:buNone/>
-                      </a:pPr>
-                      <a:r>
-                        <a:rPr kumimoji="1" lang="en-US" altLang="zh-TW" sz="1200" dirty="0">
-                          <a:solidFill>
-                            <a:schemeClr val="tx1"/>
-                          </a:solidFill>
-                          <a:sym typeface="+mn-ea"/>
-                        </a:rPr>
-                        <a:t>EVT_RGR_LVL1_CONFIG_REQUEST</a:t>
-                      </a:r>
-                      <a:endParaRPr lang="zh-TW" altLang="en-US" sz="1200">
-                        <a:solidFill>
-                          <a:schemeClr val="tx1"/>
-                        </a:solidFill>
-                      </a:endParaRPr>
-                    </a:p>
-                  </a:txBody>
-                  <a:tcPr>
-                    <a:lnL w="12700" cmpd="sng">
-                      <a:solidFill>
-                        <a:schemeClr val="tx1"/>
-                      </a:solidFill>
-                      <a:prstDash val="solid"/>
-                    </a:lnL>
-                    <a:lnR w="12700" cmpd="sng">
-                      <a:solidFill>
-                        <a:schemeClr val="tx1"/>
-                      </a:solidFill>
-                      <a:prstDash val="solid"/>
-                    </a:lnR>
-                    <a:lnT w="12700" cmpd="sng">
-                      <a:solidFill>
-                        <a:schemeClr val="tx1"/>
-                      </a:solidFill>
-                      <a:prstDash val="solid"/>
-                    </a:lnT>
-                    <a:lnB w="12700" cmpd="sng">
-                      <a:solidFill>
-                        <a:schemeClr val="tx1"/>
-                      </a:solidFill>
-                      <a:prstDash val="solid"/>
-                    </a:lnB>
-                    <a:noFill/>
-                  </a:tcPr>
-                </a:tc>
-                <a:tc vMerge="1">
-                  <a:txBody>
-                    <a:bodyPr/>
-                    <a:lstStyle/>
-                    <a:p>
-                      <a:endParaRPr lang="zh-TW"/>
-                    </a:p>
-                  </a:txBody>
-                  <a:tcPr>
-                    <a:lnL w="12700" cmpd="sng">
-                      <a:solidFill>
-                        <a:schemeClr val="tx1"/>
-                      </a:solidFill>
-                      <a:prstDash val="solid"/>
-                    </a:lnL>
-                    <a:lnR w="12700" cmpd="sng">
-                      <a:solidFill>
-                        <a:schemeClr val="tx1"/>
-                      </a:solidFill>
-                      <a:prstDash val="solid"/>
-                    </a:lnR>
-                    <a:lnT w="12700" cmpd="sng">
-                      <a:solidFill>
-                        <a:schemeClr val="tx1"/>
-                      </a:solidFill>
-                      <a:prstDash val="solid"/>
-                    </a:lnT>
-                    <a:lnB w="12700" cmpd="sng">
-                      <a:solidFill>
-                        <a:schemeClr val="tx1"/>
-                      </a:solidFill>
-                      <a:prstDash val="solid"/>
-                    </a:lnB>
-                    <a:noFill/>
-                  </a:tcPr>
-                </a:tc>
-                <a:tc vMerge="1">
-                  <a:txBody>
-                    <a:bodyPr/>
-                    <a:lstStyle/>
-                    <a:p>
-                      <a:endParaRPr lang="zh-TW"/>
-                    </a:p>
-                  </a:txBody>
-                  <a:tcPr>
-                    <a:lnL w="12700" cmpd="sng">
-                      <a:solidFill>
-                        <a:schemeClr val="tx1"/>
-                      </a:solidFill>
-                      <a:prstDash val="solid"/>
-                    </a:lnL>
-                    <a:lnR w="12700" cmpd="sng">
-                      <a:solidFill>
-                        <a:schemeClr val="tx1"/>
-                      </a:solidFill>
-                      <a:prstDash val="solid"/>
-                    </a:lnR>
-                    <a:lnT w="12700" cmpd="sng">
-                      <a:solidFill>
-                        <a:schemeClr val="tx1"/>
-                      </a:solidFill>
-                      <a:prstDash val="solid"/>
-                    </a:lnT>
-                    <a:lnB w="12700" cmpd="sng">
-                      <a:solidFill>
-                        <a:schemeClr val="tx1"/>
-                      </a:solidFill>
-                      <a:prstDash val="solid"/>
-                    </a:lnB>
-                    <a:noFill/>
-                  </a:tcPr>
-                </a:tc>
-                <a:tc vMerge="1">
-                  <a:txBody>
-                    <a:bodyPr/>
-                    <a:lstStyle/>
-                    <a:p>
-                      <a:endParaRPr lang="zh-TW"/>
-                    </a:p>
-                  </a:txBody>
-                  <a:tcPr>
-                    <a:lnL w="12700" cmpd="sng">
-                      <a:solidFill>
-                        <a:schemeClr val="tx1"/>
-                      </a:solidFill>
-                      <a:prstDash val="solid"/>
-                    </a:lnL>
-                    <a:lnR w="12700" cmpd="sng">
-                      <a:solidFill>
-                        <a:schemeClr val="tx1"/>
-                      </a:solidFill>
-                      <a:prstDash val="solid"/>
-                    </a:lnR>
-                    <a:lnT w="12700" cmpd="sng">
-                      <a:solidFill>
-                        <a:schemeClr val="tx1"/>
-                      </a:solidFill>
-                      <a:prstDash val="solid"/>
-                    </a:lnT>
-                    <a:lnB w="12700" cmpd="sng">
-                      <a:solidFill>
-                        <a:schemeClr val="tx1"/>
-                      </a:solidFill>
-                      <a:prstDash val="solid"/>
-                    </a:lnB>
-                    <a:noFill/>
-                  </a:tcPr>
-                </a:tc>
-                <a:tc vMerge="1">
-                  <a:txBody>
-                    <a:bodyPr/>
-                    <a:lstStyle/>
-                    <a:p>
-                      <a:endParaRPr lang="zh-TW"/>
-                    </a:p>
-                  </a:txBody>
-                  <a:tcPr>
-                    <a:lnL w="12700" cmpd="sng">
-                      <a:solidFill>
-                        <a:schemeClr val="tx1"/>
-                      </a:solidFill>
-                      <a:prstDash val="solid"/>
-                    </a:lnL>
-                    <a:lnR w="12700" cmpd="sng">
-                      <a:solidFill>
-                        <a:schemeClr val="tx1"/>
-                      </a:solidFill>
-                      <a:prstDash val="solid"/>
-                    </a:lnR>
-                    <a:lnT w="12700" cmpd="sng">
-                      <a:solidFill>
-                        <a:schemeClr val="tx1"/>
-                      </a:solidFill>
-                      <a:prstDash val="solid"/>
-                    </a:lnT>
-                    <a:lnB w="12700" cmpd="sng">
-                      <a:solidFill>
-                        <a:schemeClr val="tx1"/>
-                      </a:solidFill>
-                      <a:prstDash val="solid"/>
-                    </a:lnB>
-                    <a:noFill/>
-                  </a:tcPr>
-                </a:tc>
-                <a:extLst>
-                  <a:ext uri="{0D108BD9-81ED-4DB2-BD59-A6C34878D82A}">
-                    <a16:rowId xmlns:a16="http://schemas.microsoft.com/office/drawing/2014/main" val="10008"/>
-                  </a:ext>
-                </a:extLst>
-              </a:tr>
-            </a:tbl>
-          </a:graphicData>
-        </a:graphic>
-      </p:graphicFrame>
-      <p:sp>
-        <p:nvSpPr>
-          <p:cNvPr id="4" name="投影片編號版面配置區 3"/>
-          <p:cNvSpPr>
-            <a:spLocks noGrp="1"/>
-          </p:cNvSpPr>
-          <p:nvPr>
-            <p:ph type="sldNum" sz="quarter" idx="4"/>
-          </p:nvPr>
-        </p:nvSpPr>
-        <p:spPr/>
-        <p:txBody>
-          <a:bodyPr/>
-          <a:lstStyle/>
-          <a:p>
-            <a:pPr>
-              <a:defRPr/>
-            </a:pPr>
-            <a:fld id="{A006FAFE-5151-44C5-946A-9B24DC89DB35}" type="slidenum">
-              <a:rPr lang="uk-UA" altLang="en-US" smtClean="0"/>
-              <a:t>2</a:t>
-            </a:fld>
-            <a:endParaRPr lang="uk-UA" altLang="en-US" dirty="0"/>
-          </a:p>
-        </p:txBody>
-      </p:sp>
-    </p:spTree>
-  </p:cSld>
-  <p:clrMapOvr>
-    <a:masterClrMapping/>
-  </p:clrMapOvr>
-</p:sld>
-</file>
-
-<file path=ppt/slides/slide3.xml><?xml version="1.0" encoding="utf-8"?>
-<p:sld xmlns:a="http://schemas.openxmlformats.org/drawingml/2006/main" xmlns:r="http://schemas.openxmlformats.org/officeDocument/2006/relationships" xmlns:p="http://schemas.openxmlformats.org/presentationml/2006/main">
-  <p:cSld>
-    <p:spTree>
-      <p:nvGrpSpPr>
-        <p:cNvPr id="1" name=""/>
-        <p:cNvGrpSpPr/>
-        <p:nvPr/>
-      </p:nvGrpSpPr>
-      <p:grpSpPr>
-        <a:xfrm>
-          <a:off x="0" y="0"/>
-          <a:ext cx="0" cy="0"/>
-          <a:chOff x="0" y="0"/>
-          <a:chExt cx="0" cy="0"/>
-        </a:xfrm>
-      </p:grpSpPr>
-      <p:sp>
-        <p:nvSpPr>
-          <p:cNvPr id="2" name="標題 1"/>
-          <p:cNvSpPr>
-            <a:spLocks noGrp="1"/>
-          </p:cNvSpPr>
-          <p:nvPr>
-            <p:ph type="title"/>
-          </p:nvPr>
-        </p:nvSpPr>
-        <p:spPr/>
-        <p:txBody>
-          <a:bodyPr/>
-          <a:lstStyle/>
-          <a:p>
-            <a:r>
-              <a:rPr lang="en-US">
-                <a:sym typeface="+mn-ea"/>
-              </a:rPr>
-              <a:t>Plan Next Week</a:t>
-            </a:r>
-            <a:endParaRPr lang="zh-TW" altLang="en-US"/>
-          </a:p>
-        </p:txBody>
-      </p:sp>
-      <p:graphicFrame>
-        <p:nvGraphicFramePr>
-          <p:cNvPr id="5" name="內容版面配置區 4"/>
-          <p:cNvGraphicFramePr>
-            <a:graphicFrameLocks noGrp="1"/>
-          </p:cNvGraphicFramePr>
-          <p:nvPr>
-            <p:ph idx="1"/>
-          </p:nvPr>
-        </p:nvGraphicFramePr>
-        <p:xfrm>
-          <a:off x="241935" y="701675"/>
-          <a:ext cx="9368155" cy="4468496"/>
-        </p:xfrm>
-        <a:graphic>
-          <a:graphicData uri="http://schemas.openxmlformats.org/drawingml/2006/table">
-            <a:tbl>
-              <a:tblPr firstRow="1" bandRow="1">
-                <a:tableStyleId>{5C22544A-7EE6-4342-B048-85BDC9FD1C3A}</a:tableStyleId>
-              </a:tblPr>
-              <a:tblGrid>
-                <a:gridCol w="1454150">
-                  <a:extLst>
-                    <a:ext uri="{9D8B030D-6E8A-4147-A177-3AD203B41FA5}">
-                      <a16:colId xmlns:a16="http://schemas.microsoft.com/office/drawing/2014/main" val="20000"/>
-                    </a:ext>
-                  </a:extLst>
-                </a:gridCol>
-                <a:gridCol w="1717040">
-                  <a:extLst>
-                    <a:ext uri="{9D8B030D-6E8A-4147-A177-3AD203B41FA5}">
-                      <a16:colId xmlns:a16="http://schemas.microsoft.com/office/drawing/2014/main" val="20001"/>
-                    </a:ext>
-                  </a:extLst>
-                </a:gridCol>
-                <a:gridCol w="1132205">
-                  <a:extLst>
-                    <a:ext uri="{9D8B030D-6E8A-4147-A177-3AD203B41FA5}">
-                      <a16:colId xmlns:a16="http://schemas.microsoft.com/office/drawing/2014/main" val="20002"/>
-                    </a:ext>
-                  </a:extLst>
-                </a:gridCol>
-                <a:gridCol w="1893570">
-                  <a:extLst>
-                    <a:ext uri="{9D8B030D-6E8A-4147-A177-3AD203B41FA5}">
-                      <a16:colId xmlns:a16="http://schemas.microsoft.com/office/drawing/2014/main" val="20003"/>
-                    </a:ext>
-                  </a:extLst>
-                </a:gridCol>
-                <a:gridCol w="1512570">
-                  <a:extLst>
-                    <a:ext uri="{9D8B030D-6E8A-4147-A177-3AD203B41FA5}">
-                      <a16:colId xmlns:a16="http://schemas.microsoft.com/office/drawing/2014/main" val="20004"/>
-                    </a:ext>
-                  </a:extLst>
-                </a:gridCol>
-                <a:gridCol w="1658620">
-                  <a:extLst>
-                    <a:ext uri="{9D8B030D-6E8A-4147-A177-3AD203B41FA5}">
-                      <a16:colId xmlns:a16="http://schemas.microsoft.com/office/drawing/2014/main" val="20005"/>
-                    </a:ext>
-                  </a:extLst>
-                </a:gridCol>
-              </a:tblGrid>
-              <a:tr h="158750">
-                <a:tc>
-                  <a:txBody>
-                    <a:bodyPr/>
-                    <a:lstStyle/>
-                    <a:p>
-                      <a:pPr>
-                        <a:buNone/>
-                      </a:pPr>
-                      <a:endParaRPr lang="zh-TW" altLang="en-US">
-                        <a:solidFill>
-                          <a:schemeClr val="tx1"/>
-                        </a:solidFill>
-                      </a:endParaRPr>
-                    </a:p>
-                  </a:txBody>
-                  <a:tcPr>
-                    <a:lnL w="12700" cmpd="sng">
-                      <a:solidFill>
-                        <a:schemeClr val="tx1"/>
-                      </a:solidFill>
-                      <a:prstDash val="solid"/>
-                    </a:lnL>
-                    <a:lnR w="12700" cmpd="sng">
-                      <a:solidFill>
-                        <a:schemeClr val="tx1"/>
-                      </a:solidFill>
-                      <a:prstDash val="solid"/>
-                    </a:lnR>
-                    <a:lnT w="12700" cmpd="sng">
-                      <a:solidFill>
-                        <a:schemeClr val="tx1"/>
-                      </a:solidFill>
-                      <a:prstDash val="solid"/>
-                    </a:lnT>
-                    <a:lnB w="12700" cmpd="sng">
-                      <a:solidFill>
-                        <a:schemeClr val="tx1"/>
-                      </a:solidFill>
-                      <a:prstDash val="solid"/>
-                    </a:lnB>
-                    <a:noFill/>
-                  </a:tcPr>
-                </a:tc>
-                <a:tc>
-                  <a:txBody>
-                    <a:bodyPr/>
-                    <a:lstStyle/>
-                    <a:p>
-                      <a:pPr algn="ctr">
-                        <a:buNone/>
-                      </a:pPr>
-                      <a:r>
-                        <a:rPr lang="en-US" altLang="zh-TW">
-                          <a:solidFill>
-                            <a:schemeClr val="tx1"/>
-                          </a:solidFill>
-                        </a:rPr>
-                        <a:t>3/14</a:t>
-                      </a:r>
-                    </a:p>
-                  </a:txBody>
-                  <a:tcPr>
-                    <a:lnL w="12700" cmpd="sng">
-                      <a:solidFill>
-                        <a:schemeClr val="tx1"/>
-                      </a:solidFill>
-                      <a:prstDash val="solid"/>
-                    </a:lnL>
-                    <a:lnR w="12700" cmpd="sng">
-                      <a:solidFill>
-                        <a:schemeClr val="tx1"/>
-                      </a:solidFill>
-                      <a:prstDash val="solid"/>
-                    </a:lnR>
-                    <a:lnT w="12700" cmpd="sng">
-                      <a:solidFill>
-                        <a:schemeClr val="tx1"/>
-                      </a:solidFill>
-                      <a:prstDash val="solid"/>
-                    </a:lnT>
-                    <a:lnB w="12700">
-                      <a:solidFill>
-                        <a:schemeClr val="tx1"/>
-                      </a:solidFill>
-                      <a:prstDash val="solid"/>
-                    </a:lnB>
-                    <a:solidFill>
-                      <a:srgbClr val="D9D9D9"/>
-                    </a:solidFill>
-                  </a:tcPr>
-                </a:tc>
-                <a:tc>
-                  <a:txBody>
-                    <a:bodyPr/>
-                    <a:lstStyle/>
-                    <a:p>
-                      <a:pPr algn="ctr">
-                        <a:buNone/>
-                      </a:pPr>
-                      <a:r>
-                        <a:rPr lang="en-US" altLang="zh-TW">
-                          <a:solidFill>
-                            <a:schemeClr val="tx1"/>
-                          </a:solidFill>
-                        </a:rPr>
-                        <a:t>3/15</a:t>
-                      </a:r>
-                    </a:p>
-                  </a:txBody>
-                  <a:tcPr>
-                    <a:lnL w="12700" cmpd="sng">
-                      <a:solidFill>
-                        <a:schemeClr val="tx1"/>
-                      </a:solidFill>
-                      <a:prstDash val="solid"/>
-                    </a:lnL>
-                    <a:lnR w="12700" cmpd="sng">
-                      <a:solidFill>
-                        <a:schemeClr val="tx1"/>
-                      </a:solidFill>
-                      <a:prstDash val="solid"/>
-                    </a:lnR>
-                    <a:lnT w="12700" cmpd="sng">
-                      <a:solidFill>
-                        <a:schemeClr val="tx1"/>
-                      </a:solidFill>
-                      <a:prstDash val="solid"/>
-                    </a:lnT>
-                    <a:lnB w="12700" cmpd="sng">
-                      <a:solidFill>
-                        <a:schemeClr val="tx1"/>
-                      </a:solidFill>
-                      <a:prstDash val="solid"/>
-                    </a:lnB>
-                    <a:solidFill>
-                      <a:srgbClr val="D9D9D9"/>
-                    </a:solidFill>
-                  </a:tcPr>
-                </a:tc>
-                <a:tc>
-                  <a:txBody>
-                    <a:bodyPr/>
-                    <a:lstStyle/>
-                    <a:p>
-                      <a:pPr algn="ctr">
-                        <a:buNone/>
-                      </a:pPr>
-                      <a:r>
-                        <a:rPr lang="en-US" altLang="zh-TW">
-                          <a:solidFill>
-                            <a:schemeClr val="tx1"/>
-                          </a:solidFill>
-                        </a:rPr>
-                        <a:t>3/16</a:t>
-                      </a:r>
-                    </a:p>
-                  </a:txBody>
-                  <a:tcPr>
-                    <a:lnL w="12700" cmpd="sng">
-                      <a:solidFill>
-                        <a:schemeClr val="tx1"/>
-                      </a:solidFill>
-                      <a:prstDash val="solid"/>
-                    </a:lnL>
-                    <a:lnR w="12700" cmpd="sng">
-                      <a:solidFill>
-                        <a:schemeClr val="tx1"/>
-                      </a:solidFill>
-                      <a:prstDash val="solid"/>
-                    </a:lnR>
-                    <a:lnT w="12700" cmpd="sng">
-                      <a:solidFill>
-                        <a:schemeClr val="tx1"/>
-                      </a:solidFill>
-                      <a:prstDash val="solid"/>
-                    </a:lnT>
-                    <a:lnB w="12700" cmpd="sng">
-                      <a:solidFill>
-                        <a:schemeClr val="tx1"/>
-                      </a:solidFill>
-                      <a:prstDash val="solid"/>
-                    </a:lnB>
-                    <a:solidFill>
-                      <a:srgbClr val="D9D9D9"/>
-                    </a:solidFill>
-                  </a:tcPr>
-                </a:tc>
-                <a:tc>
-                  <a:txBody>
-                    <a:bodyPr/>
-                    <a:lstStyle/>
-                    <a:p>
-                      <a:pPr algn="ctr">
-                        <a:buNone/>
-                      </a:pPr>
-                      <a:r>
-                        <a:rPr lang="en-US" altLang="zh-TW">
-                          <a:solidFill>
-                            <a:schemeClr val="tx1"/>
-                          </a:solidFill>
-                        </a:rPr>
-                        <a:t>3/17</a:t>
-                      </a:r>
-                    </a:p>
-                  </a:txBody>
-                  <a:tcPr>
-                    <a:lnL w="12700" cmpd="sng">
-                      <a:solidFill>
-                        <a:schemeClr val="tx1"/>
-                      </a:solidFill>
-                      <a:prstDash val="solid"/>
-                    </a:lnL>
-                    <a:lnR w="12700" cmpd="sng">
-                      <a:solidFill>
-                        <a:schemeClr val="tx1"/>
-                      </a:solidFill>
-                      <a:prstDash val="solid"/>
-                    </a:lnR>
-                    <a:lnT w="12700" cmpd="sng">
-                      <a:solidFill>
-                        <a:schemeClr val="tx1"/>
-                      </a:solidFill>
-                      <a:prstDash val="solid"/>
-                    </a:lnT>
-                    <a:lnB w="12700" cmpd="sng">
-                      <a:solidFill>
-                        <a:schemeClr val="tx1"/>
-                      </a:solidFill>
-                      <a:prstDash val="solid"/>
-                    </a:lnB>
-                    <a:solidFill>
-                      <a:srgbClr val="D9D9D9"/>
-                    </a:solidFill>
-                  </a:tcPr>
-                </a:tc>
-                <a:tc>
-                  <a:txBody>
-                    <a:bodyPr/>
-                    <a:lstStyle/>
-                    <a:p>
-                      <a:pPr algn="ctr">
-                        <a:buNone/>
-                      </a:pPr>
-                      <a:r>
-                        <a:rPr lang="en-US" altLang="zh-TW">
-                          <a:solidFill>
-                            <a:schemeClr val="tx1"/>
-                          </a:solidFill>
-                        </a:rPr>
-                        <a:t>3/18</a:t>
+                        <a:t>3/26</a:t>
                       </a:r>
                     </a:p>
                   </a:txBody>
@@ -44075,7 +40717,7 @@
                     </a:solidFill>
                   </a:tcPr>
                 </a:tc>
-                <a:tc rowSpan="4">
+                <a:tc rowSpan="3">
                   <a:txBody>
                     <a:bodyPr/>
                     <a:lstStyle/>
@@ -44083,7 +40725,7 @@
                       <a:pPr>
                         <a:buNone/>
                       </a:pPr>
-                      <a:endParaRPr lang="zh-CN" sz="1200">
+                      <a:endParaRPr lang="zh-CN" sz="1200" dirty="0">
                         <a:solidFill>
                           <a:srgbClr val="000000"/>
                         </a:solidFill>
@@ -44095,7 +40737,7 @@
                       <a:pPr>
                         <a:buNone/>
                       </a:pPr>
-                      <a:endParaRPr lang="zh-CN" sz="1200">
+                      <a:endParaRPr lang="zh-CN" sz="1200" dirty="0">
                         <a:solidFill>
                           <a:srgbClr val="000000"/>
                         </a:solidFill>
@@ -44108,7 +40750,7 @@
                         <a:buNone/>
                       </a:pPr>
                       <a:r>
-                        <a:rPr lang="zh-CN" sz="1200">
+                        <a:rPr lang="zh-CN" sz="1200" dirty="0">
                           <a:solidFill>
                             <a:srgbClr val="000000"/>
                           </a:solidFill>
@@ -44117,7 +40759,7 @@
                         </a:rPr>
                         <a:t>一週報告整理</a:t>
                       </a:r>
-                      <a:endParaRPr lang="zh-TW" altLang="en-US" sz="1200">
+                      <a:endParaRPr lang="zh-TW" altLang="en-US" sz="1200" dirty="0">
                         <a:solidFill>
                           <a:schemeClr val="tx1"/>
                         </a:solidFill>
@@ -44153,7 +40795,7 @@
                     <a:noFill/>
                   </a:tcPr>
                 </a:tc>
-                <a:tc rowSpan="4">
+                <a:tc rowSpan="3">
                   <a:txBody>
                     <a:bodyPr/>
                     <a:lstStyle/>
@@ -44161,7 +40803,7 @@
                       <a:pPr>
                         <a:buNone/>
                       </a:pPr>
-                      <a:endParaRPr lang="en-US" sz="1200">
+                      <a:endParaRPr lang="en-US" sz="1200" dirty="0">
                         <a:solidFill>
                           <a:srgbClr val="000000"/>
                         </a:solidFill>
@@ -44174,7 +40816,7 @@
                       <a:pPr>
                         <a:buNone/>
                       </a:pPr>
-                      <a:endParaRPr lang="en-US" sz="1200">
+                      <a:endParaRPr lang="en-US" sz="1200" dirty="0">
                         <a:solidFill>
                           <a:srgbClr val="000000"/>
                         </a:solidFill>
@@ -44187,7 +40829,7 @@
                       <a:pPr>
                         <a:buNone/>
                       </a:pPr>
-                      <a:endParaRPr lang="en-US" altLang="en-US" sz="1200" b="0">
+                      <a:endParaRPr lang="en-US" altLang="en-US" sz="1200" b="0" dirty="0">
                         <a:solidFill>
                           <a:srgbClr val="000000"/>
                         </a:solidFill>
@@ -44201,7 +40843,7 @@
                         <a:buNone/>
                       </a:pPr>
                       <a:r>
-                        <a:rPr lang="en-US" sz="1200">
+                        <a:rPr lang="en-US" sz="1200" dirty="0">
                           <a:solidFill>
                             <a:srgbClr val="000000"/>
                           </a:solidFill>
@@ -44209,31 +40851,25 @@
                           <a:cs typeface="+mn-lt"/>
                           <a:sym typeface="+mn-ea"/>
                         </a:rPr>
-                        <a:t>Tracing event code:</a:t>
+                        <a:t>Tracing event code</a:t>
                       </a:r>
-                      <a:endParaRPr lang="en-US" sz="1200" b="0">
-                        <a:solidFill>
-                          <a:srgbClr val="000000"/>
-                        </a:solidFill>
-                        <a:ea typeface="微軟正黑體" panose="020B0604030504040204" pitchFamily="34" charset="-120"/>
-                        <a:cs typeface="+mn-lt"/>
-                      </a:endParaRPr>
                     </a:p>
                     <a:p>
                       <a:pPr indent="0">
-                        <a:buFont typeface="+mj-lt"/>
                         <a:buNone/>
                       </a:pPr>
                       <a:r>
-                        <a:rPr lang="en-GB" altLang="zh-TW" sz="1200" dirty="0">
+                        <a:rPr lang="en-US" altLang="zh-TW" sz="1200" dirty="0">
                           <a:solidFill>
-                            <a:schemeClr val="tx1"/>
+                            <a:srgbClr val="000000"/>
                           </a:solidFill>
+                          <a:ea typeface="微軟正黑體" panose="020B0604030504040204" pitchFamily="34" charset="-120"/>
+                          <a:cs typeface="+mn-lt"/>
                           <a:sym typeface="+mn-ea"/>
                         </a:rPr>
-                        <a:t>EVT_RLC_REQ_FLW_CTRL_INFO</a:t>
+                        <a:t>(real time task)</a:t>
                       </a:r>
-                      <a:endParaRPr lang="en-US" altLang="zh-TW" sz="1200">
+                      <a:endParaRPr lang="en-US" altLang="zh-TW" sz="1200" dirty="0">
                         <a:solidFill>
                           <a:schemeClr val="tx1"/>
                         </a:solidFill>
@@ -44268,7 +40904,7 @@
                     <a:noFill/>
                   </a:tcPr>
                 </a:tc>
-                <a:tc rowSpan="4">
+                <a:tc rowSpan="3">
                   <a:txBody>
                     <a:bodyPr/>
                     <a:lstStyle/>
@@ -44276,63 +40912,17 @@
                       <a:pPr indent="0">
                         <a:buNone/>
                       </a:pPr>
-                      <a:endParaRPr lang="zh-TW" altLang="en-US" sz="1900">
+                      <a:endParaRPr lang="zh-TW" altLang="en-US" sz="1200" dirty="0">
                         <a:solidFill>
                           <a:schemeClr val="tx1"/>
                         </a:solidFill>
                       </a:endParaRPr>
                     </a:p>
                     <a:p>
-                      <a:pPr>
-                        <a:buNone/>
-                      </a:pPr>
-                      <a:r>
-                        <a:rPr lang="en-US" altLang="zh-TW" sz="1200">
-                          <a:solidFill>
-                            <a:schemeClr val="tx1"/>
-                          </a:solidFill>
-                        </a:rPr>
-                        <a:t>Make event logs analysis script with Python</a:t>
-                      </a:r>
-                    </a:p>
-                  </a:txBody>
-                  <a:tcPr>
-                    <a:lnL w="12700" cmpd="sng">
-                      <a:solidFill>
-                        <a:schemeClr val="tx1"/>
-                      </a:solidFill>
-                      <a:prstDash val="solid"/>
-                    </a:lnL>
-                    <a:lnR w="12700" cmpd="sng">
-                      <a:solidFill>
-                        <a:schemeClr val="tx1"/>
-                      </a:solidFill>
-                      <a:prstDash val="solid"/>
-                    </a:lnR>
-                    <a:lnT w="12700" cmpd="sng">
-                      <a:solidFill>
-                        <a:schemeClr val="tx1"/>
-                      </a:solidFill>
-                      <a:prstDash val="solid"/>
-                    </a:lnT>
-                    <a:lnB w="12700" cmpd="sng">
-                      <a:solidFill>
-                        <a:schemeClr val="tx1"/>
-                      </a:solidFill>
-                      <a:prstDash val="solid"/>
-                    </a:lnB>
-                    <a:noFill/>
-                  </a:tcPr>
-                </a:tc>
-                <a:tc rowSpan="4">
-                  <a:txBody>
-                    <a:bodyPr/>
-                    <a:lstStyle/>
-                    <a:p>
                       <a:pPr indent="0">
                         <a:buNone/>
                       </a:pPr>
-                      <a:endParaRPr lang="en-US" sz="1200">
+                      <a:endParaRPr lang="en-US" altLang="zh-TW" sz="1200" dirty="0">
                         <a:solidFill>
                           <a:srgbClr val="000000"/>
                         </a:solidFill>
@@ -44345,7 +40935,7 @@
                       <a:pPr indent="0">
                         <a:buNone/>
                       </a:pPr>
-                      <a:endParaRPr lang="en-US" sz="1200">
+                      <a:endParaRPr lang="en-US" altLang="zh-TW" sz="1200" dirty="0">
                         <a:solidFill>
                           <a:srgbClr val="000000"/>
                         </a:solidFill>
@@ -44359,7 +40949,7 @@
                         <a:buNone/>
                       </a:pPr>
                       <a:r>
-                        <a:rPr lang="en-US" sz="1200">
+                        <a:rPr lang="en-US" altLang="zh-TW" sz="1200" dirty="0">
                           <a:solidFill>
                             <a:srgbClr val="000000"/>
                           </a:solidFill>
@@ -44367,28 +40957,15 @@
                           <a:cs typeface="+mn-lt"/>
                           <a:sym typeface="+mn-ea"/>
                         </a:rPr>
-                        <a:t>Analysis event logs,</a:t>
+                        <a:t>Statistics on key events</a:t>
                       </a:r>
                     </a:p>
                     <a:p>
                       <a:pPr indent="0">
                         <a:buNone/>
                       </a:pPr>
-                      <a:endParaRPr lang="en-US" sz="1200">
-                        <a:solidFill>
-                          <a:srgbClr val="000000"/>
-                        </a:solidFill>
-                        <a:ea typeface="微軟正黑體" panose="020B0604030504040204" pitchFamily="34" charset="-120"/>
-                        <a:cs typeface="+mn-lt"/>
-                        <a:sym typeface="+mn-ea"/>
-                      </a:endParaRPr>
-                    </a:p>
-                    <a:p>
-                      <a:pPr indent="0">
-                        <a:buNone/>
-                      </a:pPr>
                       <a:r>
-                        <a:rPr lang="en-US" sz="1200">
+                        <a:rPr lang="en-US" altLang="zh-TW" sz="1200" dirty="0">
                           <a:solidFill>
                             <a:srgbClr val="000000"/>
                           </a:solidFill>
@@ -44396,9 +40973,9 @@
                           <a:cs typeface="+mn-lt"/>
                           <a:sym typeface="+mn-ea"/>
                         </a:rPr>
-                        <a:t>Make weekly report</a:t>
+                        <a:t>(key events: the events have strong relationship with operational variable)</a:t>
                       </a:r>
-                      <a:endParaRPr lang="zh-TW" altLang="en-US" sz="1200">
+                      <a:endParaRPr lang="en-US" altLang="zh-TW" sz="1200" dirty="0">
                         <a:solidFill>
                           <a:schemeClr val="tx1"/>
                         </a:solidFill>
@@ -44433,7 +41010,7 @@
                     <a:noFill/>
                   </a:tcPr>
                 </a:tc>
-                <a:tc rowSpan="2">
+                <a:tc rowSpan="3">
                   <a:txBody>
                     <a:bodyPr/>
                     <a:lstStyle/>
@@ -44441,8 +41018,34 @@
                       <a:pPr indent="0">
                         <a:buNone/>
                       </a:pPr>
+                      <a:endParaRPr lang="en-US" sz="1200" dirty="0">
+                        <a:solidFill>
+                          <a:srgbClr val="000000"/>
+                        </a:solidFill>
+                        <a:ea typeface="微軟正黑體" panose="020B0604030504040204" pitchFamily="34" charset="-120"/>
+                        <a:cs typeface="+mn-lt"/>
+                        <a:sym typeface="+mn-ea"/>
+                      </a:endParaRPr>
+                    </a:p>
+                    <a:p>
+                      <a:pPr indent="0">
+                        <a:buNone/>
+                      </a:pPr>
+                      <a:endParaRPr lang="en-US" sz="1200" dirty="0">
+                        <a:solidFill>
+                          <a:srgbClr val="000000"/>
+                        </a:solidFill>
+                        <a:ea typeface="微軟正黑體" panose="020B0604030504040204" pitchFamily="34" charset="-120"/>
+                        <a:cs typeface="+mn-lt"/>
+                        <a:sym typeface="+mn-ea"/>
+                      </a:endParaRPr>
+                    </a:p>
+                    <a:p>
+                      <a:pPr indent="0">
+                        <a:buNone/>
+                      </a:pPr>
                       <a:r>
-                        <a:rPr lang="en-US" sz="1200">
+                        <a:rPr lang="en-US" sz="1200" dirty="0">
                           <a:solidFill>
                             <a:srgbClr val="000000"/>
                           </a:solidFill>
@@ -44457,7 +41060,7 @@
                       <a:pPr indent="0">
                         <a:buNone/>
                       </a:pPr>
-                      <a:endParaRPr lang="en-US" sz="1200">
+                      <a:endParaRPr lang="en-US" sz="1200" dirty="0">
                         <a:solidFill>
                           <a:srgbClr val="000000"/>
                         </a:solidFill>
@@ -44471,7 +41074,7 @@
                         <a:buNone/>
                       </a:pPr>
                       <a:r>
-                        <a:rPr lang="en-US" sz="1200">
+                        <a:rPr lang="en-US" sz="1200" dirty="0">
                           <a:solidFill>
                             <a:srgbClr val="000000"/>
                           </a:solidFill>
@@ -44481,7 +41084,125 @@
                         </a:rPr>
                         <a:t>Make weekly report</a:t>
                       </a:r>
-                      <a:endParaRPr lang="zh-TW" altLang="en-US" sz="1200">
+                      <a:endParaRPr lang="zh-TW" altLang="en-US" sz="1200" dirty="0">
+                        <a:solidFill>
+                          <a:schemeClr val="tx1"/>
+                        </a:solidFill>
+                      </a:endParaRPr>
+                    </a:p>
+                  </a:txBody>
+                  <a:tcPr>
+                    <a:lnL w="12700" cmpd="sng">
+                      <a:solidFill>
+                        <a:schemeClr val="tx1"/>
+                      </a:solidFill>
+                      <a:prstDash val="solid"/>
+                    </a:lnL>
+                    <a:lnR w="12700" cmpd="sng">
+                      <a:solidFill>
+                        <a:schemeClr val="tx1"/>
+                      </a:solidFill>
+                      <a:prstDash val="solid"/>
+                    </a:lnR>
+                    <a:lnT w="12700" cmpd="sng">
+                      <a:solidFill>
+                        <a:schemeClr val="tx1"/>
+                      </a:solidFill>
+                      <a:prstDash val="solid"/>
+                    </a:lnT>
+                    <a:lnB w="12700" cap="flat" cmpd="sng" algn="ctr">
+                      <a:solidFill>
+                        <a:schemeClr val="tx1"/>
+                      </a:solidFill>
+                      <a:prstDash val="solid"/>
+                      <a:round/>
+                      <a:headEnd type="none" w="med" len="med"/>
+                      <a:tailEnd type="none" w="med" len="med"/>
+                    </a:lnB>
+                    <a:noFill/>
+                  </a:tcPr>
+                </a:tc>
+                <a:tc rowSpan="3">
+                  <a:txBody>
+                    <a:bodyPr/>
+                    <a:lstStyle/>
+                    <a:p>
+                      <a:pPr>
+                        <a:buNone/>
+                      </a:pPr>
+                      <a:endParaRPr lang="en-US" altLang="zh-TW" sz="1200" dirty="0">
+                        <a:solidFill>
+                          <a:schemeClr val="tx1"/>
+                        </a:solidFill>
+                        <a:sym typeface="+mn-ea"/>
+                      </a:endParaRPr>
+                    </a:p>
+                    <a:p>
+                      <a:pPr>
+                        <a:buNone/>
+                      </a:pPr>
+                      <a:endParaRPr lang="en-US" altLang="zh-TW" sz="1200" dirty="0">
+                        <a:solidFill>
+                          <a:schemeClr val="tx1"/>
+                        </a:solidFill>
+                        <a:sym typeface="+mn-ea"/>
+                      </a:endParaRPr>
+                    </a:p>
+                    <a:p>
+                      <a:pPr indent="0">
+                        <a:buNone/>
+                      </a:pPr>
+                      <a:r>
+                        <a:rPr lang="en-US" altLang="zh-TW" sz="1200" dirty="0">
+                          <a:solidFill>
+                            <a:srgbClr val="000000"/>
+                          </a:solidFill>
+                          <a:ea typeface="微軟正黑體" panose="020B0604030504040204" pitchFamily="34" charset="-120"/>
+                          <a:cs typeface="+mn-lt"/>
+                          <a:sym typeface="+mn-ea"/>
+                        </a:rPr>
+                        <a:t>Analysis event logs,</a:t>
+                      </a:r>
+                    </a:p>
+                    <a:p>
+                      <a:pPr indent="0">
+                        <a:buNone/>
+                      </a:pPr>
+                      <a:endParaRPr lang="en-US" altLang="zh-TW" sz="1200" dirty="0">
+                        <a:solidFill>
+                          <a:srgbClr val="000000"/>
+                        </a:solidFill>
+                        <a:ea typeface="微軟正黑體" panose="020B0604030504040204" pitchFamily="34" charset="-120"/>
+                        <a:cs typeface="+mn-lt"/>
+                        <a:sym typeface="+mn-ea"/>
+                      </a:endParaRPr>
+                    </a:p>
+                    <a:p>
+                      <a:pPr indent="0">
+                        <a:buNone/>
+                      </a:pPr>
+                      <a:r>
+                        <a:rPr lang="en-US" altLang="zh-TW" sz="1200" dirty="0">
+                          <a:solidFill>
+                            <a:srgbClr val="000000"/>
+                          </a:solidFill>
+                          <a:ea typeface="微軟正黑體" panose="020B0604030504040204" pitchFamily="34" charset="-120"/>
+                          <a:cs typeface="+mn-lt"/>
+                          <a:sym typeface="+mn-ea"/>
+                        </a:rPr>
+                        <a:t>Make weekly report</a:t>
+                      </a:r>
+                      <a:endParaRPr lang="zh-TW" altLang="en-US" sz="1200" dirty="0">
+                        <a:solidFill>
+                          <a:schemeClr val="tx1"/>
+                        </a:solidFill>
+                      </a:endParaRPr>
+                    </a:p>
+                    <a:p>
+                      <a:pPr>
+                        <a:buNone/>
+                      </a:pPr>
+                      <a:endParaRPr lang="zh-TW" altLang="en-US" sz="1200" dirty="0">
                         <a:solidFill>
                           <a:schemeClr val="tx1"/>
                         </a:solidFill>
@@ -44523,7 +41244,7 @@
                 </a:extLst>
               </a:tr>
               <a:tr h="529590">
-                <a:tc rowSpan="2">
+                <a:tc>
                   <a:txBody>
                     <a:bodyPr/>
                     <a:lstStyle/>
@@ -44763,274 +41484,6 @@
                   </a:ext>
                 </a:extLst>
               </a:tr>
-              <a:tr h="0">
-                <a:tc vMerge="1">
-                  <a:txBody>
-                    <a:bodyPr/>
-                    <a:lstStyle/>
-                    <a:p>
-                      <a:endParaRPr lang="zh-TW"/>
-                    </a:p>
-                  </a:txBody>
-                  <a:tcPr>
-                    <a:lnL w="12700" cmpd="sng">
-                      <a:solidFill>
-                        <a:schemeClr val="tx1"/>
-                      </a:solidFill>
-                      <a:prstDash val="solid"/>
-                    </a:lnL>
-                    <a:lnR w="12700">
-                      <a:solidFill>
-                        <a:schemeClr val="tx1"/>
-                      </a:solidFill>
-                      <a:prstDash val="solid"/>
-                    </a:lnR>
-                    <a:lnT w="12700" cmpd="sng">
-                      <a:solidFill>
-                        <a:schemeClr val="tx1"/>
-                      </a:solidFill>
-                      <a:prstDash val="solid"/>
-                    </a:lnT>
-                    <a:lnB w="12700" cmpd="sng">
-                      <a:solidFill>
-                        <a:schemeClr val="tx1"/>
-                      </a:solidFill>
-                      <a:prstDash val="solid"/>
-                    </a:lnB>
-                    <a:solidFill>
-                      <a:srgbClr val="E2EFDA"/>
-                    </a:solidFill>
-                  </a:tcPr>
-                </a:tc>
-                <a:tc vMerge="1">
-                  <a:txBody>
-                    <a:bodyPr/>
-                    <a:lstStyle/>
-                    <a:p>
-                      <a:endParaRPr lang="zh-TW"/>
-                    </a:p>
-                  </a:txBody>
-                  <a:tcPr>
-                    <a:lnL w="12700">
-                      <a:solidFill>
-                        <a:schemeClr val="tx1"/>
-                      </a:solidFill>
-                      <a:prstDash val="solid"/>
-                    </a:lnL>
-                    <a:lnR w="12700">
-                      <a:solidFill>
-                        <a:schemeClr val="tx1"/>
-                      </a:solidFill>
-                      <a:prstDash val="solid"/>
-                    </a:lnR>
-                    <a:lnT w="12700">
-                      <a:solidFill>
-                        <a:schemeClr val="tx1"/>
-                      </a:solidFill>
-                      <a:prstDash val="solid"/>
-                    </a:lnT>
-                    <a:lnB w="12700">
-                      <a:solidFill>
-                        <a:schemeClr val="tx1"/>
-                      </a:solidFill>
-                      <a:prstDash val="solid"/>
-                    </a:lnB>
-                    <a:noFill/>
-                  </a:tcPr>
-                </a:tc>
-                <a:tc vMerge="1">
-                  <a:txBody>
-                    <a:bodyPr/>
-                    <a:lstStyle/>
-                    <a:p>
-                      <a:endParaRPr lang="zh-TW"/>
-                    </a:p>
-                  </a:txBody>
-                  <a:tcPr>
-                    <a:lnL w="12700">
-                      <a:solidFill>
-                        <a:schemeClr val="tx1"/>
-                      </a:solidFill>
-                      <a:prstDash val="solid"/>
-                    </a:lnL>
-                    <a:lnR w="12700" cmpd="sng">
-                      <a:solidFill>
-                        <a:schemeClr val="tx1"/>
-                      </a:solidFill>
-                      <a:prstDash val="solid"/>
-                    </a:lnR>
-                    <a:lnT w="12700" cmpd="sng">
-                      <a:solidFill>
-                        <a:schemeClr val="tx1"/>
-                      </a:solidFill>
-                      <a:prstDash val="solid"/>
-                    </a:lnT>
-                    <a:lnB w="12700" cmpd="sng">
-                      <a:solidFill>
-                        <a:schemeClr val="tx1"/>
-                      </a:solidFill>
-                      <a:prstDash val="solid"/>
-                    </a:lnB>
-                    <a:noFill/>
-                  </a:tcPr>
-                </a:tc>
-                <a:tc vMerge="1">
-                  <a:txBody>
-                    <a:bodyPr/>
-                    <a:lstStyle/>
-                    <a:p>
-                      <a:endParaRPr lang="zh-TW"/>
-                    </a:p>
-                  </a:txBody>
-                  <a:tcPr>
-                    <a:lnL w="12700" cmpd="sng">
-                      <a:solidFill>
-                        <a:schemeClr val="tx1"/>
-                      </a:solidFill>
-                      <a:prstDash val="solid"/>
-                    </a:lnL>
-                    <a:lnR w="12700" cmpd="sng">
-                      <a:solidFill>
-                        <a:schemeClr val="tx1"/>
-                      </a:solidFill>
-                      <a:prstDash val="solid"/>
-                    </a:lnR>
-                    <a:lnT w="12700" cmpd="sng">
-                      <a:solidFill>
-                        <a:schemeClr val="tx1"/>
-                      </a:solidFill>
-                      <a:prstDash val="solid"/>
-                    </a:lnT>
-                    <a:lnB w="12700" cmpd="sng">
-                      <a:solidFill>
-                        <a:schemeClr val="tx1"/>
-                      </a:solidFill>
-                      <a:prstDash val="solid"/>
-                    </a:lnB>
-                    <a:noFill/>
-                  </a:tcPr>
-                </a:tc>
-                <a:tc vMerge="1">
-                  <a:txBody>
-                    <a:bodyPr/>
-                    <a:lstStyle/>
-                    <a:p>
-                      <a:endParaRPr lang="zh-TW"/>
-                    </a:p>
-                  </a:txBody>
-                  <a:tcPr>
-                    <a:lnL w="12700" cmpd="sng">
-                      <a:solidFill>
-                        <a:schemeClr val="tx1"/>
-                      </a:solidFill>
-                      <a:prstDash val="solid"/>
-                    </a:lnL>
-                    <a:lnR w="12700" cmpd="sng">
-                      <a:solidFill>
-                        <a:schemeClr val="tx1"/>
-                      </a:solidFill>
-                      <a:prstDash val="solid"/>
-                    </a:lnR>
-                    <a:lnT w="12700" cmpd="sng">
-                      <a:solidFill>
-                        <a:schemeClr val="tx1"/>
-                      </a:solidFill>
-                      <a:prstDash val="solid"/>
-                    </a:lnT>
-                    <a:lnB w="12700" cmpd="sng">
-                      <a:solidFill>
-                        <a:schemeClr val="tx1"/>
-                      </a:solidFill>
-                      <a:prstDash val="solid"/>
-                    </a:lnB>
-                    <a:noFill/>
-                  </a:tcPr>
-                </a:tc>
-                <a:tc rowSpan="4">
-                  <a:txBody>
-                    <a:bodyPr/>
-                    <a:lstStyle/>
-                    <a:p>
-                      <a:pPr>
-                        <a:buNone/>
-                      </a:pPr>
-                      <a:endParaRPr lang="en-US" altLang="zh-TW" sz="1200">
-                        <a:solidFill>
-                          <a:schemeClr val="tx1"/>
-                        </a:solidFill>
-                        <a:sym typeface="+mn-ea"/>
-                      </a:endParaRPr>
-                    </a:p>
-                    <a:p>
-                      <a:pPr>
-                        <a:buNone/>
-                      </a:pPr>
-                      <a:endParaRPr lang="en-US" altLang="zh-TW" sz="1200">
-                        <a:solidFill>
-                          <a:schemeClr val="tx1"/>
-                        </a:solidFill>
-                        <a:sym typeface="+mn-ea"/>
-                      </a:endParaRPr>
-                    </a:p>
-                    <a:p>
-                      <a:pPr>
-                        <a:buNone/>
-                      </a:pPr>
-                      <a:r>
-                        <a:rPr lang="en-US" altLang="zh-TW" sz="1200">
-                          <a:solidFill>
-                            <a:schemeClr val="tx1"/>
-                          </a:solidFill>
-                          <a:sym typeface="+mn-ea"/>
-                        </a:rPr>
-                        <a:t>Make event logs analysis script with Python</a:t>
-                      </a:r>
-                    </a:p>
-                    <a:p>
-                      <a:pPr>
-                        <a:buNone/>
-                      </a:pPr>
-                      <a:endParaRPr lang="zh-TW" altLang="en-US" sz="1200">
-                        <a:solidFill>
-                          <a:schemeClr val="tx1"/>
-                        </a:solidFill>
-                      </a:endParaRPr>
-                    </a:p>
-                  </a:txBody>
-                  <a:tcPr>
-                    <a:lnL w="12700" cmpd="sng">
-                      <a:solidFill>
-                        <a:schemeClr val="tx1"/>
-                      </a:solidFill>
-                      <a:prstDash val="solid"/>
-                    </a:lnL>
-                    <a:lnR w="12700" cmpd="sng">
-                      <a:solidFill>
-                        <a:schemeClr val="tx1"/>
-                      </a:solidFill>
-                      <a:prstDash val="solid"/>
-                    </a:lnR>
-                    <a:lnT w="12700" cmpd="sng">
-                      <a:solidFill>
-                        <a:schemeClr val="tx1"/>
-                      </a:solidFill>
-                      <a:prstDash val="solid"/>
-                    </a:lnT>
-                    <a:lnB w="12700" cmpd="sng">
-                      <a:solidFill>
-                        <a:schemeClr val="tx1"/>
-                      </a:solidFill>
-                      <a:prstDash val="solid"/>
-                    </a:lnB>
-                    <a:noFill/>
-                  </a:tcPr>
-                </a:tc>
-                <a:extLst>
-                  <a:ext uri="{0D108BD9-81ED-4DB2-BD59-A6C34878D82A}">
-                    <a16:rowId xmlns:a16="http://schemas.microsoft.com/office/drawing/2014/main" val="10003"/>
-                  </a:ext>
-                </a:extLst>
-              </a:tr>
               <a:tr h="673100">
                 <a:tc>
                   <a:txBody>
@@ -45063,17 +41516,23 @@
                       </a:solidFill>
                       <a:prstDash val="solid"/>
                     </a:lnL>
-                    <a:lnR w="12700">
+                    <a:lnR w="12700" cap="flat" cmpd="sng" algn="ctr">
                       <a:solidFill>
                         <a:schemeClr val="tx1"/>
                       </a:solidFill>
                       <a:prstDash val="solid"/>
+                      <a:round/>
+                      <a:headEnd type="none" w="med" len="med"/>
+                      <a:tailEnd type="none" w="med" len="med"/>
                     </a:lnR>
-                    <a:lnT w="12700" cmpd="sng">
+                    <a:lnT w="12700" cap="flat" cmpd="sng" algn="ctr">
                       <a:solidFill>
                         <a:schemeClr val="tx1"/>
                       </a:solidFill>
                       <a:prstDash val="solid"/>
+                      <a:round/>
+                      <a:headEnd type="none" w="med" len="med"/>
+                      <a:tailEnd type="none" w="med" len="med"/>
                     </a:lnT>
                     <a:lnB w="12700" cmpd="sng">
                       <a:solidFill>
@@ -45095,23 +41554,32 @@
                     </a:p>
                   </a:txBody>
                   <a:tcPr>
-                    <a:lnL w="12700">
+                    <a:lnL w="12700" cap="flat" cmpd="sng" algn="ctr">
                       <a:solidFill>
                         <a:schemeClr val="tx1"/>
                       </a:solidFill>
                       <a:prstDash val="solid"/>
+                      <a:round/>
+                      <a:headEnd type="none" w="med" len="med"/>
+                      <a:tailEnd type="none" w="med" len="med"/>
                     </a:lnL>
-                    <a:lnR w="12700">
+                    <a:lnR w="12700" cap="flat" cmpd="sng" algn="ctr">
                       <a:solidFill>
                         <a:schemeClr val="tx1"/>
                       </a:solidFill>
                       <a:prstDash val="solid"/>
+                      <a:round/>
+                      <a:headEnd type="none" w="med" len="med"/>
+                      <a:tailEnd type="none" w="med" len="med"/>
                     </a:lnR>
-                    <a:lnT w="12700">
+                    <a:lnT w="12700" cap="flat" cmpd="sng" algn="ctr">
                       <a:solidFill>
                         <a:schemeClr val="tx1"/>
                       </a:solidFill>
                       <a:prstDash val="solid"/>
+                      <a:round/>
+                      <a:headEnd type="none" w="med" len="med"/>
+                      <a:tailEnd type="none" w="med" len="med"/>
                     </a:lnT>
                     <a:lnB w="12700">
                       <a:solidFill>
@@ -45131,23 +41599,32 @@
                     </a:p>
                   </a:txBody>
                   <a:tcPr>
-                    <a:lnL w="12700">
+                    <a:lnL w="12700" cap="flat" cmpd="sng" algn="ctr">
                       <a:solidFill>
                         <a:schemeClr val="tx1"/>
                       </a:solidFill>
                       <a:prstDash val="solid"/>
+                      <a:round/>
+                      <a:headEnd type="none" w="med" len="med"/>
+                      <a:tailEnd type="none" w="med" len="med"/>
                     </a:lnL>
-                    <a:lnR w="12700" cmpd="sng">
+                    <a:lnR w="12700" cap="flat" cmpd="sng" algn="ctr">
                       <a:solidFill>
                         <a:schemeClr val="tx1"/>
                       </a:solidFill>
                       <a:prstDash val="solid"/>
+                      <a:round/>
+                      <a:headEnd type="none" w="med" len="med"/>
+                      <a:tailEnd type="none" w="med" len="med"/>
                     </a:lnR>
-                    <a:lnT w="12700" cmpd="sng">
+                    <a:lnT w="12700" cap="flat" cmpd="sng" algn="ctr">
                       <a:solidFill>
                         <a:schemeClr val="tx1"/>
                       </a:solidFill>
                       <a:prstDash val="solid"/>
+                      <a:round/>
+                      <a:headEnd type="none" w="med" len="med"/>
+                      <a:tailEnd type="none" w="med" len="med"/>
                     </a:lnT>
                     <a:lnB w="12700" cmpd="sng">
                       <a:solidFill>
@@ -45167,23 +41644,32 @@
                     </a:p>
                   </a:txBody>
                   <a:tcPr>
-                    <a:lnL w="12700" cmpd="sng">
+                    <a:lnL w="12700" cap="flat" cmpd="sng" algn="ctr">
                       <a:solidFill>
                         <a:schemeClr val="tx1"/>
                       </a:solidFill>
                       <a:prstDash val="solid"/>
+                      <a:round/>
+                      <a:headEnd type="none" w="med" len="med"/>
+                      <a:tailEnd type="none" w="med" len="med"/>
                     </a:lnL>
-                    <a:lnR w="12700" cmpd="sng">
+                    <a:lnR w="12700" cap="flat" cmpd="sng" algn="ctr">
                       <a:solidFill>
                         <a:schemeClr val="tx1"/>
                       </a:solidFill>
                       <a:prstDash val="solid"/>
+                      <a:round/>
+                      <a:headEnd type="none" w="med" len="med"/>
+                      <a:tailEnd type="none" w="med" len="med"/>
                     </a:lnR>
-                    <a:lnT w="12700" cmpd="sng">
+                    <a:lnT w="12700" cap="flat" cmpd="sng" algn="ctr">
                       <a:solidFill>
                         <a:schemeClr val="tx1"/>
                       </a:solidFill>
                       <a:prstDash val="solid"/>
+                      <a:round/>
+                      <a:headEnd type="none" w="med" len="med"/>
+                      <a:tailEnd type="none" w="med" len="med"/>
                     </a:lnT>
                     <a:lnB w="12700" cmpd="sng">
                       <a:solidFill>
@@ -45203,23 +41689,32 @@
                     </a:p>
                   </a:txBody>
                   <a:tcPr>
-                    <a:lnL w="12700" cmpd="sng">
+                    <a:lnL w="12700" cap="flat" cmpd="sng" algn="ctr">
                       <a:solidFill>
                         <a:schemeClr val="tx1"/>
                       </a:solidFill>
                       <a:prstDash val="solid"/>
+                      <a:round/>
+                      <a:headEnd type="none" w="med" len="med"/>
+                      <a:tailEnd type="none" w="med" len="med"/>
                     </a:lnL>
-                    <a:lnR w="12700" cmpd="sng">
+                    <a:lnR w="12700" cap="flat" cmpd="sng" algn="ctr">
                       <a:solidFill>
                         <a:schemeClr val="tx1"/>
                       </a:solidFill>
                       <a:prstDash val="solid"/>
+                      <a:round/>
+                      <a:headEnd type="none" w="med" len="med"/>
+                      <a:tailEnd type="none" w="med" len="med"/>
                     </a:lnR>
-                    <a:lnT w="12700" cmpd="sng">
+                    <a:lnT w="12700" cap="flat" cmpd="sng" algn="ctr">
                       <a:solidFill>
                         <a:schemeClr val="tx1"/>
                       </a:solidFill>
                       <a:prstDash val="solid"/>
+                      <a:round/>
+                      <a:headEnd type="none" w="med" len="med"/>
+                      <a:tailEnd type="none" w="med" len="med"/>
                     </a:lnT>
                     <a:lnB w="12700" cmpd="sng">
                       <a:solidFill>
@@ -45239,11 +41734,14 @@
                     </a:p>
                   </a:txBody>
                   <a:tcPr>
-                    <a:lnL w="12700" cmpd="sng">
+                    <a:lnL w="12700" cap="flat" cmpd="sng" algn="ctr">
                       <a:solidFill>
                         <a:schemeClr val="tx1"/>
                       </a:solidFill>
                       <a:prstDash val="solid"/>
+                      <a:round/>
+                      <a:headEnd type="none" w="med" len="med"/>
+                      <a:tailEnd type="none" w="med" len="med"/>
                     </a:lnL>
                     <a:lnR w="12700" cmpd="sng">
                       <a:solidFill>
@@ -45251,11 +41749,14 @@
                       </a:solidFill>
                       <a:prstDash val="solid"/>
                     </a:lnR>
-                    <a:lnT w="12700" cmpd="sng">
+                    <a:lnT w="12700" cap="flat" cmpd="sng" algn="ctr">
                       <a:solidFill>
                         <a:schemeClr val="tx1"/>
                       </a:solidFill>
                       <a:prstDash val="solid"/>
+                      <a:round/>
+                      <a:headEnd type="none" w="med" len="med"/>
+                      <a:tailEnd type="none" w="med" len="med"/>
                     </a:lnT>
                     <a:lnB w="12700" cmpd="sng">
                       <a:solidFill>
@@ -45272,7 +41773,7 @@
                   </a:ext>
                 </a:extLst>
               </a:tr>
-              <a:tr h="640080">
+              <a:tr h="391159">
                 <a:tc>
                   <a:txBody>
                     <a:bodyPr/>
@@ -45282,7 +41783,7 @@
                         <a:buNone/>
                       </a:pPr>
                       <a:r>
-                        <a:rPr lang="en-US" altLang="zh-TW" sz="1900">
+                        <a:rPr lang="en-US" altLang="zh-TW" sz="1900" dirty="0">
                           <a:solidFill>
                             <a:schemeClr val="tx1"/>
                           </a:solidFill>
@@ -45290,7 +41791,7 @@
                         </a:rPr>
                         <a:t>01~02 pm</a:t>
                       </a:r>
-                      <a:endParaRPr lang="zh-TW" altLang="en-US">
+                      <a:endParaRPr lang="zh-TW" altLang="en-US" dirty="0">
                         <a:solidFill>
                           <a:schemeClr val="tx1"/>
                         </a:solidFill>
@@ -45327,46 +41828,61 @@
                     </a:solidFill>
                   </a:tcPr>
                 </a:tc>
-                <a:tc>
+                <a:tc rowSpan="4">
                   <a:txBody>
                     <a:bodyPr/>
                     <a:lstStyle/>
                     <a:p>
-                      <a:pPr indent="0">
+                      <a:pPr>
+                        <a:buNone/>
+                      </a:pPr>
+                      <a:endParaRPr lang="en-US" altLang="zh-TW" sz="1200" dirty="0">
+                        <a:solidFill>
+                          <a:schemeClr val="tx1"/>
+                        </a:solidFill>
+                      </a:endParaRPr>
+                    </a:p>
+                    <a:p>
+                      <a:pPr>
+                        <a:buNone/>
+                      </a:pPr>
+                      <a:endParaRPr lang="en-US" altLang="zh-TW" sz="1200" dirty="0">
+                        <a:solidFill>
+                          <a:schemeClr val="tx1"/>
+                        </a:solidFill>
+                      </a:endParaRPr>
+                    </a:p>
+                    <a:p>
+                      <a:pPr>
+                        <a:buNone/>
+                      </a:pPr>
+                      <a:endParaRPr lang="en-US" altLang="zh-TW" sz="1200" dirty="0">
+                        <a:solidFill>
+                          <a:schemeClr val="tx1"/>
+                        </a:solidFill>
+                      </a:endParaRPr>
+                    </a:p>
+                    <a:p>
+                      <a:pPr>
+                        <a:buNone/>
+                      </a:pPr>
+                      <a:endParaRPr lang="en-US" altLang="zh-TW" sz="1200" dirty="0">
+                        <a:solidFill>
+                          <a:schemeClr val="tx1"/>
+                        </a:solidFill>
+                      </a:endParaRPr>
+                    </a:p>
+                    <a:p>
+                      <a:pPr>
                         <a:buNone/>
                       </a:pPr>
                       <a:r>
-                        <a:rPr lang="en-US" sz="1200">
-                          <a:solidFill>
-                            <a:srgbClr val="000000"/>
-                          </a:solidFill>
-                          <a:ea typeface="微軟正黑體" panose="020B0604030504040204" pitchFamily="34" charset="-120"/>
-                          <a:cs typeface="+mn-lt"/>
-                          <a:sym typeface="+mn-ea"/>
-                        </a:rPr>
-                        <a:t>Tracing event code:</a:t>
-                      </a:r>
-                      <a:endParaRPr lang="en-US" sz="1200" b="0">
-                        <a:solidFill>
-                          <a:srgbClr val="000000"/>
-                        </a:solidFill>
-                        <a:ea typeface="微軟正黑體" panose="020B0604030504040204" pitchFamily="34" charset="-120"/>
-                        <a:cs typeface="+mn-lt"/>
-                      </a:endParaRPr>
-                    </a:p>
-                    <a:p>
-                      <a:pPr indent="0">
-                        <a:buFont typeface="+mj-lt"/>
-                        <a:buNone/>
-                      </a:pPr>
-                      <a:r>
-                        <a:rPr lang="en-GB" altLang="zh-TW" sz="1200" dirty="0">
+                        <a:rPr lang="en-US" altLang="zh-TW" sz="1200" dirty="0">
                           <a:solidFill>
                             <a:schemeClr val="tx1"/>
                           </a:solidFill>
-                          <a:sym typeface="+mn-ea"/>
                         </a:rPr>
-                        <a:t>EVT_RLC_REQ_FLW_CTRL_INFO</a:t>
+                        <a:t>Weekly Meeting</a:t>
                       </a:r>
                     </a:p>
                   </a:txBody>
@@ -45406,7 +41922,7 @@
                       <a:pPr indent="0">
                         <a:buNone/>
                       </a:pPr>
-                      <a:endParaRPr lang="en-US" sz="1200">
+                      <a:endParaRPr lang="en-US" sz="1200" dirty="0">
                         <a:solidFill>
                           <a:srgbClr val="000000"/>
                         </a:solidFill>
@@ -45419,7 +41935,7 @@
                       <a:pPr indent="0">
                         <a:buNone/>
                       </a:pPr>
-                      <a:endParaRPr lang="en-US" sz="1200">
+                      <a:endParaRPr lang="en-US" sz="1200" dirty="0">
                         <a:solidFill>
                           <a:srgbClr val="000000"/>
                         </a:solidFill>
@@ -45432,7 +41948,7 @@
                       <a:pPr indent="0">
                         <a:buNone/>
                       </a:pPr>
-                      <a:endParaRPr lang="en-US" sz="1200">
+                      <a:endParaRPr lang="en-US" sz="1200" dirty="0">
                         <a:solidFill>
                           <a:srgbClr val="000000"/>
                         </a:solidFill>
@@ -45442,10 +41958,24 @@
                       </a:endParaRPr>
                     </a:p>
                     <a:p>
-                      <a:pPr indent="0">
+                      <a:pPr marL="0" marR="0" lvl="0" indent="0" algn="l" defTabSz="974090" rtl="0" eaLnBrk="1" fontAlgn="auto" latinLnBrk="0" hangingPunct="1">
+                        <a:lnSpc>
+                          <a:spcPct val="100000"/>
+                        </a:lnSpc>
+                        <a:spcBef>
+                          <a:spcPts val="0"/>
+                        </a:spcBef>
+                        <a:spcAft>
+                          <a:spcPts val="0"/>
+                        </a:spcAft>
+                        <a:buClrTx/>
+                        <a:buSzTx/>
+                        <a:buFontTx/>
                         <a:buNone/>
+                        <a:tabLst/>
+                        <a:defRPr/>
                       </a:pPr>
-                      <a:endParaRPr lang="en-US" sz="1200">
+                      <a:endParaRPr lang="en-US" altLang="zh-TW" sz="1200" dirty="0">
                         <a:solidFill>
                           <a:srgbClr val="000000"/>
                         </a:solidFill>
@@ -45455,11 +41985,25 @@
                       </a:endParaRPr>
                     </a:p>
                     <a:p>
-                      <a:pPr indent="0">
+                      <a:pPr marL="0" marR="0" lvl="0" indent="0" algn="l" defTabSz="974090" rtl="0" eaLnBrk="1" fontAlgn="auto" latinLnBrk="0" hangingPunct="1">
+                        <a:lnSpc>
+                          <a:spcPct val="100000"/>
+                        </a:lnSpc>
+                        <a:spcBef>
+                          <a:spcPts val="0"/>
+                        </a:spcBef>
+                        <a:spcAft>
+                          <a:spcPts val="0"/>
+                        </a:spcAft>
+                        <a:buClrTx/>
+                        <a:buSzTx/>
+                        <a:buFontTx/>
                         <a:buNone/>
+                        <a:tabLst/>
+                        <a:defRPr/>
                       </a:pPr>
                       <a:r>
-                        <a:rPr lang="en-US" sz="1200">
+                        <a:rPr lang="en-US" altLang="zh-TW" sz="1200" dirty="0">
                           <a:solidFill>
                             <a:srgbClr val="000000"/>
                           </a:solidFill>
@@ -45467,31 +42011,199 @@
                           <a:cs typeface="+mn-lt"/>
                           <a:sym typeface="+mn-ea"/>
                         </a:rPr>
-                        <a:t>Tracing event code:</a:t>
+                        <a:t>Tracing event code</a:t>
                       </a:r>
-                      <a:endParaRPr lang="en-US" sz="1200" b="0">
+                    </a:p>
+                    <a:p>
+                      <a:pPr marL="0" marR="0" lvl="0" indent="0" algn="l" defTabSz="974090" rtl="0" eaLnBrk="1" fontAlgn="auto" latinLnBrk="0" hangingPunct="1">
+                        <a:lnSpc>
+                          <a:spcPct val="100000"/>
+                        </a:lnSpc>
+                        <a:spcBef>
+                          <a:spcPts val="0"/>
+                        </a:spcBef>
+                        <a:spcAft>
+                          <a:spcPts val="0"/>
+                        </a:spcAft>
+                        <a:buClrTx/>
+                        <a:buSzTx/>
+                        <a:buFontTx/>
+                        <a:buNone/>
+                        <a:tabLst/>
+                        <a:defRPr/>
+                      </a:pPr>
+                      <a:r>
+                        <a:rPr lang="en-US" altLang="zh-TW" sz="1200" dirty="0">
+                          <a:solidFill>
+                            <a:srgbClr val="000000"/>
+                          </a:solidFill>
+                          <a:ea typeface="微軟正黑體" panose="020B0604030504040204" pitchFamily="34" charset="-120"/>
+                          <a:cs typeface="+mn-lt"/>
+                          <a:sym typeface="+mn-ea"/>
+                        </a:rPr>
+                        <a:t>(non real time task)</a:t>
+                      </a:r>
+                      <a:endParaRPr lang="en-US" altLang="zh-TW" sz="1200" dirty="0">
+                        <a:solidFill>
+                          <a:schemeClr val="tx1"/>
+                        </a:solidFill>
+                      </a:endParaRPr>
+                    </a:p>
+                    <a:p>
+                      <a:pPr marL="0" marR="0" lvl="0" indent="0" algn="l" defTabSz="974090" rtl="0" eaLnBrk="1" fontAlgn="auto" latinLnBrk="0" hangingPunct="1">
+                        <a:lnSpc>
+                          <a:spcPct val="100000"/>
+                        </a:lnSpc>
+                        <a:spcBef>
+                          <a:spcPts val="0"/>
+                        </a:spcBef>
+                        <a:spcAft>
+                          <a:spcPts val="0"/>
+                        </a:spcAft>
+                        <a:buClrTx/>
+                        <a:buSzTx/>
+                        <a:buFontTx/>
+                        <a:buNone/>
+                        <a:tabLst/>
+                        <a:defRPr/>
+                      </a:pPr>
+                      <a:endParaRPr lang="en-US" altLang="zh-TW" sz="1200" dirty="0">
+                        <a:solidFill>
+                          <a:schemeClr val="tx1"/>
+                        </a:solidFill>
+                      </a:endParaRPr>
+                    </a:p>
+                    <a:p>
+                      <a:pPr indent="0">
+                        <a:buNone/>
+                      </a:pPr>
+                      <a:endParaRPr lang="en-US" sz="1200" dirty="0">
                         <a:solidFill>
                           <a:srgbClr val="000000"/>
                         </a:solidFill>
                         <a:ea typeface="微軟正黑體" panose="020B0604030504040204" pitchFamily="34" charset="-120"/>
                         <a:cs typeface="+mn-lt"/>
+                        <a:sym typeface="+mn-ea"/>
+                      </a:endParaRPr>
+                    </a:p>
+                  </a:txBody>
+                  <a:tcPr>
+                    <a:lnL w="12700" cmpd="sng">
+                      <a:solidFill>
+                        <a:schemeClr val="tx1"/>
+                      </a:solidFill>
+                      <a:prstDash val="solid"/>
+                    </a:lnL>
+                    <a:lnR w="12700" cmpd="sng">
+                      <a:solidFill>
+                        <a:schemeClr val="tx1"/>
+                      </a:solidFill>
+                      <a:prstDash val="solid"/>
+                    </a:lnR>
+                    <a:lnT w="12700" cmpd="sng">
+                      <a:solidFill>
+                        <a:schemeClr val="tx1"/>
+                      </a:solidFill>
+                      <a:prstDash val="solid"/>
+                    </a:lnT>
+                    <a:lnB w="12700" cmpd="sng">
+                      <a:solidFill>
+                        <a:schemeClr val="tx1"/>
+                      </a:solidFill>
+                      <a:prstDash val="solid"/>
+                    </a:lnB>
+                    <a:noFill/>
+                  </a:tcPr>
+                </a:tc>
+                <a:tc rowSpan="5">
+                  <a:txBody>
+                    <a:bodyPr/>
+                    <a:lstStyle/>
+                    <a:p>
+                      <a:pPr>
+                        <a:buNone/>
+                      </a:pPr>
+                      <a:endParaRPr lang="en-US" altLang="zh-TW" sz="1200" dirty="0">
+                        <a:solidFill>
+                          <a:srgbClr val="000000"/>
+                        </a:solidFill>
+                        <a:ea typeface="微軟正黑體" panose="020B0604030504040204" pitchFamily="34" charset="-120"/>
+                        <a:sym typeface="新細明體" panose="02020500000000000000" pitchFamily="2" charset="-122"/>
                       </a:endParaRPr>
                     </a:p>
                     <a:p>
-                      <a:pPr indent="0">
-                        <a:buFont typeface="+mj-lt"/>
+                      <a:pPr>
+                        <a:buNone/>
+                      </a:pPr>
+                      <a:endParaRPr lang="en-US" altLang="zh-TW" sz="1200" dirty="0">
+                        <a:solidFill>
+                          <a:srgbClr val="000000"/>
+                        </a:solidFill>
+                        <a:ea typeface="微軟正黑體" panose="020B0604030504040204" pitchFamily="34" charset="-120"/>
+                        <a:sym typeface="新細明體" panose="02020500000000000000" pitchFamily="2" charset="-122"/>
+                      </a:endParaRPr>
+                    </a:p>
+                    <a:p>
+                      <a:pPr>
+                        <a:buNone/>
+                      </a:pPr>
+                      <a:endParaRPr lang="en-US" altLang="en-US" sz="1200" b="0" dirty="0">
+                        <a:solidFill>
+                          <a:srgbClr val="000000"/>
+                        </a:solidFill>
+                        <a:ea typeface="微軟正黑體" panose="020B0604030504040204" pitchFamily="34" charset="-120"/>
+                        <a:sym typeface="新細明體" panose="02020500000000000000" pitchFamily="2" charset="-122"/>
+                      </a:endParaRPr>
+                    </a:p>
+                    <a:p>
+                      <a:pPr>
+                        <a:buNone/>
+                      </a:pPr>
+                      <a:endParaRPr lang="en-US" altLang="zh-TW" sz="1200" dirty="0">
+                        <a:solidFill>
+                          <a:schemeClr val="tx1"/>
+                        </a:solidFill>
+                      </a:endParaRPr>
+                    </a:p>
+                    <a:p>
+                      <a:pPr>
                         <a:buNone/>
                       </a:pPr>
                       <a:r>
-                        <a:rPr lang="en-GB" altLang="zh-TW" sz="1200" dirty="0">
+                        <a:rPr lang="en-US" sz="1200" dirty="0">
                           <a:solidFill>
-                            <a:schemeClr val="tx1"/>
+                            <a:srgbClr val="000000"/>
                           </a:solidFill>
+                          <a:ea typeface="微軟正黑體" panose="020B0604030504040204" pitchFamily="34" charset="-120"/>
+                          <a:cs typeface="+mn-lt"/>
                           <a:sym typeface="+mn-ea"/>
                         </a:rPr>
-                        <a:t>EVT_NRUP_EGTPU_INDICATION</a:t>
+                        <a:t>Get event logs from Viavi</a:t>
                       </a:r>
-                      <a:endParaRPr lang="zh-TW" altLang="en-US" sz="1200">
+                      <a:endParaRPr lang="en-US" altLang="en-US" sz="1200" b="0" dirty="0">
+                        <a:solidFill>
+                          <a:srgbClr val="000000"/>
+                        </a:solidFill>
+                        <a:ea typeface="微軟正黑體" panose="020B0604030504040204" pitchFamily="34" charset="-120"/>
+                        <a:cs typeface="+mn-lt"/>
+                        <a:sym typeface="+mn-ea"/>
+                      </a:endParaRPr>
+                    </a:p>
+                    <a:p>
+                      <a:pPr>
+                        <a:buNone/>
+                      </a:pPr>
+                      <a:endParaRPr lang="en-US" altLang="zh-TW" sz="1200" dirty="0">
+                        <a:solidFill>
+                          <a:schemeClr val="tx1"/>
+                        </a:solidFill>
+                      </a:endParaRPr>
+                    </a:p>
+                    <a:p>
+                      <a:pPr>
+                        <a:buNone/>
+                      </a:pPr>
+                      <a:endParaRPr lang="zh-TW" altLang="en-US" sz="1200" dirty="0">
                         <a:solidFill>
                           <a:schemeClr val="tx1"/>
                         </a:solidFill>
@@ -45534,64 +42246,20 @@
                       <a:pPr>
                         <a:buNone/>
                       </a:pPr>
-                      <a:endParaRPr lang="en-US" altLang="zh-TW" sz="1200">
+                      <a:endParaRPr lang="en-US" sz="1200" dirty="0">
                         <a:solidFill>
-                          <a:srgbClr val="000000"/>
+                          <a:schemeClr val="tx1"/>
                         </a:solidFill>
                         <a:ea typeface="微軟正黑體" panose="020B0604030504040204" pitchFamily="34" charset="-120"/>
-                        <a:sym typeface="新細明體" panose="02020500000000000000" pitchFamily="2" charset="-122"/>
+                        <a:cs typeface="+mn-lt"/>
+                        <a:sym typeface="+mn-ea"/>
                       </a:endParaRPr>
                     </a:p>
                     <a:p>
                       <a:pPr>
                         <a:buNone/>
                       </a:pPr>
-                      <a:endParaRPr lang="en-US" altLang="zh-TW" sz="1200">
-                        <a:solidFill>
-                          <a:srgbClr val="000000"/>
-                        </a:solidFill>
-                        <a:ea typeface="微軟正黑體" panose="020B0604030504040204" pitchFamily="34" charset="-120"/>
-                        <a:sym typeface="新細明體" panose="02020500000000000000" pitchFamily="2" charset="-122"/>
-                      </a:endParaRPr>
-                    </a:p>
-                    <a:p>
-                      <a:pPr>
-                        <a:buNone/>
-                      </a:pPr>
-                      <a:endParaRPr lang="en-US" altLang="en-US" sz="1900" b="0">
-                        <a:solidFill>
-                          <a:srgbClr val="000000"/>
-                        </a:solidFill>
-                        <a:ea typeface="微軟正黑體" panose="020B0604030504040204" pitchFamily="34" charset="-120"/>
-                        <a:sym typeface="新細明體" panose="02020500000000000000" pitchFamily="2" charset="-122"/>
-                      </a:endParaRPr>
-                    </a:p>
-                    <a:p>
-                      <a:pPr>
-                        <a:buNone/>
-                      </a:pPr>
-                      <a:endParaRPr lang="en-US" altLang="zh-TW" sz="1900">
-                        <a:solidFill>
-                          <a:schemeClr val="tx1"/>
-                        </a:solidFill>
-                      </a:endParaRPr>
-                    </a:p>
-                    <a:p>
-                      <a:pPr>
-                        <a:buNone/>
-                      </a:pPr>
-                      <a:r>
-                        <a:rPr lang="en-US" sz="1200">
-                          <a:solidFill>
-                            <a:srgbClr val="000000"/>
-                          </a:solidFill>
-                          <a:ea typeface="微軟正黑體" panose="020B0604030504040204" pitchFamily="34" charset="-120"/>
-                          <a:cs typeface="+mn-lt"/>
-                          <a:sym typeface="+mn-ea"/>
-                        </a:rPr>
-                        <a:t>Get event logs from Viavi</a:t>
-                      </a:r>
-                      <a:endParaRPr lang="en-US" altLang="en-US" sz="1200" b="0">
+                      <a:endParaRPr lang="en-US" sz="1200" dirty="0">
                         <a:solidFill>
                           <a:srgbClr val="000000"/>
                         </a:solidFill>
@@ -45604,73 +42272,7 @@
                       <a:pPr>
                         <a:buNone/>
                       </a:pPr>
-                      <a:endParaRPr lang="en-US" altLang="zh-TW" sz="1200">
-                        <a:solidFill>
-                          <a:schemeClr val="tx1"/>
-                        </a:solidFill>
-                      </a:endParaRPr>
-                    </a:p>
-                    <a:p>
-                      <a:pPr>
-                        <a:buNone/>
-                      </a:pPr>
-                      <a:endParaRPr lang="zh-TW" altLang="en-US" sz="1200">
-                        <a:solidFill>
-                          <a:schemeClr val="tx1"/>
-                        </a:solidFill>
-                      </a:endParaRPr>
-                    </a:p>
-                  </a:txBody>
-                  <a:tcPr>
-                    <a:lnL w="12700" cmpd="sng">
-                      <a:solidFill>
-                        <a:schemeClr val="tx1"/>
-                      </a:solidFill>
-                      <a:prstDash val="solid"/>
-                    </a:lnL>
-                    <a:lnR w="12700" cmpd="sng">
-                      <a:solidFill>
-                        <a:schemeClr val="tx1"/>
-                      </a:solidFill>
-                      <a:prstDash val="solid"/>
-                    </a:lnR>
-                    <a:lnT w="12700" cmpd="sng">
-                      <a:solidFill>
-                        <a:schemeClr val="tx1"/>
-                      </a:solidFill>
-                      <a:prstDash val="solid"/>
-                    </a:lnT>
-                    <a:lnB w="12700" cmpd="sng">
-                      <a:solidFill>
-                        <a:schemeClr val="tx1"/>
-                      </a:solidFill>
-                      <a:prstDash val="solid"/>
-                    </a:lnB>
-                    <a:noFill/>
-                  </a:tcPr>
-                </a:tc>
-                <a:tc rowSpan="5">
-                  <a:txBody>
-                    <a:bodyPr/>
-                    <a:lstStyle/>
-                    <a:p>
-                      <a:pPr>
-                        <a:buNone/>
-                      </a:pPr>
-                      <a:endParaRPr lang="en-US" sz="1200">
-                        <a:solidFill>
-                          <a:schemeClr val="tx1"/>
-                        </a:solidFill>
-                        <a:ea typeface="微軟正黑體" panose="020B0604030504040204" pitchFamily="34" charset="-120"/>
-                        <a:cs typeface="+mn-lt"/>
-                        <a:sym typeface="+mn-ea"/>
-                      </a:endParaRPr>
-                    </a:p>
-                    <a:p>
-                      <a:pPr>
-                        <a:buNone/>
-                      </a:pPr>
-                      <a:endParaRPr lang="en-US" sz="1200">
+                      <a:endParaRPr lang="en-US" sz="1200" dirty="0">
                         <a:solidFill>
                           <a:srgbClr val="000000"/>
                         </a:solidFill>
@@ -45683,33 +42285,7 @@
                       <a:pPr>
                         <a:buNone/>
                       </a:pPr>
-                      <a:endParaRPr lang="en-US" sz="1200">
-                        <a:solidFill>
-                          <a:srgbClr val="000000"/>
-                        </a:solidFill>
-                        <a:ea typeface="微軟正黑體" panose="020B0604030504040204" pitchFamily="34" charset="-120"/>
-                        <a:cs typeface="+mn-lt"/>
-                        <a:sym typeface="+mn-ea"/>
-                      </a:endParaRPr>
-                    </a:p>
-                    <a:p>
-                      <a:pPr>
-                        <a:buNone/>
-                      </a:pPr>
-                      <a:endParaRPr lang="en-US" sz="1200">
-                        <a:solidFill>
-                          <a:srgbClr val="000000"/>
-                        </a:solidFill>
-                        <a:ea typeface="微軟正黑體" panose="020B0604030504040204" pitchFamily="34" charset="-120"/>
-                        <a:cs typeface="+mn-lt"/>
-                        <a:sym typeface="+mn-ea"/>
-                      </a:endParaRPr>
-                    </a:p>
-                    <a:p>
-                      <a:pPr>
-                        <a:buNone/>
-                      </a:pPr>
-                      <a:endParaRPr lang="en-US" sz="1200">
+                      <a:endParaRPr lang="en-US" sz="1200" dirty="0">
                         <a:solidFill>
                           <a:srgbClr val="000000"/>
                         </a:solidFill>
@@ -45723,7 +42299,7 @@
                         <a:buNone/>
                       </a:pPr>
                       <a:r>
-                        <a:rPr lang="en-US" sz="1200">
+                        <a:rPr lang="en-US" sz="1200" dirty="0">
                           <a:solidFill>
                             <a:srgbClr val="000000"/>
                           </a:solidFill>
@@ -45733,7 +42309,7 @@
                         </a:rPr>
                         <a:t>Get event logs from Viavi</a:t>
                       </a:r>
-                      <a:endParaRPr lang="en-US" altLang="en-US" sz="1200" b="0">
+                      <a:endParaRPr lang="en-US" altLang="en-US" sz="1200" b="0" dirty="0">
                         <a:solidFill>
                           <a:srgbClr val="000000"/>
                         </a:solidFill>
@@ -45746,7 +42322,7 @@
                       <a:pPr>
                         <a:buNone/>
                       </a:pPr>
-                      <a:endParaRPr lang="en-US" altLang="zh-TW" sz="1200">
+                      <a:endParaRPr lang="en-US" altLang="zh-TW" sz="1200" dirty="0">
                         <a:solidFill>
                           <a:schemeClr val="tx1"/>
                         </a:solidFill>
@@ -45788,11 +42364,14 @@
                       </a:solidFill>
                       <a:prstDash val="solid"/>
                     </a:lnR>
-                    <a:lnT w="12700" cmpd="sng">
+                    <a:lnT w="12700" cap="flat" cmpd="sng" algn="ctr">
                       <a:solidFill>
                         <a:schemeClr val="tx1"/>
                       </a:solidFill>
                       <a:prstDash val="solid"/>
+                      <a:round/>
+                      <a:headEnd type="none" w="med" len="med"/>
+                      <a:tailEnd type="none" w="med" len="med"/>
                     </a:lnT>
                     <a:lnB w="12700" cmpd="sng">
                       <a:solidFill>
@@ -45803,12 +42382,97 @@
                     <a:noFill/>
                   </a:tcPr>
                 </a:tc>
-                <a:tc vMerge="1">
+                <a:tc rowSpan="5">
                   <a:txBody>
                     <a:bodyPr/>
                     <a:lstStyle/>
                     <a:p>
-                      <a:endParaRPr lang="zh-TW"/>
+                      <a:pPr>
+                        <a:buNone/>
+                      </a:pPr>
+                      <a:endParaRPr lang="en-US" altLang="zh-TW" sz="1200" dirty="0">
+                        <a:solidFill>
+                          <a:schemeClr val="tx1"/>
+                        </a:solidFill>
+                      </a:endParaRPr>
+                    </a:p>
+                    <a:p>
+                      <a:pPr>
+                        <a:buNone/>
+                      </a:pPr>
+                      <a:endParaRPr lang="en-US" altLang="zh-TW" sz="1200" dirty="0">
+                        <a:solidFill>
+                          <a:schemeClr val="tx1"/>
+                        </a:solidFill>
+                      </a:endParaRPr>
+                    </a:p>
+                    <a:p>
+                      <a:pPr>
+                        <a:buNone/>
+                      </a:pPr>
+                      <a:endParaRPr lang="en-US" altLang="zh-TW" sz="1200" dirty="0">
+                        <a:solidFill>
+                          <a:schemeClr val="tx1"/>
+                        </a:solidFill>
+                      </a:endParaRPr>
+                    </a:p>
+                    <a:p>
+                      <a:pPr>
+                        <a:buNone/>
+                      </a:pPr>
+                      <a:endParaRPr lang="en-US" altLang="zh-TW" sz="1200" dirty="0">
+                        <a:solidFill>
+                          <a:schemeClr val="tx1"/>
+                        </a:solidFill>
+                      </a:endParaRPr>
+                    </a:p>
+                    <a:p>
+                      <a:pPr marL="0" marR="0" lvl="0" indent="0" algn="l" defTabSz="974090" rtl="0" eaLnBrk="1" fontAlgn="auto" latinLnBrk="0" hangingPunct="1">
+                        <a:lnSpc>
+                          <a:spcPct val="100000"/>
+                        </a:lnSpc>
+                        <a:spcBef>
+                          <a:spcPts val="0"/>
+                        </a:spcBef>
+                        <a:spcAft>
+                          <a:spcPts val="0"/>
+                        </a:spcAft>
+                        <a:buClrTx/>
+                        <a:buSzTx/>
+                        <a:buFontTx/>
+                        <a:buNone/>
+                        <a:tabLst/>
+                        <a:defRPr/>
+                      </a:pPr>
+                      <a:r>
+                        <a:rPr lang="en-US" altLang="zh-TW" sz="1200" dirty="0">
+                          <a:solidFill>
+                            <a:srgbClr val="000000"/>
+                          </a:solidFill>
+                          <a:ea typeface="微軟正黑體" panose="020B0604030504040204" pitchFamily="34" charset="-120"/>
+                          <a:cs typeface="+mn-lt"/>
+                          <a:sym typeface="+mn-ea"/>
+                        </a:rPr>
+                        <a:t>Get event logs from Viavi</a:t>
+                      </a:r>
+                      <a:endParaRPr lang="en-US" altLang="en-US" sz="1200" b="0" dirty="0">
+                        <a:solidFill>
+                          <a:srgbClr val="000000"/>
+                        </a:solidFill>
+                        <a:ea typeface="微軟正黑體" panose="020B0604030504040204" pitchFamily="34" charset="-120"/>
+                        <a:cs typeface="+mn-lt"/>
+                        <a:sym typeface="+mn-ea"/>
+                      </a:endParaRPr>
+                    </a:p>
+                    <a:p>
+                      <a:pPr>
+                        <a:buNone/>
+                      </a:pPr>
+                      <a:endParaRPr lang="zh-TW" altLang="en-US" sz="1200" dirty="0">
+                        <a:solidFill>
+                          <a:schemeClr val="tx1"/>
+                        </a:solidFill>
+                      </a:endParaRPr>
                     </a:p>
                   </a:txBody>
                   <a:tcPr>
@@ -45824,11 +42488,14 @@
                       </a:solidFill>
                       <a:prstDash val="solid"/>
                     </a:lnR>
-                    <a:lnT w="12700" cmpd="sng">
+                    <a:lnT w="12700" cap="flat" cmpd="sng" algn="ctr">
                       <a:solidFill>
                         <a:schemeClr val="tx1"/>
                       </a:solidFill>
                       <a:prstDash val="solid"/>
+                      <a:round/>
+                      <a:headEnd type="none" w="med" len="med"/>
+                      <a:tailEnd type="none" w="med" len="med"/>
                     </a:lnT>
                     <a:lnB w="12700" cmpd="sng">
                       <a:solidFill>
@@ -45845,7 +42512,7 @@
                   </a:ext>
                 </a:extLst>
               </a:tr>
-              <a:tr h="266700">
+              <a:tr h="287785">
                 <a:tc>
                   <a:txBody>
                     <a:bodyPr/>
@@ -45855,7 +42522,7 @@
                         <a:buNone/>
                       </a:pPr>
                       <a:r>
-                        <a:rPr lang="en-US" altLang="zh-TW" sz="1900">
+                        <a:rPr lang="en-US" altLang="zh-TW" sz="1900" dirty="0">
                           <a:solidFill>
                             <a:schemeClr val="tx1"/>
                           </a:solidFill>
@@ -45863,7 +42530,7 @@
                         </a:rPr>
                         <a:t>02~03 pm</a:t>
                       </a:r>
-                      <a:endParaRPr lang="zh-TW" altLang="en-US">
+                      <a:endParaRPr lang="zh-TW" altLang="en-US" dirty="0">
                         <a:solidFill>
                           <a:schemeClr val="tx1"/>
                         </a:solidFill>
@@ -45900,7 +42567,112 @@
                     </a:solidFill>
                   </a:tcPr>
                 </a:tc>
-                <a:tc rowSpan="3">
+                <a:tc vMerge="1">
+                  <a:txBody>
+                    <a:bodyPr/>
+                    <a:lstStyle/>
+                    <a:p>
+                      <a:endParaRPr lang="zh-TW" altLang="en-US"/>
+                    </a:p>
+                  </a:txBody>
+                  <a:tcPr/>
+                </a:tc>
+                <a:tc vMerge="1">
+                  <a:txBody>
+                    <a:bodyPr/>
+                    <a:lstStyle/>
+                    <a:p>
+                      <a:pPr indent="0">
+                        <a:buNone/>
+                      </a:pPr>
+                      <a:endParaRPr lang="en-US" sz="1200" dirty="0">
+                        <a:solidFill>
+                          <a:srgbClr val="000000"/>
+                        </a:solidFill>
+                        <a:ea typeface="微軟正黑體" panose="020B0604030504040204" pitchFamily="34" charset="-120"/>
+                        <a:cs typeface="+mn-lt"/>
+                        <a:sym typeface="+mn-ea"/>
+                      </a:endParaRPr>
+                    </a:p>
+                  </a:txBody>
+                  <a:tcPr>
+                    <a:lnL w="12700" cap="flat" cmpd="sng" algn="ctr">
+                      <a:solidFill>
+                        <a:schemeClr val="tx1"/>
+                      </a:solidFill>
+                      <a:prstDash val="solid"/>
+                      <a:round/>
+                      <a:headEnd type="none" w="med" len="med"/>
+                      <a:tailEnd type="none" w="med" len="med"/>
+                    </a:lnL>
+                    <a:lnR w="12700" cap="flat" cmpd="sng" algn="ctr">
+                      <a:solidFill>
+                        <a:schemeClr val="tx1"/>
+                      </a:solidFill>
+                      <a:prstDash val="solid"/>
+                      <a:round/>
+                      <a:headEnd type="none" w="med" len="med"/>
+                      <a:tailEnd type="none" w="med" len="med"/>
+                    </a:lnR>
+                    <a:lnT w="12700" cap="flat" cmpd="sng" algn="ctr">
+                      <a:solidFill>
+                        <a:schemeClr val="tx1"/>
+                      </a:solidFill>
+                      <a:prstDash val="solid"/>
+                      <a:round/>
+                      <a:headEnd type="none" w="med" len="med"/>
+                      <a:tailEnd type="none" w="med" len="med"/>
+                    </a:lnT>
+                    <a:lnB w="12700" cap="flat" cmpd="sng" algn="ctr">
+                      <a:solidFill>
+                        <a:schemeClr val="tx1"/>
+                      </a:solidFill>
+                      <a:prstDash val="solid"/>
+                      <a:round/>
+                      <a:headEnd type="none" w="med" len="med"/>
+                      <a:tailEnd type="none" w="med" len="med"/>
+                    </a:lnB>
+                    <a:noFill/>
+                  </a:tcPr>
+                </a:tc>
+                <a:tc vMerge="1">
+                  <a:txBody>
+                    <a:bodyPr/>
+                    <a:lstStyle/>
+                    <a:p>
+                      <a:endParaRPr lang="zh-TW" altLang="en-US"/>
+                    </a:p>
+                  </a:txBody>
+                  <a:tcPr/>
+                </a:tc>
+                <a:tc vMerge="1">
+                  <a:txBody>
+                    <a:bodyPr/>
+                    <a:lstStyle/>
+                    <a:p>
+                      <a:endParaRPr lang="zh-TW" altLang="en-US"/>
+                    </a:p>
+                  </a:txBody>
+                  <a:tcPr/>
+                </a:tc>
+                <a:tc vMerge="1">
+                  <a:txBody>
+                    <a:bodyPr/>
+                    <a:lstStyle/>
+                    <a:p>
+                      <a:endParaRPr lang="zh-TW" altLang="en-US"/>
+                    </a:p>
+                  </a:txBody>
+                  <a:tcPr/>
+                </a:tc>
+                <a:extLst>
+                  <a:ext uri="{0D108BD9-81ED-4DB2-BD59-A6C34878D82A}">
+                    <a16:rowId xmlns:a16="http://schemas.microsoft.com/office/drawing/2014/main" val="4131501892"/>
+                  </a:ext>
+                </a:extLst>
+              </a:tr>
+              <a:tr h="424675">
+                <a:tc>
                   <a:txBody>
                     <a:bodyPr/>
                     <a:lstStyle/>
@@ -45908,34 +42680,20 @@
                       <a:pPr>
                         <a:buNone/>
                       </a:pPr>
-                      <a:endParaRPr lang="en-US" altLang="zh-TW" sz="1200">
+                      <a:r>
+                        <a:rPr lang="en-US" altLang="zh-TW" sz="1900" dirty="0">
+                          <a:solidFill>
+                            <a:schemeClr val="tx1"/>
+                          </a:solidFill>
+                          <a:sym typeface="+mn-ea"/>
+                        </a:rPr>
+                        <a:t>03~04 pm</a:t>
+                      </a:r>
+                      <a:endParaRPr lang="zh-TW" altLang="en-US" dirty="0">
                         <a:solidFill>
                           <a:schemeClr val="tx1"/>
                         </a:solidFill>
                       </a:endParaRPr>
-                    </a:p>
-                    <a:p>
-                      <a:pPr>
-                        <a:buNone/>
-                      </a:pPr>
-                      <a:endParaRPr lang="en-US" altLang="zh-TW" sz="1200">
-                        <a:solidFill>
-                          <a:schemeClr val="tx1"/>
-                        </a:solidFill>
-                      </a:endParaRPr>
-                    </a:p>
-                    <a:p>
-                      <a:pPr>
-                        <a:buNone/>
-                      </a:pPr>
-                      <a:r>
-                        <a:rPr lang="en-US" altLang="zh-TW" sz="1200">
-                          <a:solidFill>
-                            <a:schemeClr val="tx1"/>
-                          </a:solidFill>
-                        </a:rPr>
-                        <a:t>Weekly Meeting</a:t>
-                      </a:r>
                     </a:p>
                   </a:txBody>
                   <a:tcPr>
@@ -45963,7 +42721,9 @@
                       </a:solidFill>
                       <a:prstDash val="solid"/>
                     </a:lnB>
-                    <a:noFill/>
+                    <a:solidFill>
+                      <a:srgbClr val="DDEBF7"/>
+                    </a:solidFill>
                   </a:tcPr>
                 </a:tc>
                 <a:tc vMerge="1">
@@ -45971,7 +42731,37 @@
                     <a:bodyPr/>
                     <a:lstStyle/>
                     <a:p>
-                      <a:endParaRPr lang="zh-TW"/>
+                      <a:pPr>
+                        <a:buNone/>
+                      </a:pPr>
+                      <a:endParaRPr lang="en-US" altLang="zh-TW" sz="1200" dirty="0">
+                        <a:solidFill>
+                          <a:schemeClr val="tx1"/>
+                        </a:solidFill>
+                      </a:endParaRPr>
+                    </a:p>
+                    <a:p>
+                      <a:pPr>
+                        <a:buNone/>
+                      </a:pPr>
+                      <a:endParaRPr lang="en-US" altLang="zh-TW" sz="1200" dirty="0">
+                        <a:solidFill>
+                          <a:schemeClr val="tx1"/>
+                        </a:solidFill>
+                      </a:endParaRPr>
+                    </a:p>
+                    <a:p>
+                      <a:pPr>
+                        <a:buNone/>
+                      </a:pPr>
+                      <a:r>
+                        <a:rPr lang="en-US" altLang="zh-TW" sz="1200" dirty="0">
+                          <a:solidFill>
+                            <a:schemeClr val="tx1"/>
+                          </a:solidFill>
+                        </a:rPr>
+                        <a:t>Weekly Meeting</a:t>
+                      </a:r>
                     </a:p>
                   </a:txBody>
                   <a:tcPr>
@@ -45987,17 +42777,75 @@
                       </a:solidFill>
                       <a:prstDash val="solid"/>
                     </a:lnR>
-                    <a:lnT w="12700" cmpd="sng">
+                    <a:lnT w="12700" cap="flat" cmpd="sng" algn="ctr">
                       <a:solidFill>
                         <a:schemeClr val="tx1"/>
                       </a:solidFill>
                       <a:prstDash val="solid"/>
+                      <a:round/>
+                      <a:headEnd type="none" w="med" len="med"/>
+                      <a:tailEnd type="none" w="med" len="med"/>
                     </a:lnT>
-                    <a:lnB w="12700" cmpd="sng">
+                    <a:lnB w="12700" cap="flat" cmpd="sng" algn="ctr">
                       <a:solidFill>
                         <a:schemeClr val="tx1"/>
                       </a:solidFill>
                       <a:prstDash val="solid"/>
+                      <a:round/>
+                      <a:headEnd type="none" w="med" len="med"/>
+                      <a:tailEnd type="none" w="med" len="med"/>
+                    </a:lnB>
+                    <a:noFill/>
+                  </a:tcPr>
+                </a:tc>
+                <a:tc vMerge="1">
+                  <a:txBody>
+                    <a:bodyPr/>
+                    <a:lstStyle/>
+                    <a:p>
+                      <a:pPr indent="0">
+                        <a:buNone/>
+                      </a:pPr>
+                      <a:endParaRPr lang="en-US" sz="1200" dirty="0">
+                        <a:solidFill>
+                          <a:srgbClr val="000000"/>
+                        </a:solidFill>
+                        <a:ea typeface="微軟正黑體" panose="020B0604030504040204" pitchFamily="34" charset="-120"/>
+                        <a:cs typeface="+mn-lt"/>
+                        <a:sym typeface="+mn-ea"/>
+                      </a:endParaRPr>
+                    </a:p>
+                  </a:txBody>
+                  <a:tcPr>
+                    <a:lnL w="12700" cmpd="sng">
+                      <a:solidFill>
+                        <a:schemeClr val="tx1"/>
+                      </a:solidFill>
+                      <a:prstDash val="solid"/>
+                    </a:lnL>
+                    <a:lnR w="12700" cmpd="sng">
+                      <a:solidFill>
+                        <a:schemeClr val="tx1"/>
+                      </a:solidFill>
+                      <a:prstDash val="solid"/>
+                    </a:lnR>
+                    <a:lnT w="12700" cap="flat" cmpd="sng" algn="ctr">
+                      <a:solidFill>
+                        <a:schemeClr val="tx1"/>
+                      </a:solidFill>
+                      <a:prstDash val="solid"/>
+                      <a:round/>
+                      <a:headEnd type="none" w="med" len="med"/>
+                      <a:tailEnd type="none" w="med" len="med"/>
+                    </a:lnT>
+                    <a:lnB w="12700" cap="flat" cmpd="sng" algn="ctr">
+                      <a:solidFill>
+                        <a:schemeClr val="tx1"/>
+                      </a:solidFill>
+                      <a:prstDash val="solid"/>
+                      <a:round/>
+                      <a:headEnd type="none" w="med" len="med"/>
+                      <a:tailEnd type="none" w="med" len="med"/>
                     </a:lnB>
                     <a:noFill/>
                   </a:tcPr>
@@ -46116,7 +42964,7 @@
                   </a:ext>
                 </a:extLst>
               </a:tr>
-              <a:tr h="384175">
+              <a:tr h="360040">
                 <a:tc>
                   <a:txBody>
                     <a:bodyPr/>
@@ -46126,15 +42974,15 @@
                         <a:buNone/>
                       </a:pPr>
                       <a:r>
-                        <a:rPr lang="en-US" altLang="zh-TW" sz="1900">
+                        <a:rPr lang="en-US" altLang="zh-TW" sz="1900" dirty="0">
                           <a:solidFill>
                             <a:schemeClr val="tx1"/>
                           </a:solidFill>
                           <a:sym typeface="+mn-ea"/>
                         </a:rPr>
-                        <a:t>03~04 pm</a:t>
+                        <a:t>04~05 pm</a:t>
                       </a:r>
-                      <a:endParaRPr lang="zh-TW" altLang="en-US">
+                      <a:endParaRPr lang="zh-TW" altLang="en-US" dirty="0">
                         <a:solidFill>
                           <a:schemeClr val="tx1"/>
                         </a:solidFill>
@@ -46148,17 +42996,23 @@
                       </a:solidFill>
                       <a:prstDash val="solid"/>
                     </a:lnL>
-                    <a:lnR w="12700" cmpd="sng">
+                    <a:lnR w="12700" cap="flat" cmpd="sng" algn="ctr">
                       <a:solidFill>
                         <a:schemeClr val="tx1"/>
                       </a:solidFill>
                       <a:prstDash val="solid"/>
+                      <a:round/>
+                      <a:headEnd type="none" w="med" len="med"/>
+                      <a:tailEnd type="none" w="med" len="med"/>
                     </a:lnR>
-                    <a:lnT w="12700" cmpd="sng">
+                    <a:lnT w="12700" cap="flat" cmpd="sng" algn="ctr">
                       <a:solidFill>
                         <a:schemeClr val="tx1"/>
                       </a:solidFill>
                       <a:prstDash val="solid"/>
+                      <a:round/>
+                      <a:headEnd type="none" w="med" len="med"/>
+                      <a:tailEnd type="none" w="med" len="med"/>
                     </a:lnT>
                     <a:lnB w="12700" cmpd="sng">
                       <a:solidFill>
@@ -46176,33 +43030,75 @@
                     <a:bodyPr/>
                     <a:lstStyle/>
                     <a:p>
-                      <a:endParaRPr lang="zh-TW"/>
+                      <a:endParaRPr lang="zh-TW" altLang="en-US"/>
                     </a:p>
                   </a:txBody>
                   <a:tcPr>
-                    <a:lnL w="12700" cmpd="sng">
+                    <a:lnL w="12700" cap="flat" cmpd="sng" algn="ctr">
                       <a:solidFill>
                         <a:schemeClr val="tx1"/>
                       </a:solidFill>
                       <a:prstDash val="solid"/>
+                      <a:round/>
+                      <a:headEnd type="none" w="med" len="med"/>
+                      <a:tailEnd type="none" w="med" len="med"/>
                     </a:lnL>
-                    <a:lnR w="12700" cmpd="sng">
+                    <a:lnT w="12700" cap="flat" cmpd="sng" algn="ctr">
                       <a:solidFill>
                         <a:schemeClr val="tx1"/>
                       </a:solidFill>
                       <a:prstDash val="solid"/>
-                    </a:lnR>
-                    <a:lnT w="12700" cmpd="sng">
+                      <a:round/>
+                      <a:headEnd type="none" w="med" len="med"/>
+                      <a:tailEnd type="none" w="med" len="med"/>
+                    </a:lnT>
+                  </a:tcPr>
+                </a:tc>
+                <a:tc vMerge="1">
+                  <a:txBody>
+                    <a:bodyPr/>
+                    <a:lstStyle/>
+                    <a:p>
+                      <a:pPr indent="0">
+                        <a:buNone/>
+                      </a:pPr>
+                      <a:endParaRPr lang="en-US" sz="1200" dirty="0">
+                        <a:solidFill>
+                          <a:srgbClr val="000000"/>
+                        </a:solidFill>
+                        <a:ea typeface="微軟正黑體" panose="020B0604030504040204" pitchFamily="34" charset="-120"/>
+                        <a:cs typeface="+mn-lt"/>
+                        <a:sym typeface="+mn-ea"/>
+                      </a:endParaRPr>
+                    </a:p>
+                  </a:txBody>
+                  <a:tcPr>
+                    <a:lnR w="12700" cap="flat" cmpd="sng" algn="ctr">
                       <a:solidFill>
                         <a:schemeClr val="tx1"/>
                       </a:solidFill>
                       <a:prstDash val="solid"/>
-                    </a:lnT>
-                    <a:lnB w="12700" cmpd="sng">
+                      <a:round/>
+                      <a:headEnd type="none" w="med" len="med"/>
+                      <a:tailEnd type="none" w="med" len="med"/>
+                    </a:lnR>
+                    <a:lnT w="12700" cap="flat" cmpd="sng" algn="ctr">
                       <a:solidFill>
                         <a:schemeClr val="tx1"/>
                       </a:solidFill>
                       <a:prstDash val="solid"/>
+                      <a:round/>
+                      <a:headEnd type="none" w="med" len="med"/>
+                      <a:tailEnd type="none" w="med" len="med"/>
+                    </a:lnT>
+                    <a:lnB w="12700" cap="flat" cmpd="sng" algn="ctr">
+                      <a:solidFill>
+                        <a:schemeClr val="tx1"/>
+                      </a:solidFill>
+                      <a:prstDash val="solid"/>
+                      <a:round/>
+                      <a:headEnd type="none" w="med" len="med"/>
+                      <a:tailEnd type="none" w="med" len="med"/>
                     </a:lnB>
                     <a:noFill/>
                   </a:tcPr>
@@ -46212,35 +43108,28 @@
                     <a:bodyPr/>
                     <a:lstStyle/>
                     <a:p>
-                      <a:endParaRPr lang="zh-TW"/>
+                      <a:endParaRPr lang="zh-TW" altLang="en-US"/>
                     </a:p>
                   </a:txBody>
                   <a:tcPr>
-                    <a:lnL w="12700" cmpd="sng">
+                    <a:lnL w="12700" cap="flat" cmpd="sng" algn="ctr">
                       <a:solidFill>
                         <a:schemeClr val="tx1"/>
                       </a:solidFill>
                       <a:prstDash val="solid"/>
+                      <a:round/>
+                      <a:headEnd type="none" w="med" len="med"/>
+                      <a:tailEnd type="none" w="med" len="med"/>
                     </a:lnL>
-                    <a:lnR w="12700" cmpd="sng">
+                    <a:lnT w="12700" cap="flat" cmpd="sng" algn="ctr">
                       <a:solidFill>
                         <a:schemeClr val="tx1"/>
                       </a:solidFill>
                       <a:prstDash val="solid"/>
-                    </a:lnR>
-                    <a:lnT w="12700" cmpd="sng">
-                      <a:solidFill>
-                        <a:schemeClr val="tx1"/>
-                      </a:solidFill>
-                      <a:prstDash val="solid"/>
+                      <a:round/>
+                      <a:headEnd type="none" w="med" len="med"/>
+                      <a:tailEnd type="none" w="med" len="med"/>
                     </a:lnT>
-                    <a:lnB w="12700" cmpd="sng">
-                      <a:solidFill>
-                        <a:schemeClr val="tx1"/>
-                      </a:solidFill>
-                      <a:prstDash val="solid"/>
-                    </a:lnB>
-                    <a:noFill/>
                   </a:tcPr>
                 </a:tc>
                 <a:tc vMerge="1">
@@ -46248,35 +43137,19 @@
                     <a:bodyPr/>
                     <a:lstStyle/>
                     <a:p>
-                      <a:endParaRPr lang="zh-TW"/>
+                      <a:endParaRPr lang="zh-TW" altLang="en-US"/>
                     </a:p>
                   </a:txBody>
                   <a:tcPr>
-                    <a:lnL w="12700" cmpd="sng">
+                    <a:lnT w="12700" cap="flat" cmpd="sng" algn="ctr">
                       <a:solidFill>
                         <a:schemeClr val="tx1"/>
                       </a:solidFill>
                       <a:prstDash val="solid"/>
-                    </a:lnL>
-                    <a:lnR w="12700" cmpd="sng">
-                      <a:solidFill>
-                        <a:schemeClr val="tx1"/>
-                      </a:solidFill>
-                      <a:prstDash val="solid"/>
-                    </a:lnR>
-                    <a:lnT w="12700" cmpd="sng">
-                      <a:solidFill>
-                        <a:schemeClr val="tx1"/>
-                      </a:solidFill>
-                      <a:prstDash val="solid"/>
+                      <a:round/>
+                      <a:headEnd type="none" w="med" len="med"/>
+                      <a:tailEnd type="none" w="med" len="med"/>
                     </a:lnT>
-                    <a:lnB w="12700" cmpd="sng">
-                      <a:solidFill>
-                        <a:schemeClr val="tx1"/>
-                      </a:solidFill>
-                      <a:prstDash val="solid"/>
-                    </a:lnB>
-                    <a:noFill/>
                   </a:tcPr>
                 </a:tc>
                 <a:tc vMerge="1">
@@ -46284,365 +43157,28 @@
                     <a:bodyPr/>
                     <a:lstStyle/>
                     <a:p>
-                      <a:endParaRPr lang="zh-TW"/>
+                      <a:endParaRPr lang="zh-TW" altLang="en-US"/>
                     </a:p>
                   </a:txBody>
                   <a:tcPr>
-                    <a:lnL w="12700" cmpd="sng">
+                    <a:lnT w="12700" cap="flat" cmpd="sng" algn="ctr">
                       <a:solidFill>
                         <a:schemeClr val="tx1"/>
                       </a:solidFill>
                       <a:prstDash val="solid"/>
-                    </a:lnL>
-                    <a:lnR w="12700" cmpd="sng">
-                      <a:solidFill>
-                        <a:schemeClr val="tx1"/>
-                      </a:solidFill>
-                      <a:prstDash val="solid"/>
-                    </a:lnR>
-                    <a:lnT w="12700" cmpd="sng">
-                      <a:solidFill>
-                        <a:schemeClr val="tx1"/>
-                      </a:solidFill>
-                      <a:prstDash val="solid"/>
+                      <a:round/>
+                      <a:headEnd type="none" w="med" len="med"/>
+                      <a:tailEnd type="none" w="med" len="med"/>
                     </a:lnT>
-                    <a:lnB w="12700" cmpd="sng">
-                      <a:solidFill>
-                        <a:schemeClr val="tx1"/>
-                      </a:solidFill>
-                      <a:prstDash val="solid"/>
-                    </a:lnB>
-                    <a:noFill/>
-                  </a:tcPr>
-                </a:tc>
-                <a:tc rowSpan="3">
-                  <a:txBody>
-                    <a:bodyPr/>
-                    <a:lstStyle/>
-                    <a:p>
-                      <a:pPr>
-                        <a:buNone/>
-                      </a:pPr>
-                      <a:endParaRPr lang="en-US" sz="1200">
-                        <a:solidFill>
-                          <a:srgbClr val="000000"/>
-                        </a:solidFill>
-                        <a:ea typeface="微軟正黑體" panose="020B0604030504040204" pitchFamily="34" charset="-120"/>
-                        <a:cs typeface="+mn-lt"/>
-                        <a:sym typeface="+mn-ea"/>
-                      </a:endParaRPr>
-                    </a:p>
-                    <a:p>
-                      <a:pPr>
-                        <a:buNone/>
-                      </a:pPr>
-                      <a:endParaRPr lang="en-US" sz="1200">
-                        <a:solidFill>
-                          <a:srgbClr val="000000"/>
-                        </a:solidFill>
-                        <a:ea typeface="微軟正黑體" panose="020B0604030504040204" pitchFamily="34" charset="-120"/>
-                        <a:cs typeface="+mn-lt"/>
-                        <a:sym typeface="+mn-ea"/>
-                      </a:endParaRPr>
-                    </a:p>
-                    <a:p>
-                      <a:pPr>
-                        <a:buNone/>
-                      </a:pPr>
-                      <a:r>
-                        <a:rPr lang="en-US" sz="1200">
-                          <a:solidFill>
-                            <a:srgbClr val="000000"/>
-                          </a:solidFill>
-                          <a:ea typeface="微軟正黑體" panose="020B0604030504040204" pitchFamily="34" charset="-120"/>
-                          <a:cs typeface="+mn-lt"/>
-                          <a:sym typeface="+mn-ea"/>
-                        </a:rPr>
-                        <a:t>Make weekly report</a:t>
-                      </a:r>
-                      <a:endParaRPr lang="zh-TW" altLang="en-US" sz="1200">
-                        <a:solidFill>
-                          <a:schemeClr val="tx1"/>
-                        </a:solidFill>
-                      </a:endParaRPr>
-                    </a:p>
-                  </a:txBody>
-                  <a:tcPr>
-                    <a:lnL w="12700" cmpd="sng">
-                      <a:solidFill>
-                        <a:schemeClr val="tx1"/>
-                      </a:solidFill>
-                      <a:prstDash val="solid"/>
-                    </a:lnL>
-                    <a:lnR w="12700" cmpd="sng">
-                      <a:solidFill>
-                        <a:schemeClr val="tx1"/>
-                      </a:solidFill>
-                      <a:prstDash val="solid"/>
-                    </a:lnR>
-                    <a:lnT w="12700" cmpd="sng">
-                      <a:solidFill>
-                        <a:schemeClr val="tx1"/>
-                      </a:solidFill>
-                      <a:prstDash val="solid"/>
-                    </a:lnT>
-                    <a:lnB w="12700" cmpd="sng">
-                      <a:solidFill>
-                        <a:schemeClr val="tx1"/>
-                      </a:solidFill>
-                      <a:prstDash val="solid"/>
-                    </a:lnB>
-                    <a:noFill/>
                   </a:tcPr>
                 </a:tc>
                 <a:extLst>
                   <a:ext uri="{0D108BD9-81ED-4DB2-BD59-A6C34878D82A}">
-                    <a16:rowId xmlns:a16="http://schemas.microsoft.com/office/drawing/2014/main" val="10007"/>
+                    <a16:rowId xmlns:a16="http://schemas.microsoft.com/office/drawing/2014/main" val="2707036276"/>
                   </a:ext>
                 </a:extLst>
               </a:tr>
-              <a:tr h="384175">
-                <a:tc>
-                  <a:txBody>
-                    <a:bodyPr/>
-                    <a:lstStyle/>
-                    <a:p>
-                      <a:pPr>
-                        <a:buNone/>
-                      </a:pPr>
-                      <a:r>
-                        <a:rPr lang="en-US" altLang="zh-TW" sz="1900">
-                          <a:solidFill>
-                            <a:schemeClr val="tx1"/>
-                          </a:solidFill>
-                          <a:sym typeface="+mn-ea"/>
-                        </a:rPr>
-                        <a:t>04~05 pm</a:t>
-                      </a:r>
-                      <a:endParaRPr lang="zh-TW" altLang="en-US">
-                        <a:solidFill>
-                          <a:schemeClr val="tx1"/>
-                        </a:solidFill>
-                      </a:endParaRPr>
-                    </a:p>
-                  </a:txBody>
-                  <a:tcPr>
-                    <a:lnL w="12700" cmpd="sng">
-                      <a:solidFill>
-                        <a:schemeClr val="tx1"/>
-                      </a:solidFill>
-                      <a:prstDash val="solid"/>
-                    </a:lnL>
-                    <a:lnR w="12700" cmpd="sng">
-                      <a:solidFill>
-                        <a:schemeClr val="tx1"/>
-                      </a:solidFill>
-                      <a:prstDash val="solid"/>
-                    </a:lnR>
-                    <a:lnT w="12700" cmpd="sng">
-                      <a:solidFill>
-                        <a:schemeClr val="tx1"/>
-                      </a:solidFill>
-                      <a:prstDash val="solid"/>
-                    </a:lnT>
-                    <a:lnB w="12700" cmpd="sng">
-                      <a:solidFill>
-                        <a:schemeClr val="tx1"/>
-                      </a:solidFill>
-                      <a:prstDash val="solid"/>
-                    </a:lnB>
-                    <a:solidFill>
-                      <a:srgbClr val="DDEBF7"/>
-                    </a:solidFill>
-                  </a:tcPr>
-                </a:tc>
-                <a:tc vMerge="1">
-                  <a:txBody>
-                    <a:bodyPr/>
-                    <a:lstStyle/>
-                    <a:p>
-                      <a:endParaRPr lang="zh-TW"/>
-                    </a:p>
-                  </a:txBody>
-                  <a:tcPr>
-                    <a:lnL w="12700" cmpd="sng">
-                      <a:solidFill>
-                        <a:schemeClr val="tx1"/>
-                      </a:solidFill>
-                      <a:prstDash val="solid"/>
-                    </a:lnL>
-                    <a:lnR w="12700" cmpd="sng">
-                      <a:solidFill>
-                        <a:schemeClr val="tx1"/>
-                      </a:solidFill>
-                      <a:prstDash val="solid"/>
-                    </a:lnR>
-                    <a:lnT w="12700" cmpd="sng">
-                      <a:solidFill>
-                        <a:schemeClr val="tx1"/>
-                      </a:solidFill>
-                      <a:prstDash val="solid"/>
-                    </a:lnT>
-                    <a:lnB w="12700" cmpd="sng">
-                      <a:solidFill>
-                        <a:schemeClr val="tx1"/>
-                      </a:solidFill>
-                      <a:prstDash val="solid"/>
-                    </a:lnB>
-                    <a:noFill/>
-                  </a:tcPr>
-                </a:tc>
-                <a:tc vMerge="1">
-                  <a:txBody>
-                    <a:bodyPr/>
-                    <a:lstStyle/>
-                    <a:p>
-                      <a:endParaRPr lang="zh-TW"/>
-                    </a:p>
-                  </a:txBody>
-                  <a:tcPr>
-                    <a:lnL w="12700" cmpd="sng">
-                      <a:solidFill>
-                        <a:schemeClr val="tx1"/>
-                      </a:solidFill>
-                      <a:prstDash val="solid"/>
-                    </a:lnL>
-                    <a:lnR w="12700" cmpd="sng">
-                      <a:solidFill>
-                        <a:schemeClr val="tx1"/>
-                      </a:solidFill>
-                      <a:prstDash val="solid"/>
-                    </a:lnR>
-                    <a:lnT w="12700" cmpd="sng">
-                      <a:solidFill>
-                        <a:schemeClr val="tx1"/>
-                      </a:solidFill>
-                      <a:prstDash val="solid"/>
-                    </a:lnT>
-                    <a:lnB w="12700" cmpd="sng">
-                      <a:solidFill>
-                        <a:schemeClr val="tx1"/>
-                      </a:solidFill>
-                      <a:prstDash val="solid"/>
-                    </a:lnB>
-                    <a:noFill/>
-                  </a:tcPr>
-                </a:tc>
-                <a:tc vMerge="1">
-                  <a:txBody>
-                    <a:bodyPr/>
-                    <a:lstStyle/>
-                    <a:p>
-                      <a:endParaRPr lang="zh-TW"/>
-                    </a:p>
-                  </a:txBody>
-                  <a:tcPr>
-                    <a:lnL w="12700" cmpd="sng">
-                      <a:solidFill>
-                        <a:schemeClr val="tx1"/>
-                      </a:solidFill>
-                      <a:prstDash val="solid"/>
-                    </a:lnL>
-                    <a:lnR w="12700" cmpd="sng">
-                      <a:solidFill>
-                        <a:schemeClr val="tx1"/>
-                      </a:solidFill>
-                      <a:prstDash val="solid"/>
-                    </a:lnR>
-                    <a:lnT w="12700" cmpd="sng">
-                      <a:solidFill>
-                        <a:schemeClr val="tx1"/>
-                      </a:solidFill>
-                      <a:prstDash val="solid"/>
-                    </a:lnT>
-                    <a:lnB w="12700" cmpd="sng">
-                      <a:solidFill>
-                        <a:schemeClr val="tx1"/>
-                      </a:solidFill>
-                      <a:prstDash val="solid"/>
-                    </a:lnB>
-                    <a:noFill/>
-                  </a:tcPr>
-                </a:tc>
-                <a:tc vMerge="1">
-                  <a:txBody>
-                    <a:bodyPr/>
-                    <a:lstStyle/>
-                    <a:p>
-                      <a:endParaRPr lang="zh-TW"/>
-                    </a:p>
-                  </a:txBody>
-                  <a:tcPr>
-                    <a:lnL w="12700" cmpd="sng">
-                      <a:solidFill>
-                        <a:schemeClr val="tx1"/>
-                      </a:solidFill>
-                      <a:prstDash val="solid"/>
-                    </a:lnL>
-                    <a:lnR w="12700" cmpd="sng">
-                      <a:solidFill>
-                        <a:schemeClr val="tx1"/>
-                      </a:solidFill>
-                      <a:prstDash val="solid"/>
-                    </a:lnR>
-                    <a:lnT w="12700" cmpd="sng">
-                      <a:solidFill>
-                        <a:schemeClr val="tx1"/>
-                      </a:solidFill>
-                      <a:prstDash val="solid"/>
-                    </a:lnT>
-                    <a:lnB w="12700" cmpd="sng">
-                      <a:solidFill>
-                        <a:schemeClr val="tx1"/>
-                      </a:solidFill>
-                      <a:prstDash val="solid"/>
-                    </a:lnB>
-                    <a:noFill/>
-                  </a:tcPr>
-                </a:tc>
-                <a:tc vMerge="1">
-                  <a:txBody>
-                    <a:bodyPr/>
-                    <a:lstStyle/>
-                    <a:p>
-                      <a:endParaRPr lang="zh-TW"/>
-                    </a:p>
-                  </a:txBody>
-                  <a:tcPr>
-                    <a:lnL w="12700" cmpd="sng">
-                      <a:solidFill>
-                        <a:schemeClr val="tx1"/>
-                      </a:solidFill>
-                      <a:prstDash val="solid"/>
-                    </a:lnL>
-                    <a:lnR w="12700" cmpd="sng">
-                      <a:solidFill>
-                        <a:schemeClr val="tx1"/>
-                      </a:solidFill>
-                      <a:prstDash val="solid"/>
-                    </a:lnR>
-                    <a:lnT w="12700" cmpd="sng">
-                      <a:solidFill>
-                        <a:schemeClr val="tx1"/>
-                      </a:solidFill>
-                      <a:prstDash val="solid"/>
-                    </a:lnT>
-                    <a:lnB w="12700" cmpd="sng">
-                      <a:solidFill>
-                        <a:schemeClr val="tx1"/>
-                      </a:solidFill>
-                      <a:prstDash val="solid"/>
-                    </a:lnB>
-                    <a:noFill/>
-                  </a:tcPr>
-                </a:tc>
-                <a:extLst>
-                  <a:ext uri="{0D108BD9-81ED-4DB2-BD59-A6C34878D82A}">
-                    <a16:rowId xmlns:a16="http://schemas.microsoft.com/office/drawing/2014/main" val="10008"/>
-                  </a:ext>
-                </a:extLst>
-              </a:tr>
-              <a:tr h="384175">
+              <a:tr h="124910">
                 <a:tc>
                   <a:txBody>
                     <a:bodyPr/>
@@ -46674,17 +43210,23 @@
                       </a:solidFill>
                       <a:prstDash val="solid"/>
                     </a:lnL>
-                    <a:lnR w="12700" cmpd="sng">
+                    <a:lnR w="12700" cap="flat" cmpd="sng" algn="ctr">
                       <a:solidFill>
                         <a:schemeClr val="tx1"/>
                       </a:solidFill>
                       <a:prstDash val="solid"/>
+                      <a:round/>
+                      <a:headEnd type="none" w="med" len="med"/>
+                      <a:tailEnd type="none" w="med" len="med"/>
                     </a:lnR>
-                    <a:lnT w="12700" cmpd="sng">
+                    <a:lnT w="12700" cap="flat" cmpd="sng" algn="ctr">
                       <a:solidFill>
                         <a:schemeClr val="tx1"/>
                       </a:solidFill>
                       <a:prstDash val="solid"/>
+                      <a:round/>
+                      <a:headEnd type="none" w="med" len="med"/>
+                      <a:tailEnd type="none" w="med" len="med"/>
                     </a:lnT>
                     <a:lnB w="12700" cmpd="sng">
                       <a:solidFill>
@@ -46706,7 +43248,7 @@
                         <a:buNone/>
                       </a:pPr>
                       <a:r>
-                        <a:rPr lang="en-US" sz="1200">
+                        <a:rPr lang="en-US" altLang="zh-TW" sz="1200" dirty="0">
                           <a:solidFill>
                             <a:srgbClr val="000000"/>
                           </a:solidFill>
@@ -46714,31 +43256,9 @@
                           <a:cs typeface="+mn-lt"/>
                           <a:sym typeface="+mn-ea"/>
                         </a:rPr>
-                        <a:t>Tracing event code:</a:t>
+                        <a:t>Tracing event code</a:t>
                       </a:r>
-                      <a:endParaRPr lang="en-US" sz="1200" b="0">
-                        <a:solidFill>
-                          <a:srgbClr val="000000"/>
-                        </a:solidFill>
-                        <a:ea typeface="微軟正黑體" panose="020B0604030504040204" pitchFamily="34" charset="-120"/>
-                        <a:cs typeface="+mn-lt"/>
-                      </a:endParaRPr>
-                    </a:p>
-                    <a:p>
-                      <a:pPr indent="0">
-                        <a:buFont typeface="+mj-lt"/>
-                        <a:buNone/>
-                      </a:pPr>
-                      <a:r>
-                        <a:rPr lang="en-GB" altLang="zh-TW" sz="1200" dirty="0">
-                          <a:solidFill>
-                            <a:schemeClr val="tx1"/>
-                          </a:solidFill>
-                          <a:sym typeface="+mn-ea"/>
-                        </a:rPr>
-                        <a:t>EVT_RLC_REQ_FLW_CTRL_INFO</a:t>
-                      </a:r>
-                      <a:endParaRPr lang="zh-TW" altLang="en-US" sz="1200">
+                      <a:endParaRPr lang="en-US" altLang="zh-TW" sz="1200" dirty="0">
                         <a:solidFill>
                           <a:schemeClr val="tx1"/>
                         </a:solidFill>
@@ -46746,23 +43266,87 @@
                     </a:p>
                   </a:txBody>
                   <a:tcPr>
-                    <a:lnL w="12700" cmpd="sng">
+                    <a:lnL w="12700" cap="flat" cmpd="sng" algn="ctr">
                       <a:solidFill>
                         <a:schemeClr val="tx1"/>
                       </a:solidFill>
                       <a:prstDash val="solid"/>
+                      <a:round/>
+                      <a:headEnd type="none" w="med" len="med"/>
+                      <a:tailEnd type="none" w="med" len="med"/>
                     </a:lnL>
-                    <a:lnR w="12700" cmpd="sng">
+                    <a:lnR w="12700" cap="flat" cmpd="sng" algn="ctr">
                       <a:solidFill>
                         <a:schemeClr val="tx1"/>
                       </a:solidFill>
                       <a:prstDash val="solid"/>
+                      <a:round/>
+                      <a:headEnd type="none" w="med" len="med"/>
+                      <a:tailEnd type="none" w="med" len="med"/>
                     </a:lnR>
-                    <a:lnT w="12700" cmpd="sng">
+                    <a:lnT w="12700" cap="flat" cmpd="sng" algn="ctr">
                       <a:solidFill>
                         <a:schemeClr val="tx1"/>
                       </a:solidFill>
                       <a:prstDash val="solid"/>
+                      <a:round/>
+                      <a:headEnd type="none" w="med" len="med"/>
+                      <a:tailEnd type="none" w="med" len="med"/>
+                    </a:lnT>
+                    <a:lnB w="12700" cmpd="sng">
+                      <a:solidFill>
+                        <a:schemeClr val="tx1"/>
+                      </a:solidFill>
+                      <a:prstDash val="solid"/>
+                    </a:lnB>
+                    <a:noFill/>
+                  </a:tcPr>
+                </a:tc>
+                <a:tc vMerge="1">
+                  <a:txBody>
+                    <a:bodyPr/>
+                    <a:lstStyle/>
+                    <a:p>
+                      <a:pPr indent="0">
+                        <a:buNone/>
+                      </a:pPr>
+                      <a:endParaRPr lang="en-US" sz="1200" dirty="0">
+                        <a:solidFill>
+                          <a:srgbClr val="000000"/>
+                        </a:solidFill>
+                        <a:ea typeface="微軟正黑體" panose="020B0604030504040204" pitchFamily="34" charset="-120"/>
+                        <a:cs typeface="+mn-lt"/>
+                        <a:sym typeface="+mn-ea"/>
+                      </a:endParaRPr>
+                    </a:p>
+                  </a:txBody>
+                  <a:tcPr>
+                    <a:lnL w="12700" cap="flat" cmpd="sng" algn="ctr">
+                      <a:solidFill>
+                        <a:schemeClr val="tx1"/>
+                      </a:solidFill>
+                      <a:prstDash val="solid"/>
+                      <a:round/>
+                      <a:headEnd type="none" w="med" len="med"/>
+                      <a:tailEnd type="none" w="med" len="med"/>
+                    </a:lnL>
+                    <a:lnR w="12700" cap="flat" cmpd="sng" algn="ctr">
+                      <a:solidFill>
+                        <a:schemeClr val="tx1"/>
+                      </a:solidFill>
+                      <a:prstDash val="solid"/>
+                      <a:round/>
+                      <a:headEnd type="none" w="med" len="med"/>
+                      <a:tailEnd type="none" w="med" len="med"/>
+                    </a:lnR>
+                    <a:lnT w="12700" cap="flat" cmpd="sng" algn="ctr">
+                      <a:solidFill>
+                        <a:schemeClr val="tx1"/>
+                      </a:solidFill>
+                      <a:prstDash val="solid"/>
+                      <a:round/>
+                      <a:headEnd type="none" w="med" len="med"/>
+                      <a:tailEnd type="none" w="med" len="med"/>
                     </a:lnT>
                     <a:lnB w="12700" cmpd="sng">
                       <a:solidFill>
@@ -46782,23 +43366,32 @@
                     </a:p>
                   </a:txBody>
                   <a:tcPr>
-                    <a:lnL w="12700" cmpd="sng">
+                    <a:lnL w="12700" cap="flat" cmpd="sng" algn="ctr">
                       <a:solidFill>
                         <a:schemeClr val="tx1"/>
                       </a:solidFill>
                       <a:prstDash val="solid"/>
+                      <a:round/>
+                      <a:headEnd type="none" w="med" len="med"/>
+                      <a:tailEnd type="none" w="med" len="med"/>
                     </a:lnL>
-                    <a:lnR w="12700" cmpd="sng">
+                    <a:lnR w="12700" cap="flat" cmpd="sng" algn="ctr">
                       <a:solidFill>
                         <a:schemeClr val="tx1"/>
                       </a:solidFill>
                       <a:prstDash val="solid"/>
+                      <a:round/>
+                      <a:headEnd type="none" w="med" len="med"/>
+                      <a:tailEnd type="none" w="med" len="med"/>
                     </a:lnR>
-                    <a:lnT w="12700" cmpd="sng">
+                    <a:lnT w="12700" cap="flat" cmpd="sng" algn="ctr">
                       <a:solidFill>
                         <a:schemeClr val="tx1"/>
                       </a:solidFill>
                       <a:prstDash val="solid"/>
+                      <a:round/>
+                      <a:headEnd type="none" w="med" len="med"/>
+                      <a:tailEnd type="none" w="med" len="med"/>
                     </a:lnT>
                     <a:lnB w="12700" cmpd="sng">
                       <a:solidFill>
@@ -46818,23 +43411,32 @@
                     </a:p>
                   </a:txBody>
                   <a:tcPr>
-                    <a:lnL w="12700" cmpd="sng">
+                    <a:lnL w="12700" cap="flat" cmpd="sng" algn="ctr">
                       <a:solidFill>
                         <a:schemeClr val="tx1"/>
                       </a:solidFill>
                       <a:prstDash val="solid"/>
+                      <a:round/>
+                      <a:headEnd type="none" w="med" len="med"/>
+                      <a:tailEnd type="none" w="med" len="med"/>
                     </a:lnL>
-                    <a:lnR w="12700" cmpd="sng">
+                    <a:lnR w="12700" cap="flat" cmpd="sng" algn="ctr">
                       <a:solidFill>
                         <a:schemeClr val="tx1"/>
                       </a:solidFill>
                       <a:prstDash val="solid"/>
+                      <a:round/>
+                      <a:headEnd type="none" w="med" len="med"/>
+                      <a:tailEnd type="none" w="med" len="med"/>
                     </a:lnR>
-                    <a:lnT w="12700" cmpd="sng">
+                    <a:lnT w="12700" cap="flat" cmpd="sng" algn="ctr">
                       <a:solidFill>
                         <a:schemeClr val="tx1"/>
                       </a:solidFill>
                       <a:prstDash val="solid"/>
+                      <a:round/>
+                      <a:headEnd type="none" w="med" len="med"/>
+                      <a:tailEnd type="none" w="med" len="med"/>
                     </a:lnT>
                     <a:lnB w="12700" cmpd="sng">
                       <a:solidFill>
@@ -46854,11 +43456,14 @@
                     </a:p>
                   </a:txBody>
                   <a:tcPr>
-                    <a:lnL w="12700" cmpd="sng">
+                    <a:lnL w="12700" cap="flat" cmpd="sng" algn="ctr">
                       <a:solidFill>
                         <a:schemeClr val="tx1"/>
                       </a:solidFill>
                       <a:prstDash val="solid"/>
+                      <a:round/>
+                      <a:headEnd type="none" w="med" len="med"/>
+                      <a:tailEnd type="none" w="med" len="med"/>
                     </a:lnL>
                     <a:lnR w="12700" cmpd="sng">
                       <a:solidFill>
@@ -46866,47 +43471,14 @@
                       </a:solidFill>
                       <a:prstDash val="solid"/>
                     </a:lnR>
-                    <a:lnT w="12700" cmpd="sng">
+                    <a:lnT w="12700" cap="flat" cmpd="sng" algn="ctr">
                       <a:solidFill>
                         <a:schemeClr val="tx1"/>
                       </a:solidFill>
                       <a:prstDash val="solid"/>
-                    </a:lnT>
-                    <a:lnB w="12700" cmpd="sng">
-                      <a:solidFill>
-                        <a:schemeClr val="tx1"/>
-                      </a:solidFill>
-                      <a:prstDash val="solid"/>
-                    </a:lnB>
-                    <a:noFill/>
-                  </a:tcPr>
-                </a:tc>
-                <a:tc vMerge="1">
-                  <a:txBody>
-                    <a:bodyPr/>
-                    <a:lstStyle/>
-                    <a:p>
-                      <a:endParaRPr lang="zh-TW"/>
-                    </a:p>
-                  </a:txBody>
-                  <a:tcPr>
-                    <a:lnL w="12700" cmpd="sng">
-                      <a:solidFill>
-                        <a:schemeClr val="tx1"/>
-                      </a:solidFill>
-                      <a:prstDash val="solid"/>
-                    </a:lnL>
-                    <a:lnR w="12700" cmpd="sng">
-                      <a:solidFill>
-                        <a:schemeClr val="tx1"/>
-                      </a:solidFill>
-                      <a:prstDash val="solid"/>
-                    </a:lnR>
-                    <a:lnT w="12700" cmpd="sng">
-                      <a:solidFill>
-                        <a:schemeClr val="tx1"/>
-                      </a:solidFill>
-                      <a:prstDash val="solid"/>
+                      <a:round/>
+                      <a:headEnd type="none" w="med" len="med"/>
+                      <a:tailEnd type="none" w="med" len="med"/>
                     </a:lnT>
                     <a:lnB w="12700" cmpd="sng">
                       <a:solidFill>
@@ -46947,7 +43519,7 @@
             </a:pPr>
             <a:fld id="{A006FAFE-5151-44C5-946A-9B24DC89DB35}" type="slidenum">
               <a:rPr lang="uk-UA" altLang="en-US" smtClean="0"/>
-              <a:t>3</a:t>
+              <a:t>2</a:t>
             </a:fld>
             <a:endParaRPr lang="uk-UA" altLang="en-US" dirty="0"/>
           </a:p>
@@ -46961,7 +43533,7 @@
 </p:sld>
 </file>
 
-<file path=ppt/slides/slide4.xml><?xml version="1.0" encoding="utf-8"?>
+<file path=ppt/slides/slide3.xml><?xml version="1.0" encoding="utf-8"?>
 <p:sld xmlns:a="http://schemas.openxmlformats.org/drawingml/2006/main" xmlns:r="http://schemas.openxmlformats.org/officeDocument/2006/relationships" xmlns:p="http://schemas.openxmlformats.org/presentationml/2006/main">
   <p:cSld>
     <p:spTree>
@@ -46994,269 +43566,6 @@
           <a:lstStyle/>
           <a:p>
             <a:r>
-              <a:rPr kumimoji="1" lang="en-US" altLang="zh-TW" dirty="0"/>
-              <a:t>Current Status</a:t>
-            </a:r>
-            <a:endParaRPr kumimoji="1" lang="zh-TW" altLang="en-US" dirty="0"/>
-          </a:p>
-        </p:txBody>
-      </p:sp>
-      <p:sp>
-        <p:nvSpPr>
-          <p:cNvPr id="3" name="內容版面配置區 2"/>
-          <p:cNvSpPr>
-            <a:spLocks noGrp="1"/>
-          </p:cNvSpPr>
-          <p:nvPr>
-            <p:ph idx="1"/>
-          </p:nvPr>
-        </p:nvSpPr>
-        <p:spPr/>
-        <p:txBody>
-          <a:bodyPr/>
-          <a:lstStyle/>
-          <a:p>
-            <a:r>
-              <a:rPr kumimoji="1" lang="en-US" altLang="zh-TW" dirty="0"/>
-              <a:t>Current Status</a:t>
-            </a:r>
-          </a:p>
-          <a:p>
-            <a:pPr lvl="1">
-              <a:buFont typeface="Wingdings" panose="05000000000000000000" pitchFamily="2" charset="2"/>
-              <a:buChar char="n"/>
-            </a:pPr>
-            <a:r>
-              <a:rPr kumimoji="1" lang="zh-TW" altLang="en-US" dirty="0"/>
-              <a:t>分析以下兩種情形，事件在</a:t>
-            </a:r>
-            <a:r>
-              <a:rPr kumimoji="1" lang="en-US" altLang="zh-TW" dirty="0"/>
-              <a:t>queue</a:t>
-            </a:r>
-            <a:r>
-              <a:rPr kumimoji="1" dirty="0"/>
-              <a:t>中的等待時間</a:t>
-            </a:r>
-          </a:p>
-          <a:p>
-            <a:pPr marL="1371600" lvl="5" indent="-342900">
-              <a:buFont typeface="+mj-lt"/>
-              <a:buAutoNum type="arabicPeriod"/>
-            </a:pPr>
-            <a:r>
-              <a:rPr kumimoji="1" lang="en-US" altLang="zh-TW" sz="1400" dirty="0">
-                <a:sym typeface="+mn-ea"/>
-              </a:rPr>
-              <a:t>CPU core numbers = 2</a:t>
-            </a:r>
-            <a:br>
-              <a:rPr kumimoji="1" lang="en-US" altLang="zh-TW" sz="1400" dirty="0">
-                <a:sym typeface="+mn-ea"/>
-              </a:rPr>
-            </a:br>
-            <a:r>
-              <a:rPr kumimoji="1" lang="en-US" altLang="zh-TW" sz="1400" dirty="0"/>
-              <a:t>Pool numbers = 1</a:t>
-            </a:r>
-          </a:p>
-          <a:p>
-            <a:pPr marL="1371600" lvl="5" indent="-342900">
-              <a:buFont typeface="+mj-lt"/>
-              <a:buAutoNum type="arabicPeriod"/>
-            </a:pPr>
-            <a:r>
-              <a:rPr kumimoji="1" lang="en-US" altLang="zh-TW" sz="1400" dirty="0">
-                <a:sym typeface="+mn-ea"/>
-              </a:rPr>
-              <a:t>CPU core numbers = 3</a:t>
-            </a:r>
-            <a:br>
-              <a:rPr kumimoji="1" lang="en-US" altLang="zh-TW" sz="1400" dirty="0">
-                <a:sym typeface="+mn-ea"/>
-              </a:rPr>
-            </a:br>
-            <a:r>
-              <a:rPr kumimoji="1" lang="en-US" altLang="zh-TW" sz="1400" dirty="0"/>
-              <a:t>Pool numbers = 1</a:t>
-            </a:r>
-          </a:p>
-          <a:p>
-            <a:pPr marL="1371600" lvl="5" indent="-342900">
-              <a:buFont typeface="+mj-lt"/>
-              <a:buAutoNum type="arabicPeriod"/>
-            </a:pPr>
-            <a:r>
-              <a:rPr kumimoji="1" lang="en-US" altLang="zh-TW" sz="1400" dirty="0"/>
-              <a:t>CPU core numbers = 3</a:t>
-            </a:r>
-            <a:br>
-              <a:rPr kumimoji="1" lang="en-US" altLang="zh-TW" sz="1400" dirty="0"/>
-            </a:br>
-            <a:r>
-              <a:rPr kumimoji="1" lang="en-US" altLang="zh-TW" sz="1400" dirty="0"/>
-              <a:t>Pool numbers = 2 (1 for real time task, 1 for non real time task)</a:t>
-            </a:r>
-            <a:endParaRPr kumimoji="1" lang="en-US" altLang="zh-TW" dirty="0"/>
-          </a:p>
-          <a:p>
-            <a:pPr lvl="1">
-              <a:buFont typeface="Wingdings" panose="05000000000000000000" pitchFamily="2" charset="2"/>
-              <a:buChar char="Ø"/>
-            </a:pPr>
-            <a:r>
-              <a:rPr kumimoji="1" lang="zh-TW" altLang="en-US" dirty="0"/>
-              <a:t>控制變因</a:t>
-            </a:r>
-            <a:r>
-              <a:rPr kumimoji="1" lang="en-US" altLang="zh-TW" dirty="0"/>
-              <a:t>:</a:t>
-            </a:r>
-          </a:p>
-          <a:p>
-            <a:pPr marL="1317625" lvl="2" indent="-342900">
-              <a:buFont typeface="+mj-lt"/>
-              <a:buAutoNum type="arabicPeriod"/>
-            </a:pPr>
-            <a:r>
-              <a:rPr kumimoji="1" lang="zh-TW" altLang="en-US" dirty="0"/>
-              <a:t>測試環境</a:t>
-            </a:r>
-            <a:r>
-              <a:rPr kumimoji="1" lang="en-US" altLang="zh-TW" dirty="0"/>
-              <a:t>(Viavi)</a:t>
-            </a:r>
-          </a:p>
-          <a:p>
-            <a:pPr marL="1317625" lvl="2" indent="-342900">
-              <a:buFont typeface="+mj-lt"/>
-              <a:buAutoNum type="arabicPeriod"/>
-            </a:pPr>
-            <a:r>
-              <a:rPr kumimoji="1" lang="en-US" altLang="zh-TW" dirty="0"/>
-              <a:t>CPU</a:t>
-            </a:r>
-            <a:r>
-              <a:rPr kumimoji="1" lang="zh-TW" altLang="en-US" dirty="0"/>
-              <a:t>頻率</a:t>
-            </a:r>
-            <a:r>
-              <a:rPr kumimoji="1" lang="en-US" altLang="zh-TW" dirty="0"/>
-              <a:t>1.3GHz</a:t>
-            </a:r>
-          </a:p>
-          <a:p>
-            <a:pPr marL="1317625" lvl="2" indent="-342900">
-              <a:buFont typeface="+mj-lt"/>
-              <a:buAutoNum type="arabicPeriod"/>
-            </a:pPr>
-            <a:r>
-              <a:rPr kumimoji="1" lang="en-US" altLang="zh-TW" dirty="0"/>
-              <a:t>UE</a:t>
-            </a:r>
-            <a:r>
-              <a:rPr kumimoji="1" lang="zh-TW" altLang="en-US" dirty="0"/>
-              <a:t>個數</a:t>
-            </a:r>
-            <a:r>
-              <a:rPr kumimoji="1" lang="en-US" altLang="zh-TW" dirty="0"/>
-              <a:t>(16, 32)</a:t>
-            </a:r>
-          </a:p>
-          <a:p>
-            <a:pPr marL="1317625" lvl="2" indent="-342900">
-              <a:buFont typeface="+mj-lt"/>
-              <a:buAutoNum type="arabicPeriod"/>
-            </a:pPr>
-            <a:r>
-              <a:rPr kumimoji="1" lang="en-US" altLang="zh-TW" dirty="0"/>
-              <a:t>UE</a:t>
-            </a:r>
-            <a:r>
-              <a:rPr kumimoji="1" lang="zh-TW" altLang="en-US" dirty="0"/>
-              <a:t>個數</a:t>
-            </a:r>
-            <a:r>
-              <a:rPr kumimoji="1" lang="en-US" altLang="zh-TW" dirty="0"/>
-              <a:t>/TTI(1, 4)</a:t>
-            </a:r>
-          </a:p>
-          <a:p>
-            <a:pPr marL="1275080" lvl="2" indent="-342900">
-              <a:buFont typeface="Wingdings" panose="05000000000000000000" pitchFamily="2" charset="2"/>
-              <a:buChar char="Ø"/>
-            </a:pPr>
-            <a:endParaRPr kumimoji="1" lang="en-US" altLang="zh-TW" dirty="0"/>
-          </a:p>
-        </p:txBody>
-      </p:sp>
-      <p:sp>
-        <p:nvSpPr>
-          <p:cNvPr id="5" name="投影片編號版面配置區 4"/>
-          <p:cNvSpPr>
-            <a:spLocks noGrp="1"/>
-          </p:cNvSpPr>
-          <p:nvPr>
-            <p:ph type="sldNum" sz="quarter" idx="4"/>
-          </p:nvPr>
-        </p:nvSpPr>
-        <p:spPr/>
-        <p:txBody>
-          <a:bodyPr/>
-          <a:lstStyle/>
-          <a:p>
-            <a:pPr>
-              <a:defRPr/>
-            </a:pPr>
-            <a:fld id="{A006FAFE-5151-44C5-946A-9B24DC89DB35}" type="slidenum">
-              <a:rPr lang="uk-UA" altLang="en-US" smtClean="0"/>
-              <a:t>4</a:t>
-            </a:fld>
-            <a:endParaRPr lang="uk-UA" altLang="en-US" dirty="0"/>
-          </a:p>
-        </p:txBody>
-      </p:sp>
-    </p:spTree>
-  </p:cSld>
-  <p:clrMapOvr>
-    <a:masterClrMapping/>
-  </p:clrMapOvr>
-</p:sld>
-</file>
-
-<file path=ppt/slides/slide5.xml><?xml version="1.0" encoding="utf-8"?>
-<p:sld xmlns:a="http://schemas.openxmlformats.org/drawingml/2006/main" xmlns:r="http://schemas.openxmlformats.org/officeDocument/2006/relationships" xmlns:p="http://schemas.openxmlformats.org/presentationml/2006/main">
-  <p:cSld>
-    <p:spTree>
-      <p:nvGrpSpPr>
-        <p:cNvPr id="1" name=""/>
-        <p:cNvGrpSpPr/>
-        <p:nvPr/>
-      </p:nvGrpSpPr>
-      <p:grpSpPr>
-        <a:xfrm>
-          <a:off x="0" y="0"/>
-          <a:ext cx="0" cy="0"/>
-          <a:chOff x="0" y="0"/>
-          <a:chExt cx="0" cy="0"/>
-        </a:xfrm>
-      </p:grpSpPr>
-      <p:sp>
-        <p:nvSpPr>
-          <p:cNvPr id="2" name="標題 1"/>
-          <p:cNvSpPr>
-            <a:spLocks noGrp="1"/>
-          </p:cNvSpPr>
-          <p:nvPr>
-            <p:ph type="title"/>
-          </p:nvPr>
-        </p:nvSpPr>
-        <p:spPr/>
-        <p:txBody>
-          <a:bodyPr/>
-          <a:lstStyle/>
-          <a:p>
-            <a:r>
               <a:rPr kumimoji="1" lang="en-US" altLang="zh-TW" dirty="0">
                 <a:sym typeface="+mn-ea"/>
               </a:rPr>
@@ -47276,7 +43585,7 @@
             <p:ph idx="1"/>
             <p:extLst>
               <p:ext uri="{D42A27DB-BD31-4B8C-83A1-F6EECF244321}">
-                <p14:modId xmlns:p14="http://schemas.microsoft.com/office/powerpoint/2010/main" val="4140985750"/>
+                <p14:modId xmlns:p14="http://schemas.microsoft.com/office/powerpoint/2010/main" val="1279542172"/>
               </p:ext>
             </p:extLst>
           </p:nvPr>
@@ -47406,7 +43715,7 @@
                     <a:p>
                       <a:r>
                         <a:rPr lang="en-US" altLang="zh-TW" sz="1200" u="none" dirty="0"/>
-                        <a:t>CPU Profile </a:t>
+                        <a:t>CPU profile </a:t>
                       </a:r>
                       <a:r>
                         <a:rPr lang="en-US" altLang="zh-TW" sz="1200" b="0" i="0" u="none" kern="1200" dirty="0">
@@ -47459,7 +43768,7 @@
                     <a:p>
                       <a:r>
                         <a:rPr lang="en-US" altLang="zh-TW" sz="1200" dirty="0"/>
-                        <a:t>3/7</a:t>
+                        <a:t>3/21</a:t>
                       </a:r>
                       <a:endParaRPr lang="zh-TW" altLang="en-US" sz="1200" dirty="0"/>
                     </a:p>
@@ -47547,9 +43856,538 @@
             </a:pPr>
             <a:fld id="{A006FAFE-5151-44C5-946A-9B24DC89DB35}" type="slidenum">
               <a:rPr lang="uk-UA" altLang="en-US" smtClean="0"/>
-              <a:t>5</a:t>
+              <a:t>3</a:t>
             </a:fld>
             <a:endParaRPr lang="uk-UA" altLang="en-US" dirty="0"/>
+          </a:p>
+        </p:txBody>
+      </p:sp>
+      <p:sp>
+        <p:nvSpPr>
+          <p:cNvPr id="7" name="文字方塊 6">
+            <a:extLst>
+              <a:ext uri="{FF2B5EF4-FFF2-40B4-BE49-F238E27FC236}">
+                <a16:creationId xmlns:a16="http://schemas.microsoft.com/office/drawing/2014/main" id="{16BBC9F8-2DB9-4F02-B5C5-9AF1F8A3272E}"/>
+              </a:ext>
+            </a:extLst>
+          </p:cNvPr>
+          <p:cNvSpPr txBox="1"/>
+          <p:nvPr/>
+        </p:nvSpPr>
+        <p:spPr>
+          <a:xfrm>
+            <a:off x="4046931" y="3052192"/>
+            <a:ext cx="4946650" cy="2431435"/>
+          </a:xfrm>
+          <a:prstGeom prst="rect">
+            <a:avLst/>
+          </a:prstGeom>
+          <a:noFill/>
+        </p:spPr>
+        <p:txBody>
+          <a:bodyPr wrap="square">
+            <a:spAutoFit/>
+          </a:bodyPr>
+          <a:lstStyle/>
+          <a:p>
+            <a:pPr marL="171450" indent="-171450">
+              <a:buFont typeface="Wingdings" panose="05000000000000000000" pitchFamily="2" charset="2"/>
+              <a:buChar char="l"/>
+            </a:pPr>
+            <a:r>
+              <a:rPr lang="zh-TW" altLang="en-US" sz="800" dirty="0"/>
+              <a:t>3 cores:</a:t>
+            </a:r>
+            <a:endParaRPr lang="en-US" altLang="zh-TW" sz="800" dirty="0"/>
+          </a:p>
+          <a:p>
+            <a:pPr marL="626745" lvl="1" indent="-171450">
+              <a:buFont typeface="Wingdings" panose="05000000000000000000" pitchFamily="2" charset="2"/>
+              <a:buChar char="Ø"/>
+            </a:pPr>
+            <a:r>
+              <a:rPr lang="en-US" altLang="zh-TW" sz="800" dirty="0"/>
+              <a:t>1UE/TTI</a:t>
+            </a:r>
+            <a:br>
+              <a:rPr lang="en-US" altLang="zh-TW" sz="800" dirty="0"/>
+            </a:br>
+            <a:r>
+              <a:rPr lang="zh-TW" altLang="en-US" sz="800" dirty="0"/>
+              <a:t>Each core about </a:t>
+            </a:r>
+            <a:r>
+              <a:rPr lang="en-US" altLang="zh-TW" sz="800" dirty="0"/>
+              <a:t>58</a:t>
+            </a:r>
+            <a:r>
+              <a:rPr lang="zh-TW" altLang="en-US" sz="800" dirty="0"/>
+              <a:t>%</a:t>
+            </a:r>
+            <a:endParaRPr lang="en-US" altLang="zh-TW" sz="800" dirty="0"/>
+          </a:p>
+          <a:p>
+            <a:pPr marL="626745" lvl="1" indent="-171450">
+              <a:buFont typeface="Wingdings" panose="05000000000000000000" pitchFamily="2" charset="2"/>
+              <a:buChar char="Ø"/>
+            </a:pPr>
+            <a:r>
+              <a:rPr lang="en-US" altLang="zh-TW" sz="800" dirty="0"/>
+              <a:t>4UE/TTI</a:t>
+            </a:r>
+            <a:br>
+              <a:rPr lang="en-US" altLang="zh-TW" sz="800" dirty="0"/>
+            </a:br>
+            <a:r>
+              <a:rPr lang="zh-TW" altLang="en-US" sz="800" dirty="0"/>
+              <a:t>Each core about </a:t>
+            </a:r>
+            <a:r>
+              <a:rPr lang="en-US" altLang="zh-TW" sz="800" dirty="0"/>
+              <a:t>65</a:t>
+            </a:r>
+            <a:r>
+              <a:rPr lang="zh-TW" altLang="en-US" sz="800" dirty="0"/>
+              <a:t>%</a:t>
+            </a:r>
+          </a:p>
+          <a:p>
+            <a:pPr marL="171450" indent="-171450">
+              <a:buFont typeface="Wingdings" panose="05000000000000000000" pitchFamily="2" charset="2"/>
+              <a:buChar char="l"/>
+            </a:pPr>
+            <a:r>
+              <a:rPr lang="zh-TW" altLang="en-US" sz="800" dirty="0"/>
+              <a:t>2 cores:</a:t>
+            </a:r>
+            <a:endParaRPr lang="en-US" altLang="zh-TW" sz="800" dirty="0"/>
+          </a:p>
+          <a:p>
+            <a:pPr marL="626745" lvl="1" indent="-171450">
+              <a:buFont typeface="Wingdings" panose="05000000000000000000" pitchFamily="2" charset="2"/>
+              <a:buChar char="Ø"/>
+            </a:pPr>
+            <a:r>
+              <a:rPr lang="en-US" altLang="zh-TW" sz="800" dirty="0"/>
+              <a:t>1UE/TTI</a:t>
+            </a:r>
+            <a:br>
+              <a:rPr lang="en-US" altLang="zh-TW" sz="800" dirty="0"/>
+            </a:br>
+            <a:r>
+              <a:rPr lang="zh-TW" altLang="en-US" sz="800" dirty="0"/>
+              <a:t>Each core about 74%</a:t>
+            </a:r>
+          </a:p>
+          <a:p>
+            <a:pPr marL="626745" lvl="1" indent="-171450">
+              <a:buFont typeface="Wingdings" panose="05000000000000000000" pitchFamily="2" charset="2"/>
+              <a:buChar char="Ø"/>
+            </a:pPr>
+            <a:r>
+              <a:rPr lang="en-US" altLang="zh-TW" sz="800" dirty="0"/>
+              <a:t>4UE/TTI</a:t>
+            </a:r>
+            <a:br>
+              <a:rPr lang="en-US" altLang="zh-TW" sz="800" dirty="0"/>
+            </a:br>
+            <a:r>
+              <a:rPr lang="zh-TW" altLang="en-US" sz="800" dirty="0"/>
+              <a:t>Each core about </a:t>
+            </a:r>
+            <a:r>
+              <a:rPr lang="en-US" altLang="zh-TW" sz="800" dirty="0"/>
+              <a:t>8</a:t>
+            </a:r>
+            <a:r>
+              <a:rPr lang="zh-TW" altLang="en-US" sz="800" dirty="0"/>
+              <a:t>4%</a:t>
+            </a:r>
+            <a:endParaRPr lang="en-US" altLang="zh-TW" sz="800" dirty="0"/>
+          </a:p>
+          <a:p>
+            <a:pPr marL="626745" lvl="1" indent="-171450">
+              <a:buFont typeface="Wingdings" panose="05000000000000000000" pitchFamily="2" charset="2"/>
+              <a:buChar char="Ø"/>
+            </a:pPr>
+            <a:r>
+              <a:rPr lang="en-US" altLang="zh-TW" sz="800" dirty="0">
+                <a:solidFill>
+                  <a:srgbClr val="FF0000"/>
+                </a:solidFill>
+              </a:rPr>
+              <a:t>Crash Situation </a:t>
+            </a:r>
+            <a:r>
+              <a:rPr lang="en-US" altLang="zh-TW" sz="800" dirty="0">
+                <a:solidFill>
+                  <a:srgbClr val="FF0000"/>
+                </a:solidFill>
+                <a:sym typeface="Wingdings" panose="05000000000000000000" pitchFamily="2" charset="2"/>
+              </a:rPr>
+              <a:t> 4UE/TTI, 32UES</a:t>
+            </a:r>
+            <a:br>
+              <a:rPr lang="en-US" altLang="zh-TW" sz="800" dirty="0">
+                <a:sym typeface="Wingdings" panose="05000000000000000000" pitchFamily="2" charset="2"/>
+              </a:rPr>
+            </a:br>
+            <a:r>
+              <a:rPr lang="en-US" altLang="zh-TW" sz="800" dirty="0">
+                <a:solidFill>
+                  <a:srgbClr val="FF0000"/>
+                </a:solidFill>
+                <a:sym typeface="Wingdings" panose="05000000000000000000" pitchFamily="2" charset="2"/>
+              </a:rPr>
+              <a:t>Unable to start CU and DU</a:t>
+            </a:r>
+            <a:endParaRPr lang="zh-TW" altLang="en-US" sz="800" dirty="0">
+              <a:solidFill>
+                <a:srgbClr val="FF0000"/>
+              </a:solidFill>
+            </a:endParaRPr>
+          </a:p>
+          <a:p>
+            <a:pPr marL="171450" indent="-171450">
+              <a:buFont typeface="Wingdings" panose="05000000000000000000" pitchFamily="2" charset="2"/>
+              <a:buChar char="l"/>
+            </a:pPr>
+            <a:r>
+              <a:rPr lang="zh-TW" altLang="en-US" sz="800" dirty="0"/>
+              <a:t>2</a:t>
+            </a:r>
+            <a:r>
+              <a:rPr lang="en-US" altLang="zh-TW" sz="800" dirty="0"/>
+              <a:t>(for real time task)</a:t>
+            </a:r>
+            <a:r>
+              <a:rPr lang="zh-TW" altLang="en-US" sz="800" dirty="0"/>
+              <a:t> </a:t>
+            </a:r>
+            <a:r>
+              <a:rPr lang="en-US" altLang="zh-TW" sz="800" dirty="0"/>
+              <a:t>+ 1(for non real time task) </a:t>
+            </a:r>
+            <a:r>
+              <a:rPr lang="zh-TW" altLang="en-US" sz="800" dirty="0"/>
+              <a:t>cores:</a:t>
+            </a:r>
+            <a:endParaRPr lang="en-US" altLang="zh-TW" sz="800" dirty="0"/>
+          </a:p>
+          <a:p>
+            <a:pPr marL="626745" lvl="1" indent="-171450">
+              <a:buFont typeface="Wingdings" panose="05000000000000000000" pitchFamily="2" charset="2"/>
+              <a:buChar char="Ø"/>
+            </a:pPr>
+            <a:r>
+              <a:rPr lang="en-US" altLang="zh-TW" sz="800" dirty="0"/>
+              <a:t>1UE/TTI</a:t>
+            </a:r>
+            <a:br>
+              <a:rPr lang="en-US" altLang="zh-TW" sz="800" dirty="0"/>
+            </a:br>
+            <a:r>
+              <a:rPr lang="en-US" altLang="zh-TW" sz="800" dirty="0"/>
+              <a:t>2</a:t>
+            </a:r>
+            <a:r>
+              <a:rPr lang="zh-TW" altLang="en-US" sz="800" dirty="0"/>
+              <a:t> core about </a:t>
+            </a:r>
+            <a:r>
+              <a:rPr lang="en-US" altLang="zh-TW" sz="800" dirty="0"/>
+              <a:t>13</a:t>
+            </a:r>
+            <a:r>
+              <a:rPr lang="zh-TW" altLang="en-US" sz="800" dirty="0"/>
+              <a:t>% </a:t>
+            </a:r>
+            <a:r>
+              <a:rPr lang="en-US" altLang="zh-TW" sz="800" dirty="0"/>
+              <a:t>(for real time task)</a:t>
+            </a:r>
+            <a:br>
+              <a:rPr lang="en-US" altLang="zh-TW" sz="800" dirty="0"/>
+            </a:br>
+            <a:r>
+              <a:rPr lang="en-US" altLang="zh-TW" sz="800" dirty="0"/>
+              <a:t>1</a:t>
+            </a:r>
+            <a:r>
+              <a:rPr lang="zh-TW" altLang="en-US" sz="800" dirty="0"/>
+              <a:t> core about </a:t>
+            </a:r>
+            <a:r>
+              <a:rPr lang="en-US" altLang="zh-TW" sz="800" dirty="0"/>
+              <a:t>95~100</a:t>
+            </a:r>
+            <a:r>
+              <a:rPr lang="zh-TW" altLang="en-US" sz="800" dirty="0"/>
+              <a:t>% </a:t>
+            </a:r>
+            <a:r>
+              <a:rPr lang="en-US" altLang="zh-TW" sz="800" dirty="0"/>
+              <a:t>(for non real time task)</a:t>
+            </a:r>
+            <a:endParaRPr lang="zh-TW" altLang="en-US" sz="800" dirty="0"/>
+          </a:p>
+          <a:p>
+            <a:pPr marL="626745" lvl="1" indent="-171450">
+              <a:buFont typeface="Wingdings" panose="05000000000000000000" pitchFamily="2" charset="2"/>
+              <a:buChar char="Ø"/>
+            </a:pPr>
+            <a:r>
+              <a:rPr lang="en-US" altLang="zh-TW" sz="800" dirty="0"/>
+              <a:t>4UE/TTI</a:t>
+            </a:r>
+            <a:br>
+              <a:rPr lang="en-US" altLang="zh-TW" sz="800" dirty="0"/>
+            </a:br>
+            <a:r>
+              <a:rPr lang="en-US" altLang="zh-TW" sz="800" dirty="0"/>
+              <a:t>2</a:t>
+            </a:r>
+            <a:r>
+              <a:rPr lang="zh-TW" altLang="en-US" sz="800" dirty="0"/>
+              <a:t> core about </a:t>
+            </a:r>
+            <a:r>
+              <a:rPr lang="en-US" altLang="zh-TW" sz="800" dirty="0"/>
+              <a:t>18</a:t>
+            </a:r>
+            <a:r>
+              <a:rPr lang="zh-TW" altLang="en-US" sz="800" dirty="0"/>
+              <a:t>% </a:t>
+            </a:r>
+            <a:r>
+              <a:rPr lang="en-US" altLang="zh-TW" sz="800" dirty="0"/>
+              <a:t>(for real time task)</a:t>
+            </a:r>
+            <a:br>
+              <a:rPr lang="en-US" altLang="zh-TW" sz="800" dirty="0"/>
+            </a:br>
+            <a:r>
+              <a:rPr lang="en-US" altLang="zh-TW" sz="800" dirty="0"/>
+              <a:t>1</a:t>
+            </a:r>
+            <a:r>
+              <a:rPr lang="zh-TW" altLang="en-US" sz="800" dirty="0"/>
+              <a:t> core about </a:t>
+            </a:r>
+            <a:r>
+              <a:rPr lang="en-US" altLang="zh-TW" sz="800" dirty="0"/>
+              <a:t>95~100</a:t>
+            </a:r>
+            <a:r>
+              <a:rPr lang="zh-TW" altLang="en-US" sz="800" dirty="0"/>
+              <a:t>% </a:t>
+            </a:r>
+            <a:r>
+              <a:rPr lang="en-US" altLang="zh-TW" sz="800" dirty="0"/>
+              <a:t>(for non real time task)</a:t>
+            </a:r>
+            <a:endParaRPr lang="zh-TW" altLang="en-US" sz="800" dirty="0"/>
+          </a:p>
+        </p:txBody>
+      </p:sp>
+      <p:sp>
+        <p:nvSpPr>
+          <p:cNvPr id="8" name="文字方塊 7">
+            <a:extLst>
+              <a:ext uri="{FF2B5EF4-FFF2-40B4-BE49-F238E27FC236}">
+                <a16:creationId xmlns:a16="http://schemas.microsoft.com/office/drawing/2014/main" id="{66B79890-1A1F-4ED4-AFA7-6F41044BAFE4}"/>
+              </a:ext>
+            </a:extLst>
+          </p:cNvPr>
+          <p:cNvSpPr txBox="1"/>
+          <p:nvPr/>
+        </p:nvSpPr>
+        <p:spPr>
+          <a:xfrm>
+            <a:off x="3564781" y="1282699"/>
+            <a:ext cx="4946650" cy="1846659"/>
+          </a:xfrm>
+          <a:prstGeom prst="rect">
+            <a:avLst/>
+          </a:prstGeom>
+          <a:noFill/>
+        </p:spPr>
+        <p:txBody>
+          <a:bodyPr wrap="square">
+            <a:spAutoFit/>
+          </a:bodyPr>
+          <a:lstStyle/>
+          <a:p>
+            <a:r>
+              <a:rPr kumimoji="1" lang="en-US" altLang="zh-TW" sz="800" dirty="0"/>
+              <a:t>Current Status</a:t>
+            </a:r>
+          </a:p>
+          <a:p>
+            <a:pPr lvl="1">
+              <a:buFont typeface="Wingdings" panose="05000000000000000000" pitchFamily="2" charset="2"/>
+              <a:buChar char="n"/>
+            </a:pPr>
+            <a:r>
+              <a:rPr kumimoji="1" lang="zh-TW" altLang="en-US" sz="800" dirty="0"/>
+              <a:t>分析以下兩種情形，事件在</a:t>
+            </a:r>
+            <a:r>
+              <a:rPr kumimoji="1" lang="en-US" altLang="zh-TW" sz="800" dirty="0"/>
+              <a:t>queue</a:t>
+            </a:r>
+            <a:r>
+              <a:rPr kumimoji="1" lang="zh-TW" altLang="en-US" sz="800" dirty="0"/>
+              <a:t>中的等待時間</a:t>
+            </a:r>
+          </a:p>
+          <a:p>
+            <a:pPr marL="1371600" lvl="5" indent="-342900">
+              <a:buFont typeface="+mj-lt"/>
+              <a:buAutoNum type="arabicPeriod"/>
+            </a:pPr>
+            <a:r>
+              <a:rPr kumimoji="1" lang="en-US" altLang="zh-TW" sz="800" dirty="0">
+                <a:sym typeface="+mn-ea"/>
+              </a:rPr>
+              <a:t>CPU core numbers = 2</a:t>
+            </a:r>
+            <a:br>
+              <a:rPr kumimoji="1" lang="en-US" altLang="zh-TW" sz="800" dirty="0">
+                <a:sym typeface="+mn-ea"/>
+              </a:rPr>
+            </a:br>
+            <a:r>
+              <a:rPr kumimoji="1" lang="en-US" altLang="zh-TW" sz="800" dirty="0"/>
+              <a:t>Pool numbers = 1</a:t>
+            </a:r>
+          </a:p>
+          <a:p>
+            <a:pPr marL="1371600" lvl="5" indent="-342900">
+              <a:buFont typeface="+mj-lt"/>
+              <a:buAutoNum type="arabicPeriod"/>
+            </a:pPr>
+            <a:r>
+              <a:rPr kumimoji="1" lang="en-US" altLang="zh-TW" sz="800" dirty="0">
+                <a:sym typeface="+mn-ea"/>
+              </a:rPr>
+              <a:t>CPU core numbers = 3</a:t>
+            </a:r>
+            <a:br>
+              <a:rPr kumimoji="1" lang="en-US" altLang="zh-TW" sz="800" dirty="0">
+                <a:sym typeface="+mn-ea"/>
+              </a:rPr>
+            </a:br>
+            <a:r>
+              <a:rPr kumimoji="1" lang="en-US" altLang="zh-TW" sz="800" dirty="0"/>
+              <a:t>Pool numbers = 1</a:t>
+            </a:r>
+          </a:p>
+          <a:p>
+            <a:pPr marL="1371600" lvl="5" indent="-342900">
+              <a:buFont typeface="+mj-lt"/>
+              <a:buAutoNum type="arabicPeriod"/>
+            </a:pPr>
+            <a:r>
+              <a:rPr kumimoji="1" lang="en-US" altLang="zh-TW" sz="800" dirty="0"/>
+              <a:t>CPU core numbers = 3</a:t>
+            </a:r>
+            <a:br>
+              <a:rPr kumimoji="1" lang="en-US" altLang="zh-TW" sz="800" dirty="0"/>
+            </a:br>
+            <a:r>
+              <a:rPr kumimoji="1" lang="en-US" altLang="zh-TW" sz="800" dirty="0"/>
+              <a:t>Pool numbers = 2 (1 for real time task, 1 for non real time task)</a:t>
+            </a:r>
+          </a:p>
+          <a:p>
+            <a:pPr lvl="1">
+              <a:buFont typeface="Wingdings" panose="05000000000000000000" pitchFamily="2" charset="2"/>
+              <a:buChar char="Ø"/>
+            </a:pPr>
+            <a:r>
+              <a:rPr kumimoji="1" lang="zh-TW" altLang="en-US" sz="800" dirty="0"/>
+              <a:t>控制變因</a:t>
+            </a:r>
+            <a:r>
+              <a:rPr kumimoji="1" lang="en-US" altLang="zh-TW" sz="800" dirty="0"/>
+              <a:t>:</a:t>
+            </a:r>
+          </a:p>
+          <a:p>
+            <a:pPr marL="1317625" lvl="2" indent="-342900">
+              <a:buFont typeface="+mj-lt"/>
+              <a:buAutoNum type="arabicPeriod"/>
+            </a:pPr>
+            <a:r>
+              <a:rPr kumimoji="1" lang="zh-TW" altLang="en-US" sz="800" dirty="0"/>
+              <a:t>測試環境</a:t>
+            </a:r>
+            <a:r>
+              <a:rPr kumimoji="1" lang="en-US" altLang="zh-TW" sz="800" dirty="0"/>
+              <a:t>(Viavi)</a:t>
+            </a:r>
+          </a:p>
+          <a:p>
+            <a:pPr marL="1317625" lvl="2" indent="-342900">
+              <a:buFont typeface="+mj-lt"/>
+              <a:buAutoNum type="arabicPeriod"/>
+            </a:pPr>
+            <a:r>
+              <a:rPr kumimoji="1" lang="en-US" altLang="zh-TW" sz="800" dirty="0"/>
+              <a:t>CPU</a:t>
+            </a:r>
+            <a:r>
+              <a:rPr kumimoji="1" lang="zh-TW" altLang="en-US" sz="800" dirty="0"/>
+              <a:t>頻率</a:t>
+            </a:r>
+            <a:r>
+              <a:rPr kumimoji="1" lang="en-US" altLang="zh-TW" sz="800" dirty="0"/>
+              <a:t>1.3GHz</a:t>
+            </a:r>
+          </a:p>
+          <a:p>
+            <a:pPr marL="1317625" lvl="2" indent="-342900">
+              <a:buFont typeface="+mj-lt"/>
+              <a:buAutoNum type="arabicPeriod"/>
+            </a:pPr>
+            <a:r>
+              <a:rPr kumimoji="1" lang="en-US" altLang="zh-TW" sz="800" dirty="0"/>
+              <a:t>UE</a:t>
+            </a:r>
+            <a:r>
+              <a:rPr kumimoji="1" lang="zh-TW" altLang="en-US" sz="800" dirty="0"/>
+              <a:t>個數</a:t>
+            </a:r>
+            <a:r>
+              <a:rPr kumimoji="1" lang="en-US" altLang="zh-TW" sz="800" dirty="0"/>
+              <a:t>(16, 32)</a:t>
+            </a:r>
+          </a:p>
+          <a:p>
+            <a:pPr marL="1317625" lvl="2" indent="-342900">
+              <a:buFont typeface="+mj-lt"/>
+              <a:buAutoNum type="arabicPeriod"/>
+            </a:pPr>
+            <a:r>
+              <a:rPr kumimoji="1" lang="en-US" altLang="zh-TW" sz="800" dirty="0"/>
+              <a:t>UE</a:t>
+            </a:r>
+            <a:r>
+              <a:rPr kumimoji="1" lang="zh-TW" altLang="en-US" sz="800" dirty="0"/>
+              <a:t>個數</a:t>
+            </a:r>
+            <a:r>
+              <a:rPr kumimoji="1" lang="en-US" altLang="zh-TW" sz="800" dirty="0"/>
+              <a:t>/TTI(1, 4)</a:t>
+            </a:r>
+          </a:p>
+          <a:p>
+            <a:pPr marL="1275080" lvl="2" indent="-342900">
+              <a:buFont typeface="Wingdings" panose="05000000000000000000" pitchFamily="2" charset="2"/>
+              <a:buChar char="Ø"/>
+            </a:pPr>
+            <a:endParaRPr kumimoji="1" lang="en-US" altLang="zh-TW" sz="1000" dirty="0"/>
           </a:p>
         </p:txBody>
       </p:sp>
@@ -47561,7 +44399,7 @@
 </p:sld>
 </file>
 
-<file path=ppt/slides/slide6.xml><?xml version="1.0" encoding="utf-8"?>
+<file path=ppt/slides/slide4.xml><?xml version="1.0" encoding="utf-8"?>
 <p:sld xmlns:a="http://schemas.openxmlformats.org/drawingml/2006/main" xmlns:r="http://schemas.openxmlformats.org/officeDocument/2006/relationships" xmlns:p="http://schemas.openxmlformats.org/presentationml/2006/main">
   <p:cSld>
     <p:spTree>
@@ -47849,7 +44687,7 @@
             </a:pPr>
             <a:fld id="{A006FAFE-5151-44C5-946A-9B24DC89DB35}" type="slidenum">
               <a:rPr lang="uk-UA" altLang="en-US" smtClean="0"/>
-              <a:t>6</a:t>
+              <a:t>4</a:t>
             </a:fld>
             <a:endParaRPr lang="uk-UA" altLang="en-US" dirty="0"/>
           </a:p>
@@ -47863,7 +44701,7 @@
 </p:sld>
 </file>
 
-<file path=ppt/slides/slide7.xml><?xml version="1.0" encoding="utf-8"?>
+<file path=ppt/slides/slide5.xml><?xml version="1.0" encoding="utf-8"?>
 <p:sld xmlns:a="http://schemas.openxmlformats.org/drawingml/2006/main" xmlns:r="http://schemas.openxmlformats.org/officeDocument/2006/relationships" xmlns:p="http://schemas.openxmlformats.org/presentationml/2006/main">
   <p:cSld>
     <p:spTree>
@@ -48115,7 +44953,7 @@
             </a:pPr>
             <a:fld id="{A006FAFE-5151-44C5-946A-9B24DC89DB35}" type="slidenum">
               <a:rPr lang="uk-UA" altLang="en-US" smtClean="0"/>
-              <a:t>7</a:t>
+              <a:t>5</a:t>
             </a:fld>
             <a:endParaRPr lang="uk-UA" altLang="en-US" dirty="0"/>
           </a:p>
@@ -48134,7 +44972,7 @@
 </p:sld>
 </file>
 
-<file path=ppt/slides/slide8.xml><?xml version="1.0" encoding="utf-8"?>
+<file path=ppt/slides/slide6.xml><?xml version="1.0" encoding="utf-8"?>
 <p:sld xmlns:a="http://schemas.openxmlformats.org/drawingml/2006/main" xmlns:r="http://schemas.openxmlformats.org/officeDocument/2006/relationships" xmlns:p="http://schemas.openxmlformats.org/presentationml/2006/main">
   <p:cSld>
     <p:spTree>
@@ -48422,7 +45260,7 @@
             </a:pPr>
             <a:fld id="{A006FAFE-5151-44C5-946A-9B24DC89DB35}" type="slidenum">
               <a:rPr lang="uk-UA" altLang="en-US" smtClean="0"/>
-              <a:t>8</a:t>
+              <a:t>6</a:t>
             </a:fld>
             <a:endParaRPr lang="uk-UA" altLang="en-US" dirty="0"/>
           </a:p>
@@ -48441,7 +45279,7 @@
 </p:sld>
 </file>
 
-<file path=ppt/slides/slide9.xml><?xml version="1.0" encoding="utf-8"?>
+<file path=ppt/slides/slide7.xml><?xml version="1.0" encoding="utf-8"?>
 <p:sld xmlns:a="http://schemas.openxmlformats.org/drawingml/2006/main" xmlns:r="http://schemas.openxmlformats.org/officeDocument/2006/relationships" xmlns:p="http://schemas.openxmlformats.org/presentationml/2006/main">
   <p:cSld>
     <p:spTree>
@@ -48693,7 +45531,7 @@
             </a:pPr>
             <a:fld id="{A006FAFE-5151-44C5-946A-9B24DC89DB35}" type="slidenum">
               <a:rPr lang="uk-UA" altLang="en-US" smtClean="0"/>
-              <a:t>9</a:t>
+              <a:t>7</a:t>
             </a:fld>
             <a:endParaRPr lang="uk-UA" altLang="en-US" dirty="0"/>
           </a:p>
@@ -48703,6 +45541,584 @@
     <p:extLst>
       <p:ext uri="{BB962C8B-B14F-4D97-AF65-F5344CB8AC3E}">
         <p14:creationId xmlns:p14="http://schemas.microsoft.com/office/powerpoint/2010/main" val="2466776301"/>
+      </p:ext>
+    </p:extLst>
+  </p:cSld>
+  <p:clrMapOvr>
+    <a:masterClrMapping/>
+  </p:clrMapOvr>
+</p:sld>
+</file>
+
+<file path=ppt/slides/slide8.xml><?xml version="1.0" encoding="utf-8"?>
+<p:sld xmlns:a="http://schemas.openxmlformats.org/drawingml/2006/main" xmlns:r="http://schemas.openxmlformats.org/officeDocument/2006/relationships" xmlns:p="http://schemas.openxmlformats.org/presentationml/2006/main">
+  <p:cSld>
+    <p:spTree>
+      <p:nvGrpSpPr>
+        <p:cNvPr id="1" name=""/>
+        <p:cNvGrpSpPr/>
+        <p:nvPr/>
+      </p:nvGrpSpPr>
+      <p:grpSpPr>
+        <a:xfrm>
+          <a:off x="0" y="0"/>
+          <a:ext cx="0" cy="0"/>
+          <a:chOff x="0" y="0"/>
+          <a:chExt cx="0" cy="0"/>
+        </a:xfrm>
+      </p:grpSpPr>
+      <p:pic>
+        <p:nvPicPr>
+          <p:cNvPr id="9" name="圖片 8">
+            <a:extLst>
+              <a:ext uri="{FF2B5EF4-FFF2-40B4-BE49-F238E27FC236}">
+                <a16:creationId xmlns:a16="http://schemas.microsoft.com/office/drawing/2014/main" id="{B33831DE-DC9D-4753-B79C-370456C903CA}"/>
+              </a:ext>
+            </a:extLst>
+          </p:cNvPr>
+          <p:cNvPicPr>
+            <a:picLocks noChangeAspect="1"/>
+          </p:cNvPicPr>
+          <p:nvPr/>
+        </p:nvPicPr>
+        <p:blipFill>
+          <a:blip r:embed="rId2" cstate="print">
+            <a:extLst>
+              <a:ext uri="{28A0092B-C50C-407E-A947-70E740481C1C}">
+                <a14:useLocalDpi xmlns:a14="http://schemas.microsoft.com/office/drawing/2010/main" val="0"/>
+              </a:ext>
+            </a:extLst>
+          </a:blip>
+          <a:stretch>
+            <a:fillRect/>
+          </a:stretch>
+        </p:blipFill>
+        <p:spPr>
+          <a:xfrm>
+            <a:off x="36707" y="2901639"/>
+            <a:ext cx="3599998" cy="2001182"/>
+          </a:xfrm>
+          <a:prstGeom prst="rect">
+            <a:avLst/>
+          </a:prstGeom>
+        </p:spPr>
+      </p:pic>
+      <p:sp>
+        <p:nvSpPr>
+          <p:cNvPr id="4" name="標題 3">
+            <a:extLst>
+              <a:ext uri="{FF2B5EF4-FFF2-40B4-BE49-F238E27FC236}">
+                <a16:creationId xmlns:a16="http://schemas.microsoft.com/office/drawing/2014/main" id="{C2B72EE1-9FE7-47AC-ADAF-7926368007A1}"/>
+              </a:ext>
+            </a:extLst>
+          </p:cNvPr>
+          <p:cNvSpPr>
+            <a:spLocks noGrp="1"/>
+          </p:cNvSpPr>
+          <p:nvPr>
+            <p:ph type="title"/>
+          </p:nvPr>
+        </p:nvSpPr>
+        <p:spPr/>
+        <p:txBody>
+          <a:bodyPr/>
+          <a:lstStyle/>
+          <a:p>
+            <a:r>
+              <a:rPr lang="en-US" altLang="zh-TW" dirty="0"/>
+              <a:t>Non Real Time Task Waiting Time(x-1-x)</a:t>
+            </a:r>
+            <a:endParaRPr lang="zh-TW" altLang="en-US" dirty="0"/>
+          </a:p>
+        </p:txBody>
+      </p:sp>
+      <p:pic>
+        <p:nvPicPr>
+          <p:cNvPr id="6" name="圖片 5">
+            <a:extLst>
+              <a:ext uri="{FF2B5EF4-FFF2-40B4-BE49-F238E27FC236}">
+                <a16:creationId xmlns:a16="http://schemas.microsoft.com/office/drawing/2014/main" id="{91C2CFEA-46CC-4FE6-B6F8-140B1E60D67C}"/>
+              </a:ext>
+            </a:extLst>
+          </p:cNvPr>
+          <p:cNvPicPr>
+            <a:picLocks noChangeAspect="1"/>
+          </p:cNvPicPr>
+          <p:nvPr/>
+        </p:nvPicPr>
+        <p:blipFill>
+          <a:blip r:embed="rId3" cstate="print">
+            <a:extLst>
+              <a:ext uri="{28A0092B-C50C-407E-A947-70E740481C1C}">
+                <a14:useLocalDpi xmlns:a14="http://schemas.microsoft.com/office/drawing/2010/main" val="0"/>
+              </a:ext>
+            </a:extLst>
+          </a:blip>
+          <a:stretch>
+            <a:fillRect/>
+          </a:stretch>
+        </p:blipFill>
+        <p:spPr>
+          <a:xfrm>
+            <a:off x="36389" y="900460"/>
+            <a:ext cx="3600000" cy="2001182"/>
+          </a:xfrm>
+          <a:prstGeom prst="rect">
+            <a:avLst/>
+          </a:prstGeom>
+        </p:spPr>
+      </p:pic>
+      <p:pic>
+        <p:nvPicPr>
+          <p:cNvPr id="8" name="圖片 7">
+            <a:extLst>
+              <a:ext uri="{FF2B5EF4-FFF2-40B4-BE49-F238E27FC236}">
+                <a16:creationId xmlns:a16="http://schemas.microsoft.com/office/drawing/2014/main" id="{11110B4C-976F-402C-B30B-58EA747C0B4D}"/>
+              </a:ext>
+            </a:extLst>
+          </p:cNvPr>
+          <p:cNvPicPr>
+            <a:picLocks noChangeAspect="1"/>
+          </p:cNvPicPr>
+          <p:nvPr/>
+        </p:nvPicPr>
+        <p:blipFill>
+          <a:blip r:embed="rId4" cstate="print">
+            <a:extLst>
+              <a:ext uri="{28A0092B-C50C-407E-A947-70E740481C1C}">
+                <a14:useLocalDpi xmlns:a14="http://schemas.microsoft.com/office/drawing/2010/main" val="0"/>
+              </a:ext>
+            </a:extLst>
+          </a:blip>
+          <a:stretch>
+            <a:fillRect/>
+          </a:stretch>
+        </p:blipFill>
+        <p:spPr>
+          <a:xfrm>
+            <a:off x="2988717" y="900459"/>
+            <a:ext cx="3600000" cy="2001182"/>
+          </a:xfrm>
+          <a:prstGeom prst="rect">
+            <a:avLst/>
+          </a:prstGeom>
+        </p:spPr>
+      </p:pic>
+      <p:pic>
+        <p:nvPicPr>
+          <p:cNvPr id="17" name="圖片 16">
+            <a:extLst>
+              <a:ext uri="{FF2B5EF4-FFF2-40B4-BE49-F238E27FC236}">
+                <a16:creationId xmlns:a16="http://schemas.microsoft.com/office/drawing/2014/main" id="{9097A7F4-525E-4D04-B857-67016E3FAA79}"/>
+              </a:ext>
+            </a:extLst>
+          </p:cNvPr>
+          <p:cNvPicPr>
+            <a:picLocks noChangeAspect="1"/>
+          </p:cNvPicPr>
+          <p:nvPr/>
+        </p:nvPicPr>
+        <p:blipFill>
+          <a:blip r:embed="rId5" cstate="print">
+            <a:extLst>
+              <a:ext uri="{28A0092B-C50C-407E-A947-70E740481C1C}">
+                <a14:useLocalDpi xmlns:a14="http://schemas.microsoft.com/office/drawing/2010/main" val="0"/>
+              </a:ext>
+            </a:extLst>
+          </a:blip>
+          <a:stretch>
+            <a:fillRect/>
+          </a:stretch>
+        </p:blipFill>
+        <p:spPr>
+          <a:xfrm>
+            <a:off x="5963622" y="900458"/>
+            <a:ext cx="3600000" cy="2001182"/>
+          </a:xfrm>
+          <a:prstGeom prst="rect">
+            <a:avLst/>
+          </a:prstGeom>
+        </p:spPr>
+      </p:pic>
+      <p:pic>
+        <p:nvPicPr>
+          <p:cNvPr id="21" name="圖片 20">
+            <a:extLst>
+              <a:ext uri="{FF2B5EF4-FFF2-40B4-BE49-F238E27FC236}">
+                <a16:creationId xmlns:a16="http://schemas.microsoft.com/office/drawing/2014/main" id="{765287B1-0D60-4376-8D43-B6D7F7385A85}"/>
+              </a:ext>
+            </a:extLst>
+          </p:cNvPr>
+          <p:cNvPicPr>
+            <a:picLocks noChangeAspect="1"/>
+          </p:cNvPicPr>
+          <p:nvPr/>
+        </p:nvPicPr>
+        <p:blipFill>
+          <a:blip r:embed="rId6" cstate="print">
+            <a:extLst>
+              <a:ext uri="{28A0092B-C50C-407E-A947-70E740481C1C}">
+                <a14:useLocalDpi xmlns:a14="http://schemas.microsoft.com/office/drawing/2010/main" val="0"/>
+              </a:ext>
+            </a:extLst>
+          </a:blip>
+          <a:stretch>
+            <a:fillRect/>
+          </a:stretch>
+        </p:blipFill>
+        <p:spPr>
+          <a:xfrm>
+            <a:off x="2990023" y="2901640"/>
+            <a:ext cx="3599998" cy="2001182"/>
+          </a:xfrm>
+          <a:prstGeom prst="rect">
+            <a:avLst/>
+          </a:prstGeom>
+        </p:spPr>
+      </p:pic>
+      <p:pic>
+        <p:nvPicPr>
+          <p:cNvPr id="22" name="圖片 21">
+            <a:extLst>
+              <a:ext uri="{FF2B5EF4-FFF2-40B4-BE49-F238E27FC236}">
+                <a16:creationId xmlns:a16="http://schemas.microsoft.com/office/drawing/2014/main" id="{EB03DF52-D0F1-467B-8B33-DCE21EB9BB2F}"/>
+              </a:ext>
+            </a:extLst>
+          </p:cNvPr>
+          <p:cNvPicPr>
+            <a:picLocks noChangeAspect="1"/>
+          </p:cNvPicPr>
+          <p:nvPr/>
+        </p:nvPicPr>
+        <p:blipFill>
+          <a:blip r:embed="rId7" cstate="print">
+            <a:extLst>
+              <a:ext uri="{28A0092B-C50C-407E-A947-70E740481C1C}">
+                <a14:useLocalDpi xmlns:a14="http://schemas.microsoft.com/office/drawing/2010/main" val="0"/>
+              </a:ext>
+            </a:extLst>
+          </a:blip>
+          <a:stretch>
+            <a:fillRect/>
+          </a:stretch>
+        </p:blipFill>
+        <p:spPr>
+          <a:xfrm>
+            <a:off x="5964928" y="2901639"/>
+            <a:ext cx="3599998" cy="2001182"/>
+          </a:xfrm>
+          <a:prstGeom prst="rect">
+            <a:avLst/>
+          </a:prstGeom>
+        </p:spPr>
+      </p:pic>
+      <p:sp>
+        <p:nvSpPr>
+          <p:cNvPr id="2" name="投影片編號版面配置區 1">
+            <a:extLst>
+              <a:ext uri="{FF2B5EF4-FFF2-40B4-BE49-F238E27FC236}">
+                <a16:creationId xmlns:a16="http://schemas.microsoft.com/office/drawing/2014/main" id="{BF1A8120-4593-44B0-9AC2-322E9E41CDA7}"/>
+              </a:ext>
+            </a:extLst>
+          </p:cNvPr>
+          <p:cNvSpPr>
+            <a:spLocks noGrp="1"/>
+          </p:cNvSpPr>
+          <p:nvPr>
+            <p:ph type="sldNum" sz="quarter" idx="4"/>
+          </p:nvPr>
+        </p:nvSpPr>
+        <p:spPr/>
+        <p:txBody>
+          <a:bodyPr/>
+          <a:lstStyle/>
+          <a:p>
+            <a:pPr>
+              <a:defRPr/>
+            </a:pPr>
+            <a:fld id="{A006FAFE-5151-44C5-946A-9B24DC89DB35}" type="slidenum">
+              <a:rPr lang="uk-UA" altLang="en-US" smtClean="0"/>
+              <a:t>8</a:t>
+            </a:fld>
+            <a:endParaRPr lang="uk-UA" altLang="en-US" dirty="0"/>
+          </a:p>
+        </p:txBody>
+      </p:sp>
+    </p:spTree>
+    <p:extLst>
+      <p:ext uri="{BB962C8B-B14F-4D97-AF65-F5344CB8AC3E}">
+        <p14:creationId xmlns:p14="http://schemas.microsoft.com/office/powerpoint/2010/main" val="1238089066"/>
+      </p:ext>
+    </p:extLst>
+  </p:cSld>
+  <p:clrMapOvr>
+    <a:masterClrMapping/>
+  </p:clrMapOvr>
+</p:sld>
+</file>
+
+<file path=ppt/slides/slide9.xml><?xml version="1.0" encoding="utf-8"?>
+<p:sld xmlns:a="http://schemas.openxmlformats.org/drawingml/2006/main" xmlns:r="http://schemas.openxmlformats.org/officeDocument/2006/relationships" xmlns:p="http://schemas.openxmlformats.org/presentationml/2006/main">
+  <p:cSld>
+    <p:spTree>
+      <p:nvGrpSpPr>
+        <p:cNvPr id="1" name=""/>
+        <p:cNvGrpSpPr/>
+        <p:nvPr/>
+      </p:nvGrpSpPr>
+      <p:grpSpPr>
+        <a:xfrm>
+          <a:off x="0" y="0"/>
+          <a:ext cx="0" cy="0"/>
+          <a:chOff x="0" y="0"/>
+          <a:chExt cx="0" cy="0"/>
+        </a:xfrm>
+      </p:grpSpPr>
+      <p:sp>
+        <p:nvSpPr>
+          <p:cNvPr id="4" name="標題 3">
+            <a:extLst>
+              <a:ext uri="{FF2B5EF4-FFF2-40B4-BE49-F238E27FC236}">
+                <a16:creationId xmlns:a16="http://schemas.microsoft.com/office/drawing/2014/main" id="{C2B72EE1-9FE7-47AC-ADAF-7926368007A1}"/>
+              </a:ext>
+            </a:extLst>
+          </p:cNvPr>
+          <p:cNvSpPr>
+            <a:spLocks noGrp="1"/>
+          </p:cNvSpPr>
+          <p:nvPr>
+            <p:ph type="title"/>
+          </p:nvPr>
+        </p:nvSpPr>
+        <p:spPr/>
+        <p:txBody>
+          <a:bodyPr/>
+          <a:lstStyle/>
+          <a:p>
+            <a:r>
+              <a:rPr lang="en-US" altLang="zh-TW" dirty="0"/>
+              <a:t>Non Real Time Task Waiting Time(x-4-x)</a:t>
+            </a:r>
+            <a:endParaRPr lang="zh-TW" altLang="en-US" dirty="0"/>
+          </a:p>
+        </p:txBody>
+      </p:sp>
+      <p:pic>
+        <p:nvPicPr>
+          <p:cNvPr id="6" name="圖片 5">
+            <a:extLst>
+              <a:ext uri="{FF2B5EF4-FFF2-40B4-BE49-F238E27FC236}">
+                <a16:creationId xmlns:a16="http://schemas.microsoft.com/office/drawing/2014/main" id="{91C2CFEA-46CC-4FE6-B6F8-140B1E60D67C}"/>
+              </a:ext>
+            </a:extLst>
+          </p:cNvPr>
+          <p:cNvPicPr>
+            <a:picLocks noChangeAspect="1"/>
+          </p:cNvPicPr>
+          <p:nvPr/>
+        </p:nvPicPr>
+        <p:blipFill>
+          <a:blip r:embed="rId2" cstate="print">
+            <a:extLst>
+              <a:ext uri="{28A0092B-C50C-407E-A947-70E740481C1C}">
+                <a14:useLocalDpi xmlns:a14="http://schemas.microsoft.com/office/drawing/2010/main" val="0"/>
+              </a:ext>
+            </a:extLst>
+          </a:blip>
+          <a:stretch>
+            <a:fillRect/>
+          </a:stretch>
+        </p:blipFill>
+        <p:spPr>
+          <a:xfrm>
+            <a:off x="36390" y="900460"/>
+            <a:ext cx="3599998" cy="2001181"/>
+          </a:xfrm>
+          <a:prstGeom prst="rect">
+            <a:avLst/>
+          </a:prstGeom>
+        </p:spPr>
+      </p:pic>
+      <p:pic>
+        <p:nvPicPr>
+          <p:cNvPr id="8" name="圖片 7">
+            <a:extLst>
+              <a:ext uri="{FF2B5EF4-FFF2-40B4-BE49-F238E27FC236}">
+                <a16:creationId xmlns:a16="http://schemas.microsoft.com/office/drawing/2014/main" id="{11110B4C-976F-402C-B30B-58EA747C0B4D}"/>
+              </a:ext>
+            </a:extLst>
+          </p:cNvPr>
+          <p:cNvPicPr>
+            <a:picLocks noChangeAspect="1"/>
+          </p:cNvPicPr>
+          <p:nvPr/>
+        </p:nvPicPr>
+        <p:blipFill>
+          <a:blip r:embed="rId3" cstate="print">
+            <a:extLst>
+              <a:ext uri="{28A0092B-C50C-407E-A947-70E740481C1C}">
+                <a14:useLocalDpi xmlns:a14="http://schemas.microsoft.com/office/drawing/2010/main" val="0"/>
+              </a:ext>
+            </a:extLst>
+          </a:blip>
+          <a:stretch>
+            <a:fillRect/>
+          </a:stretch>
+        </p:blipFill>
+        <p:spPr>
+          <a:xfrm>
+            <a:off x="2988718" y="900459"/>
+            <a:ext cx="3599998" cy="2001181"/>
+          </a:xfrm>
+          <a:prstGeom prst="rect">
+            <a:avLst/>
+          </a:prstGeom>
+        </p:spPr>
+      </p:pic>
+      <p:pic>
+        <p:nvPicPr>
+          <p:cNvPr id="17" name="圖片 16">
+            <a:extLst>
+              <a:ext uri="{FF2B5EF4-FFF2-40B4-BE49-F238E27FC236}">
+                <a16:creationId xmlns:a16="http://schemas.microsoft.com/office/drawing/2014/main" id="{9097A7F4-525E-4D04-B857-67016E3FAA79}"/>
+              </a:ext>
+            </a:extLst>
+          </p:cNvPr>
+          <p:cNvPicPr>
+            <a:picLocks noChangeAspect="1"/>
+          </p:cNvPicPr>
+          <p:nvPr/>
+        </p:nvPicPr>
+        <p:blipFill>
+          <a:blip r:embed="rId4" cstate="print">
+            <a:extLst>
+              <a:ext uri="{28A0092B-C50C-407E-A947-70E740481C1C}">
+                <a14:useLocalDpi xmlns:a14="http://schemas.microsoft.com/office/drawing/2010/main" val="0"/>
+              </a:ext>
+            </a:extLst>
+          </a:blip>
+          <a:stretch>
+            <a:fillRect/>
+          </a:stretch>
+        </p:blipFill>
+        <p:spPr>
+          <a:xfrm>
+            <a:off x="5963623" y="900458"/>
+            <a:ext cx="3599998" cy="2001181"/>
+          </a:xfrm>
+          <a:prstGeom prst="rect">
+            <a:avLst/>
+          </a:prstGeom>
+        </p:spPr>
+      </p:pic>
+      <p:pic>
+        <p:nvPicPr>
+          <p:cNvPr id="21" name="圖片 20">
+            <a:extLst>
+              <a:ext uri="{FF2B5EF4-FFF2-40B4-BE49-F238E27FC236}">
+                <a16:creationId xmlns:a16="http://schemas.microsoft.com/office/drawing/2014/main" id="{765287B1-0D60-4376-8D43-B6D7F7385A85}"/>
+              </a:ext>
+            </a:extLst>
+          </p:cNvPr>
+          <p:cNvPicPr>
+            <a:picLocks noChangeAspect="1"/>
+          </p:cNvPicPr>
+          <p:nvPr/>
+        </p:nvPicPr>
+        <p:blipFill>
+          <a:blip r:embed="rId5" cstate="print">
+            <a:extLst>
+              <a:ext uri="{28A0092B-C50C-407E-A947-70E740481C1C}">
+                <a14:useLocalDpi xmlns:a14="http://schemas.microsoft.com/office/drawing/2010/main" val="0"/>
+              </a:ext>
+            </a:extLst>
+          </a:blip>
+          <a:stretch>
+            <a:fillRect/>
+          </a:stretch>
+        </p:blipFill>
+        <p:spPr>
+          <a:xfrm>
+            <a:off x="2990024" y="2901640"/>
+            <a:ext cx="3599996" cy="2001181"/>
+          </a:xfrm>
+          <a:prstGeom prst="rect">
+            <a:avLst/>
+          </a:prstGeom>
+        </p:spPr>
+      </p:pic>
+      <p:pic>
+        <p:nvPicPr>
+          <p:cNvPr id="22" name="圖片 21">
+            <a:extLst>
+              <a:ext uri="{FF2B5EF4-FFF2-40B4-BE49-F238E27FC236}">
+                <a16:creationId xmlns:a16="http://schemas.microsoft.com/office/drawing/2014/main" id="{EB03DF52-D0F1-467B-8B33-DCE21EB9BB2F}"/>
+              </a:ext>
+            </a:extLst>
+          </p:cNvPr>
+          <p:cNvPicPr>
+            <a:picLocks noChangeAspect="1"/>
+          </p:cNvPicPr>
+          <p:nvPr/>
+        </p:nvPicPr>
+        <p:blipFill>
+          <a:blip r:embed="rId6" cstate="print">
+            <a:extLst>
+              <a:ext uri="{28A0092B-C50C-407E-A947-70E740481C1C}">
+                <a14:useLocalDpi xmlns:a14="http://schemas.microsoft.com/office/drawing/2010/main" val="0"/>
+              </a:ext>
+            </a:extLst>
+          </a:blip>
+          <a:stretch>
+            <a:fillRect/>
+          </a:stretch>
+        </p:blipFill>
+        <p:spPr>
+          <a:xfrm>
+            <a:off x="5964929" y="2901639"/>
+            <a:ext cx="3599996" cy="2001181"/>
+          </a:xfrm>
+          <a:prstGeom prst="rect">
+            <a:avLst/>
+          </a:prstGeom>
+        </p:spPr>
+      </p:pic>
+      <p:sp>
+        <p:nvSpPr>
+          <p:cNvPr id="2" name="投影片編號版面配置區 1">
+            <a:extLst>
+              <a:ext uri="{FF2B5EF4-FFF2-40B4-BE49-F238E27FC236}">
+                <a16:creationId xmlns:a16="http://schemas.microsoft.com/office/drawing/2014/main" id="{8910B431-8034-41BD-A2F9-7EC72C596847}"/>
+              </a:ext>
+            </a:extLst>
+          </p:cNvPr>
+          <p:cNvSpPr>
+            <a:spLocks noGrp="1"/>
+          </p:cNvSpPr>
+          <p:nvPr>
+            <p:ph type="sldNum" sz="quarter" idx="4"/>
+          </p:nvPr>
+        </p:nvSpPr>
+        <p:spPr/>
+        <p:txBody>
+          <a:bodyPr/>
+          <a:lstStyle/>
+          <a:p>
+            <a:pPr>
+              <a:defRPr/>
+            </a:pPr>
+            <a:fld id="{A006FAFE-5151-44C5-946A-9B24DC89DB35}" type="slidenum">
+              <a:rPr lang="uk-UA" altLang="en-US" smtClean="0"/>
+              <a:t>9</a:t>
+            </a:fld>
+            <a:endParaRPr lang="uk-UA" altLang="en-US" dirty="0"/>
+          </a:p>
+        </p:txBody>
+      </p:sp>
+    </p:spTree>
+    <p:extLst>
+      <p:ext uri="{BB962C8B-B14F-4D97-AF65-F5344CB8AC3E}">
+        <p14:creationId xmlns:p14="http://schemas.microsoft.com/office/powerpoint/2010/main" val="1375537214"/>
       </p:ext>
     </p:extLst>
   </p:cSld>
